--- a/과제PPT/데이터베이스 3강.pptx
+++ b/과제PPT/데이터베이스 3강.pptx
@@ -33,6 +33,15 @@
     <p:sldId id="291" r:id="rId27"/>
     <p:sldId id="292" r:id="rId28"/>
     <p:sldId id="269" r:id="rId29"/>
+    <p:sldId id="293" r:id="rId30"/>
+    <p:sldId id="294" r:id="rId31"/>
+    <p:sldId id="295" r:id="rId32"/>
+    <p:sldId id="296" r:id="rId33"/>
+    <p:sldId id="297" r:id="rId34"/>
+    <p:sldId id="298" r:id="rId35"/>
+    <p:sldId id="299" r:id="rId36"/>
+    <p:sldId id="300" r:id="rId37"/>
+    <p:sldId id="301" r:id="rId38"/>
   </p:sldIdLst>
   <p:sldSz cx="12192000" cy="6858000"/>
   <p:notesSz cx="6858000" cy="9144000"/>
@@ -351,7 +360,7 @@
             <a:fld id="{96DFF08F-DC6B-4601-B491-B0F83F6DD2DA}" type="datetimeFigureOut">
               <a:rPr lang="en-US" dirty="0"/>
               <a:pPr/>
-              <a:t>5/18/2023</a:t>
+              <a:t>5/23/2023</a:t>
             </a:fld>
             <a:endParaRPr lang="en-US" dirty="0"/>
           </a:p>
@@ -568,7 +577,7 @@
           <a:p>
             <a:fld id="{96DFF08F-DC6B-4601-B491-B0F83F6DD2DA}" type="datetimeFigureOut">
               <a:rPr lang="en-US" dirty="0"/>
-              <a:t>5/18/2023</a:t>
+              <a:t>5/23/2023</a:t>
             </a:fld>
             <a:endParaRPr lang="en-US" dirty="0"/>
           </a:p>
@@ -743,7 +752,7 @@
           <a:p>
             <a:fld id="{96DFF08F-DC6B-4601-B491-B0F83F6DD2DA}" type="datetimeFigureOut">
               <a:rPr lang="en-US" dirty="0"/>
-              <a:t>5/18/2023</a:t>
+              <a:t>5/23/2023</a:t>
             </a:fld>
             <a:endParaRPr lang="en-US" dirty="0"/>
           </a:p>
@@ -908,7 +917,7 @@
           <a:p>
             <a:fld id="{96DFF08F-DC6B-4601-B491-B0F83F6DD2DA}" type="datetimeFigureOut">
               <a:rPr lang="en-US" dirty="0"/>
-              <a:t>5/18/2023</a:t>
+              <a:t>5/23/2023</a:t>
             </a:fld>
             <a:endParaRPr lang="en-US" dirty="0"/>
           </a:p>
@@ -1177,7 +1186,7 @@
           <a:p>
             <a:fld id="{96DFF08F-DC6B-4601-B491-B0F83F6DD2DA}" type="datetimeFigureOut">
               <a:rPr lang="en-US" dirty="0"/>
-              <a:t>5/18/2023</a:t>
+              <a:t>5/23/2023</a:t>
             </a:fld>
             <a:endParaRPr lang="en-US" dirty="0"/>
           </a:p>
@@ -1495,7 +1504,7 @@
           <a:p>
             <a:fld id="{96DFF08F-DC6B-4601-B491-B0F83F6DD2DA}" type="datetimeFigureOut">
               <a:rPr lang="en-US" dirty="0"/>
-              <a:t>5/18/2023</a:t>
+              <a:t>5/23/2023</a:t>
             </a:fld>
             <a:endParaRPr lang="en-US" dirty="0"/>
           </a:p>
@@ -1914,7 +1923,7 @@
           <a:p>
             <a:fld id="{96DFF08F-DC6B-4601-B491-B0F83F6DD2DA}" type="datetimeFigureOut">
               <a:rPr lang="en-US" dirty="0"/>
-              <a:t>5/18/2023</a:t>
+              <a:t>5/23/2023</a:t>
             </a:fld>
             <a:endParaRPr lang="en-US" dirty="0"/>
           </a:p>
@@ -2027,7 +2036,7 @@
           <a:p>
             <a:fld id="{96DFF08F-DC6B-4601-B491-B0F83F6DD2DA}" type="datetimeFigureOut">
               <a:rPr lang="en-US" dirty="0"/>
-              <a:t>5/18/2023</a:t>
+              <a:t>5/23/2023</a:t>
             </a:fld>
             <a:endParaRPr lang="en-US" dirty="0"/>
           </a:p>
@@ -2117,7 +2126,7 @@
           <a:p>
             <a:fld id="{96DFF08F-DC6B-4601-B491-B0F83F6DD2DA}" type="datetimeFigureOut">
               <a:rPr lang="en-US" dirty="0"/>
-              <a:t>5/18/2023</a:t>
+              <a:t>5/23/2023</a:t>
             </a:fld>
             <a:endParaRPr lang="en-US" dirty="0"/>
           </a:p>
@@ -2402,7 +2411,7 @@
           <a:p>
             <a:fld id="{96DFF08F-DC6B-4601-B491-B0F83F6DD2DA}" type="datetimeFigureOut">
               <a:rPr lang="en-US" dirty="0"/>
-              <a:t>5/18/2023</a:t>
+              <a:t>5/23/2023</a:t>
             </a:fld>
             <a:endParaRPr lang="en-US" dirty="0"/>
           </a:p>
@@ -2669,7 +2678,7 @@
           <a:p>
             <a:fld id="{96DFF08F-DC6B-4601-B491-B0F83F6DD2DA}" type="datetimeFigureOut">
               <a:rPr lang="en-US" dirty="0"/>
-              <a:t>5/18/2023</a:t>
+              <a:t>5/23/2023</a:t>
             </a:fld>
             <a:endParaRPr lang="en-US" dirty="0"/>
           </a:p>
@@ -2919,7 +2928,7 @@
             <a:fld id="{96DFF08F-DC6B-4601-B491-B0F83F6DD2DA}" type="datetimeFigureOut">
               <a:rPr lang="en-US" dirty="0"/>
               <a:pPr/>
-              <a:t>5/18/2023</a:t>
+              <a:t>5/23/2023</a:t>
             </a:fld>
             <a:endParaRPr lang="en-US" dirty="0"/>
           </a:p>
@@ -3623,7 +3632,7 @@
         </p:blipFill>
         <p:spPr>
           <a:xfrm>
-            <a:off x="441092" y="1057872"/>
+            <a:off x="441092" y="2008848"/>
             <a:ext cx="11402563" cy="253390"/>
           </a:xfrm>
           <a:prstGeom prst="rect">
@@ -3639,7 +3648,7 @@
         </p:nvSpPr>
         <p:spPr>
           <a:xfrm>
-            <a:off x="441094" y="1850571"/>
+            <a:off x="441094" y="2801547"/>
             <a:ext cx="11097763" cy="369332"/>
           </a:xfrm>
           <a:prstGeom prst="rect">
@@ -3709,7 +3718,7 @@
         </p:blipFill>
         <p:spPr>
           <a:xfrm>
-            <a:off x="441091" y="3379729"/>
+            <a:off x="441091" y="4330705"/>
             <a:ext cx="11402563" cy="325443"/>
           </a:xfrm>
           <a:prstGeom prst="rect">
@@ -3733,7 +3742,7 @@
         </p:blipFill>
         <p:spPr>
           <a:xfrm>
-            <a:off x="441092" y="457699"/>
+            <a:off x="441092" y="1408675"/>
             <a:ext cx="11402563" cy="545340"/>
           </a:xfrm>
           <a:prstGeom prst="rect">
@@ -3757,7 +3766,7 @@
         </p:blipFill>
         <p:spPr>
           <a:xfrm>
-            <a:off x="441091" y="2805402"/>
+            <a:off x="441091" y="3756378"/>
             <a:ext cx="11402563" cy="447425"/>
           </a:xfrm>
           <a:prstGeom prst="rect">
@@ -3765,6 +3774,40 @@
           </a:prstGeom>
         </p:spPr>
       </p:pic>
+      <p:sp>
+        <p:nvSpPr>
+          <p:cNvPr id="7" name="TextBox 6"/>
+          <p:cNvSpPr txBox="1"/>
+          <p:nvPr/>
+        </p:nvSpPr>
+        <p:spPr>
+          <a:xfrm>
+            <a:off x="441091" y="423286"/>
+            <a:ext cx="4347148" cy="523220"/>
+          </a:xfrm>
+          <a:prstGeom prst="rect">
+            <a:avLst/>
+          </a:prstGeom>
+          <a:noFill/>
+        </p:spPr>
+        <p:txBody>
+          <a:bodyPr wrap="square" rtlCol="0">
+            <a:spAutoFit/>
+          </a:bodyPr>
+          <a:lstStyle/>
+          <a:p>
+            <a:pPr marL="285750" indent="-285750">
+              <a:buFont typeface="Arial" panose="020B0604020202020204" pitchFamily="34" charset="0"/>
+              <a:buChar char="•"/>
+            </a:pPr>
+            <a:r>
+              <a:rPr lang="ko-KR" altLang="en-US" sz="2800" dirty="0" smtClean="0"/>
+              <a:t>오류 부분 확인</a:t>
+            </a:r>
+            <a:endParaRPr lang="ko-KR" altLang="en-US" sz="2800" dirty="0"/>
+          </a:p>
+        </p:txBody>
+      </p:sp>
     </p:spTree>
     <p:extLst>
       <p:ext uri="{BB962C8B-B14F-4D97-AF65-F5344CB8AC3E}">
@@ -3835,7 +3878,7 @@
         </p:blipFill>
         <p:spPr>
           <a:xfrm>
-            <a:off x="416900" y="1254374"/>
+            <a:off x="457134" y="1927373"/>
             <a:ext cx="2709362" cy="3756538"/>
           </a:xfrm>
           <a:prstGeom prst="rect">
@@ -3883,7 +3926,7 @@
         </p:blipFill>
         <p:spPr>
           <a:xfrm>
-            <a:off x="6260998" y="1129557"/>
+            <a:off x="6239053" y="1927373"/>
             <a:ext cx="1687647" cy="3983767"/>
           </a:xfrm>
           <a:prstGeom prst="rect">
@@ -3891,6 +3934,148 @@
           </a:prstGeom>
         </p:spPr>
       </p:pic>
+      <p:sp>
+        <p:nvSpPr>
+          <p:cNvPr id="7" name="TextBox 6"/>
+          <p:cNvSpPr txBox="1"/>
+          <p:nvPr/>
+        </p:nvSpPr>
+        <p:spPr>
+          <a:xfrm>
+            <a:off x="349158" y="791003"/>
+            <a:ext cx="5634676" cy="307777"/>
+          </a:xfrm>
+          <a:prstGeom prst="rect">
+            <a:avLst/>
+          </a:prstGeom>
+          <a:noFill/>
+        </p:spPr>
+        <p:txBody>
+          <a:bodyPr wrap="square" rtlCol="0">
+            <a:spAutoFit/>
+          </a:bodyPr>
+          <a:lstStyle/>
+          <a:p>
+            <a:r>
+              <a:rPr lang="en-US" altLang="ko-KR" sz="1400" dirty="0" smtClean="0">
+                <a:latin typeface="+mj-ea"/>
+                <a:ea typeface="+mj-ea"/>
+              </a:rPr>
+              <a:t>Select name, count(name) from </a:t>
+            </a:r>
+            <a:r>
+              <a:rPr lang="en-US" altLang="ko-KR" sz="1400" dirty="0" err="1" smtClean="0">
+                <a:latin typeface="+mj-ea"/>
+                <a:ea typeface="+mj-ea"/>
+              </a:rPr>
+              <a:t>examtable</a:t>
+            </a:r>
+            <a:r>
+              <a:rPr lang="en-US" altLang="ko-KR" sz="1400" dirty="0" smtClean="0">
+                <a:latin typeface="+mj-ea"/>
+                <a:ea typeface="+mj-ea"/>
+              </a:rPr>
+              <a:t> group by name;</a:t>
+            </a:r>
+            <a:endParaRPr lang="ko-KR" altLang="en-US" sz="1400" dirty="0">
+              <a:latin typeface="+mj-ea"/>
+              <a:ea typeface="+mj-ea"/>
+            </a:endParaRPr>
+          </a:p>
+        </p:txBody>
+      </p:sp>
+      <p:sp>
+        <p:nvSpPr>
+          <p:cNvPr id="9" name="TextBox 8"/>
+          <p:cNvSpPr txBox="1"/>
+          <p:nvPr/>
+        </p:nvSpPr>
+        <p:spPr>
+          <a:xfrm>
+            <a:off x="6159894" y="791003"/>
+            <a:ext cx="5634676" cy="307777"/>
+          </a:xfrm>
+          <a:prstGeom prst="rect">
+            <a:avLst/>
+          </a:prstGeom>
+          <a:noFill/>
+        </p:spPr>
+        <p:txBody>
+          <a:bodyPr wrap="square" rtlCol="0">
+            <a:spAutoFit/>
+          </a:bodyPr>
+          <a:lstStyle/>
+          <a:p>
+            <a:r>
+              <a:rPr lang="en-US" altLang="ko-KR" sz="1400" dirty="0" smtClean="0">
+                <a:latin typeface="+mj-ea"/>
+                <a:ea typeface="+mj-ea"/>
+              </a:rPr>
+              <a:t>Select </a:t>
+            </a:r>
+            <a:r>
+              <a:rPr lang="en-US" altLang="ko-KR" sz="1400" dirty="0" err="1" smtClean="0">
+                <a:latin typeface="+mj-ea"/>
+                <a:ea typeface="+mj-ea"/>
+              </a:rPr>
+              <a:t>kor,count</a:t>
+            </a:r>
+            <a:r>
+              <a:rPr lang="en-US" altLang="ko-KR" sz="1400" dirty="0" smtClean="0">
+                <a:latin typeface="+mj-ea"/>
+                <a:ea typeface="+mj-ea"/>
+              </a:rPr>
+              <a:t>(</a:t>
+            </a:r>
+            <a:r>
+              <a:rPr lang="en-US" altLang="ko-KR" sz="1400" dirty="0" err="1" smtClean="0">
+                <a:latin typeface="+mj-ea"/>
+                <a:ea typeface="+mj-ea"/>
+              </a:rPr>
+              <a:t>kor</a:t>
+            </a:r>
+            <a:r>
+              <a:rPr lang="en-US" altLang="ko-KR" sz="1400" dirty="0" smtClean="0">
+                <a:latin typeface="+mj-ea"/>
+                <a:ea typeface="+mj-ea"/>
+              </a:rPr>
+              <a:t>) from </a:t>
+            </a:r>
+            <a:r>
+              <a:rPr lang="en-US" altLang="ko-KR" sz="1400" dirty="0" err="1" smtClean="0">
+                <a:latin typeface="+mj-ea"/>
+                <a:ea typeface="+mj-ea"/>
+              </a:rPr>
+              <a:t>examtable</a:t>
+            </a:r>
+            <a:r>
+              <a:rPr lang="en-US" altLang="ko-KR" sz="1400" dirty="0" smtClean="0">
+                <a:latin typeface="+mj-ea"/>
+                <a:ea typeface="+mj-ea"/>
+              </a:rPr>
+              <a:t> group by </a:t>
+            </a:r>
+            <a:r>
+              <a:rPr lang="en-US" altLang="ko-KR" sz="1400" dirty="0" err="1" smtClean="0">
+                <a:latin typeface="+mj-ea"/>
+                <a:ea typeface="+mj-ea"/>
+              </a:rPr>
+              <a:t>kor</a:t>
+            </a:r>
+            <a:r>
+              <a:rPr lang="en-US" altLang="ko-KR" sz="1400" dirty="0" smtClean="0">
+                <a:latin typeface="+mj-ea"/>
+                <a:ea typeface="+mj-ea"/>
+              </a:rPr>
+              <a:t>;</a:t>
+            </a:r>
+            <a:endParaRPr lang="ko-KR" altLang="en-US" sz="1400" dirty="0">
+              <a:latin typeface="+mj-ea"/>
+              <a:ea typeface="+mj-ea"/>
+            </a:endParaRPr>
+          </a:p>
+        </p:txBody>
+      </p:sp>
     </p:spTree>
     <p:extLst>
       <p:ext uri="{BB962C8B-B14F-4D97-AF65-F5344CB8AC3E}">
@@ -4173,6 +4358,52 @@
           </a:prstGeom>
         </p:spPr>
       </p:pic>
+      <p:sp>
+        <p:nvSpPr>
+          <p:cNvPr id="7" name="TextBox 6"/>
+          <p:cNvSpPr txBox="1"/>
+          <p:nvPr/>
+        </p:nvSpPr>
+        <p:spPr>
+          <a:xfrm>
+            <a:off x="10114572" y="6142259"/>
+            <a:ext cx="2077428" cy="369332"/>
+          </a:xfrm>
+          <a:prstGeom prst="rect">
+            <a:avLst/>
+          </a:prstGeom>
+          <a:noFill/>
+        </p:spPr>
+        <p:txBody>
+          <a:bodyPr wrap="square" rtlCol="0">
+            <a:spAutoFit/>
+          </a:bodyPr>
+          <a:lstStyle/>
+          <a:p>
+            <a:r>
+              <a:rPr lang="en-US" altLang="ko-KR" dirty="0" smtClean="0"/>
+              <a:t>3</a:t>
+            </a:r>
+            <a:r>
+              <a:rPr lang="ko-KR" altLang="en-US" dirty="0" smtClean="0"/>
+              <a:t>강 </a:t>
+            </a:r>
+            <a:r>
+              <a:rPr lang="en-US" altLang="ko-KR" dirty="0" err="1" smtClean="0"/>
+              <a:t>ppt</a:t>
+            </a:r>
+            <a:r>
+              <a:rPr lang="en-US" altLang="ko-KR" dirty="0" smtClean="0"/>
+              <a:t> 8</a:t>
+            </a:r>
+            <a:r>
+              <a:rPr lang="ko-KR" altLang="en-US" dirty="0" smtClean="0"/>
+              <a:t>페이지</a:t>
+            </a:r>
+            <a:endParaRPr lang="ko-KR" altLang="en-US" dirty="0"/>
+          </a:p>
+        </p:txBody>
+      </p:sp>
     </p:spTree>
     <p:extLst>
       <p:ext uri="{BB962C8B-B14F-4D97-AF65-F5344CB8AC3E}">
@@ -4299,6 +4530,52 @@
           </a:prstGeom>
         </p:spPr>
       </p:pic>
+      <p:sp>
+        <p:nvSpPr>
+          <p:cNvPr id="7" name="TextBox 6"/>
+          <p:cNvSpPr txBox="1"/>
+          <p:nvPr/>
+        </p:nvSpPr>
+        <p:spPr>
+          <a:xfrm>
+            <a:off x="10114572" y="6142259"/>
+            <a:ext cx="2077428" cy="369332"/>
+          </a:xfrm>
+          <a:prstGeom prst="rect">
+            <a:avLst/>
+          </a:prstGeom>
+          <a:noFill/>
+        </p:spPr>
+        <p:txBody>
+          <a:bodyPr wrap="square" rtlCol="0">
+            <a:spAutoFit/>
+          </a:bodyPr>
+          <a:lstStyle/>
+          <a:p>
+            <a:r>
+              <a:rPr lang="en-US" altLang="ko-KR" dirty="0" smtClean="0"/>
+              <a:t>3</a:t>
+            </a:r>
+            <a:r>
+              <a:rPr lang="ko-KR" altLang="en-US" dirty="0" smtClean="0"/>
+              <a:t>강 </a:t>
+            </a:r>
+            <a:r>
+              <a:rPr lang="en-US" altLang="ko-KR" dirty="0" err="1" smtClean="0"/>
+              <a:t>ppt</a:t>
+            </a:r>
+            <a:r>
+              <a:rPr lang="en-US" altLang="ko-KR" dirty="0" smtClean="0"/>
+              <a:t> 8</a:t>
+            </a:r>
+            <a:r>
+              <a:rPr lang="ko-KR" altLang="en-US" dirty="0" smtClean="0"/>
+              <a:t>페이지</a:t>
+            </a:r>
+            <a:endParaRPr lang="ko-KR" altLang="en-US" dirty="0"/>
+          </a:p>
+        </p:txBody>
+      </p:sp>
     </p:spTree>
     <p:extLst>
       <p:ext uri="{BB962C8B-B14F-4D97-AF65-F5344CB8AC3E}">
@@ -4425,6 +4702,52 @@
           </a:prstGeom>
         </p:spPr>
       </p:pic>
+      <p:sp>
+        <p:nvSpPr>
+          <p:cNvPr id="7" name="TextBox 6"/>
+          <p:cNvSpPr txBox="1"/>
+          <p:nvPr/>
+        </p:nvSpPr>
+        <p:spPr>
+          <a:xfrm>
+            <a:off x="10114572" y="6142259"/>
+            <a:ext cx="2077428" cy="369332"/>
+          </a:xfrm>
+          <a:prstGeom prst="rect">
+            <a:avLst/>
+          </a:prstGeom>
+          <a:noFill/>
+        </p:spPr>
+        <p:txBody>
+          <a:bodyPr wrap="square" rtlCol="0">
+            <a:spAutoFit/>
+          </a:bodyPr>
+          <a:lstStyle/>
+          <a:p>
+            <a:r>
+              <a:rPr lang="en-US" altLang="ko-KR" dirty="0" smtClean="0"/>
+              <a:t>3</a:t>
+            </a:r>
+            <a:r>
+              <a:rPr lang="ko-KR" altLang="en-US" dirty="0" smtClean="0"/>
+              <a:t>강 </a:t>
+            </a:r>
+            <a:r>
+              <a:rPr lang="en-US" altLang="ko-KR" dirty="0" err="1" smtClean="0"/>
+              <a:t>ppt</a:t>
+            </a:r>
+            <a:r>
+              <a:rPr lang="en-US" altLang="ko-KR" dirty="0" smtClean="0"/>
+              <a:t> 8</a:t>
+            </a:r>
+            <a:r>
+              <a:rPr lang="ko-KR" altLang="en-US" dirty="0" smtClean="0"/>
+              <a:t>페이지</a:t>
+            </a:r>
+            <a:endParaRPr lang="ko-KR" altLang="en-US" dirty="0"/>
+          </a:p>
+        </p:txBody>
+      </p:sp>
     </p:spTree>
     <p:extLst>
       <p:ext uri="{BB962C8B-B14F-4D97-AF65-F5344CB8AC3E}">
@@ -4623,6 +4946,52 @@
           </a:prstGeom>
         </p:spPr>
       </p:pic>
+      <p:sp>
+        <p:nvSpPr>
+          <p:cNvPr id="9" name="TextBox 8"/>
+          <p:cNvSpPr txBox="1"/>
+          <p:nvPr/>
+        </p:nvSpPr>
+        <p:spPr>
+          <a:xfrm>
+            <a:off x="379802" y="6018627"/>
+            <a:ext cx="4347148" cy="369332"/>
+          </a:xfrm>
+          <a:prstGeom prst="rect">
+            <a:avLst/>
+          </a:prstGeom>
+          <a:noFill/>
+        </p:spPr>
+        <p:txBody>
+          <a:bodyPr wrap="square" rtlCol="0">
+            <a:spAutoFit/>
+          </a:bodyPr>
+          <a:lstStyle/>
+          <a:p>
+            <a:r>
+              <a:rPr lang="en-US" altLang="ko-KR" dirty="0" smtClean="0"/>
+              <a:t>3</a:t>
+            </a:r>
+            <a:r>
+              <a:rPr lang="ko-KR" altLang="en-US" dirty="0" smtClean="0"/>
+              <a:t>강 </a:t>
+            </a:r>
+            <a:r>
+              <a:rPr lang="en-US" altLang="ko-KR" dirty="0" err="1" smtClean="0"/>
+              <a:t>ppt</a:t>
+            </a:r>
+            <a:r>
+              <a:rPr lang="en-US" altLang="ko-KR" dirty="0" smtClean="0"/>
+              <a:t> 9</a:t>
+            </a:r>
+            <a:r>
+              <a:rPr lang="ko-KR" altLang="en-US" dirty="0" smtClean="0"/>
+              <a:t>페이지</a:t>
+            </a:r>
+            <a:endParaRPr lang="ko-KR" altLang="en-US" dirty="0"/>
+          </a:p>
+        </p:txBody>
+      </p:sp>
     </p:spTree>
     <p:extLst>
       <p:ext uri="{BB962C8B-B14F-4D97-AF65-F5344CB8AC3E}">
@@ -4749,6 +5118,52 @@
           </a:prstGeom>
         </p:spPr>
       </p:pic>
+      <p:sp>
+        <p:nvSpPr>
+          <p:cNvPr id="8" name="TextBox 7"/>
+          <p:cNvSpPr txBox="1"/>
+          <p:nvPr/>
+        </p:nvSpPr>
+        <p:spPr>
+          <a:xfrm>
+            <a:off x="479685" y="5726243"/>
+            <a:ext cx="4347148" cy="369332"/>
+          </a:xfrm>
+          <a:prstGeom prst="rect">
+            <a:avLst/>
+          </a:prstGeom>
+          <a:noFill/>
+        </p:spPr>
+        <p:txBody>
+          <a:bodyPr wrap="square" rtlCol="0">
+            <a:spAutoFit/>
+          </a:bodyPr>
+          <a:lstStyle/>
+          <a:p>
+            <a:r>
+              <a:rPr lang="en-US" altLang="ko-KR" dirty="0" smtClean="0"/>
+              <a:t>3</a:t>
+            </a:r>
+            <a:r>
+              <a:rPr lang="ko-KR" altLang="en-US" dirty="0" smtClean="0"/>
+              <a:t>강 </a:t>
+            </a:r>
+            <a:r>
+              <a:rPr lang="en-US" altLang="ko-KR" dirty="0" err="1" smtClean="0"/>
+              <a:t>ppt</a:t>
+            </a:r>
+            <a:r>
+              <a:rPr lang="en-US" altLang="ko-KR" dirty="0" smtClean="0"/>
+              <a:t> 9</a:t>
+            </a:r>
+            <a:r>
+              <a:rPr lang="ko-KR" altLang="en-US" dirty="0" smtClean="0"/>
+              <a:t>페이지</a:t>
+            </a:r>
+            <a:endParaRPr lang="ko-KR" altLang="en-US" dirty="0"/>
+          </a:p>
+        </p:txBody>
+      </p:sp>
     </p:spTree>
     <p:extLst>
       <p:ext uri="{BB962C8B-B14F-4D97-AF65-F5344CB8AC3E}">
@@ -4875,6 +5290,52 @@
           </a:prstGeom>
         </p:spPr>
       </p:pic>
+      <p:sp>
+        <p:nvSpPr>
+          <p:cNvPr id="2" name="TextBox 1"/>
+          <p:cNvSpPr txBox="1"/>
+          <p:nvPr/>
+        </p:nvSpPr>
+        <p:spPr>
+          <a:xfrm>
+            <a:off x="479685" y="5726243"/>
+            <a:ext cx="4347148" cy="369332"/>
+          </a:xfrm>
+          <a:prstGeom prst="rect">
+            <a:avLst/>
+          </a:prstGeom>
+          <a:noFill/>
+        </p:spPr>
+        <p:txBody>
+          <a:bodyPr wrap="square" rtlCol="0">
+            <a:spAutoFit/>
+          </a:bodyPr>
+          <a:lstStyle/>
+          <a:p>
+            <a:r>
+              <a:rPr lang="en-US" altLang="ko-KR" dirty="0" smtClean="0"/>
+              <a:t>3</a:t>
+            </a:r>
+            <a:r>
+              <a:rPr lang="ko-KR" altLang="en-US" dirty="0" smtClean="0"/>
+              <a:t>강 </a:t>
+            </a:r>
+            <a:r>
+              <a:rPr lang="en-US" altLang="ko-KR" dirty="0" err="1" smtClean="0"/>
+              <a:t>ppt</a:t>
+            </a:r>
+            <a:r>
+              <a:rPr lang="en-US" altLang="ko-KR" dirty="0" smtClean="0"/>
+              <a:t> 9</a:t>
+            </a:r>
+            <a:r>
+              <a:rPr lang="ko-KR" altLang="en-US" dirty="0" smtClean="0"/>
+              <a:t>페이지</a:t>
+            </a:r>
+            <a:endParaRPr lang="ko-KR" altLang="en-US" dirty="0"/>
+          </a:p>
+        </p:txBody>
+      </p:sp>
     </p:spTree>
     <p:extLst>
       <p:ext uri="{BB962C8B-B14F-4D97-AF65-F5344CB8AC3E}">
@@ -4953,6 +5414,60 @@
           </a:prstGeom>
         </p:spPr>
       </p:pic>
+      <p:sp>
+        <p:nvSpPr>
+          <p:cNvPr id="4" name="TextBox 3"/>
+          <p:cNvSpPr txBox="1"/>
+          <p:nvPr/>
+        </p:nvSpPr>
+        <p:spPr>
+          <a:xfrm>
+            <a:off x="8361263" y="439423"/>
+            <a:ext cx="3464977" cy="646331"/>
+          </a:xfrm>
+          <a:prstGeom prst="rect">
+            <a:avLst/>
+          </a:prstGeom>
+          <a:noFill/>
+        </p:spPr>
+        <p:txBody>
+          <a:bodyPr wrap="square" rtlCol="0">
+            <a:spAutoFit/>
+          </a:bodyPr>
+          <a:lstStyle/>
+          <a:p>
+            <a:pPr marL="285750" indent="-285750">
+              <a:buFont typeface="Arial" panose="020B0604020202020204" pitchFamily="34" charset="0"/>
+              <a:buChar char="•"/>
+            </a:pPr>
+            <a:r>
+              <a:rPr lang="en-US" altLang="ko-KR" dirty="0" smtClean="0"/>
+              <a:t>Database </a:t>
+            </a:r>
+            <a:r>
+              <a:rPr lang="ko-KR" altLang="en-US" dirty="0" smtClean="0"/>
+              <a:t>사용</a:t>
+            </a:r>
+            <a:r>
+              <a:rPr lang="en-US" altLang="ko-KR" dirty="0" smtClean="0"/>
+              <a:t>, </a:t>
+            </a:r>
+            <a:r>
+              <a:rPr lang="ko-KR" altLang="en-US" dirty="0" smtClean="0"/>
+              <a:t>테이블 삭제</a:t>
+            </a:r>
+            <a:r>
+              <a:rPr lang="en-US" altLang="ko-KR" dirty="0" smtClean="0"/>
+              <a:t>, </a:t>
+            </a:r>
+            <a:r>
+              <a:rPr lang="ko-KR" altLang="en-US" dirty="0" smtClean="0"/>
+              <a:t>테이블 만들기</a:t>
+            </a:r>
+            <a:endParaRPr lang="ko-KR" altLang="en-US" dirty="0"/>
+          </a:p>
+        </p:txBody>
+      </p:sp>
     </p:spTree>
     <p:extLst>
       <p:ext uri="{BB962C8B-B14F-4D97-AF65-F5344CB8AC3E}">
@@ -5031,6 +5546,52 @@
           </a:prstGeom>
         </p:spPr>
       </p:pic>
+      <p:sp>
+        <p:nvSpPr>
+          <p:cNvPr id="4" name="TextBox 3"/>
+          <p:cNvSpPr txBox="1"/>
+          <p:nvPr/>
+        </p:nvSpPr>
+        <p:spPr>
+          <a:xfrm>
+            <a:off x="9781555" y="397544"/>
+            <a:ext cx="2058065" cy="369332"/>
+          </a:xfrm>
+          <a:prstGeom prst="rect">
+            <a:avLst/>
+          </a:prstGeom>
+          <a:noFill/>
+        </p:spPr>
+        <p:txBody>
+          <a:bodyPr wrap="square" rtlCol="0">
+            <a:spAutoFit/>
+          </a:bodyPr>
+          <a:lstStyle/>
+          <a:p>
+            <a:r>
+              <a:rPr lang="en-US" altLang="ko-KR" dirty="0" smtClean="0"/>
+              <a:t>3</a:t>
+            </a:r>
+            <a:r>
+              <a:rPr lang="ko-KR" altLang="en-US" dirty="0" smtClean="0"/>
+              <a:t>강 </a:t>
+            </a:r>
+            <a:r>
+              <a:rPr lang="en-US" altLang="ko-KR" dirty="0" err="1" smtClean="0"/>
+              <a:t>ppt</a:t>
+            </a:r>
+            <a:r>
+              <a:rPr lang="en-US" altLang="ko-KR" dirty="0" smtClean="0"/>
+              <a:t> 11</a:t>
+            </a:r>
+            <a:r>
+              <a:rPr lang="ko-KR" altLang="en-US" dirty="0" smtClean="0"/>
+              <a:t>페이지</a:t>
+            </a:r>
+            <a:endParaRPr lang="ko-KR" altLang="en-US" dirty="0"/>
+          </a:p>
+        </p:txBody>
+      </p:sp>
     </p:spTree>
     <p:extLst>
       <p:ext uri="{BB962C8B-B14F-4D97-AF65-F5344CB8AC3E}">
@@ -5109,6 +5670,52 @@
           </a:prstGeom>
         </p:spPr>
       </p:pic>
+      <p:sp>
+        <p:nvSpPr>
+          <p:cNvPr id="4" name="TextBox 3"/>
+          <p:cNvSpPr txBox="1"/>
+          <p:nvPr/>
+        </p:nvSpPr>
+        <p:spPr>
+          <a:xfrm>
+            <a:off x="9421174" y="6062197"/>
+            <a:ext cx="2399829" cy="369332"/>
+          </a:xfrm>
+          <a:prstGeom prst="rect">
+            <a:avLst/>
+          </a:prstGeom>
+          <a:noFill/>
+        </p:spPr>
+        <p:txBody>
+          <a:bodyPr wrap="square" rtlCol="0">
+            <a:spAutoFit/>
+          </a:bodyPr>
+          <a:lstStyle/>
+          <a:p>
+            <a:r>
+              <a:rPr lang="en-US" altLang="ko-KR" dirty="0" smtClean="0"/>
+              <a:t>3</a:t>
+            </a:r>
+            <a:r>
+              <a:rPr lang="ko-KR" altLang="en-US" dirty="0" smtClean="0"/>
+              <a:t>강 </a:t>
+            </a:r>
+            <a:r>
+              <a:rPr lang="en-US" altLang="ko-KR" dirty="0" err="1" smtClean="0"/>
+              <a:t>ppt</a:t>
+            </a:r>
+            <a:r>
+              <a:rPr lang="en-US" altLang="ko-KR" dirty="0" smtClean="0"/>
+              <a:t> 13, 12</a:t>
+            </a:r>
+            <a:r>
+              <a:rPr lang="ko-KR" altLang="en-US" dirty="0" smtClean="0"/>
+              <a:t>페이지</a:t>
+            </a:r>
+            <a:endParaRPr lang="ko-KR" altLang="en-US" dirty="0"/>
+          </a:p>
+        </p:txBody>
+      </p:sp>
     </p:spTree>
     <p:extLst>
       <p:ext uri="{BB962C8B-B14F-4D97-AF65-F5344CB8AC3E}">
@@ -5433,6 +6040,52 @@
           </a:p>
         </p:txBody>
       </p:sp>
+      <p:sp>
+        <p:nvSpPr>
+          <p:cNvPr id="11" name="TextBox 10"/>
+          <p:cNvSpPr txBox="1"/>
+          <p:nvPr/>
+        </p:nvSpPr>
+        <p:spPr>
+          <a:xfrm>
+            <a:off x="9720757" y="3003551"/>
+            <a:ext cx="2058065" cy="369332"/>
+          </a:xfrm>
+          <a:prstGeom prst="rect">
+            <a:avLst/>
+          </a:prstGeom>
+          <a:noFill/>
+        </p:spPr>
+        <p:txBody>
+          <a:bodyPr wrap="square" rtlCol="0">
+            <a:spAutoFit/>
+          </a:bodyPr>
+          <a:lstStyle/>
+          <a:p>
+            <a:r>
+              <a:rPr lang="en-US" altLang="ko-KR" dirty="0" smtClean="0"/>
+              <a:t>3</a:t>
+            </a:r>
+            <a:r>
+              <a:rPr lang="ko-KR" altLang="en-US" dirty="0" smtClean="0"/>
+              <a:t>강 </a:t>
+            </a:r>
+            <a:r>
+              <a:rPr lang="en-US" altLang="ko-KR" dirty="0" err="1" smtClean="0"/>
+              <a:t>ppt</a:t>
+            </a:r>
+            <a:r>
+              <a:rPr lang="en-US" altLang="ko-KR" dirty="0" smtClean="0"/>
+              <a:t> 14</a:t>
+            </a:r>
+            <a:r>
+              <a:rPr lang="ko-KR" altLang="en-US" dirty="0" smtClean="0"/>
+              <a:t>페이지</a:t>
+            </a:r>
+            <a:endParaRPr lang="ko-KR" altLang="en-US" dirty="0"/>
+          </a:p>
+        </p:txBody>
+      </p:sp>
     </p:spTree>
     <p:extLst>
       <p:ext uri="{BB962C8B-B14F-4D97-AF65-F5344CB8AC3E}">
@@ -5463,6 +6116,195 @@
           <a:chExt cx="0" cy="0"/>
         </a:xfrm>
       </p:grpSpPr>
+      <p:sp>
+        <p:nvSpPr>
+          <p:cNvPr id="2" name="TextBox 1"/>
+          <p:cNvSpPr txBox="1"/>
+          <p:nvPr/>
+        </p:nvSpPr>
+        <p:spPr>
+          <a:xfrm>
+            <a:off x="7534126" y="481263"/>
+            <a:ext cx="4299285" cy="584775"/>
+          </a:xfrm>
+          <a:prstGeom prst="rect">
+            <a:avLst/>
+          </a:prstGeom>
+          <a:noFill/>
+        </p:spPr>
+        <p:txBody>
+          <a:bodyPr wrap="square" rtlCol="0">
+            <a:spAutoFit/>
+          </a:bodyPr>
+          <a:lstStyle/>
+          <a:p>
+            <a:pPr marL="457200" indent="-457200">
+              <a:buFont typeface="Arial" panose="020B0604020202020204" pitchFamily="34" charset="0"/>
+              <a:buChar char="•"/>
+            </a:pPr>
+            <a:r>
+              <a:rPr lang="en-US" altLang="ko-KR" sz="3200" dirty="0" smtClean="0">
+                <a:solidFill>
+                  <a:schemeClr val="accent1"/>
+                </a:solidFill>
+                <a:latin typeface="+mj-ea"/>
+                <a:ea typeface="+mj-ea"/>
+              </a:rPr>
+              <a:t>Basic Training(1)</a:t>
+            </a:r>
+            <a:endParaRPr lang="ko-KR" altLang="en-US" sz="3200" dirty="0">
+              <a:solidFill>
+                <a:schemeClr val="accent1"/>
+              </a:solidFill>
+              <a:latin typeface="+mj-ea"/>
+              <a:ea typeface="+mj-ea"/>
+            </a:endParaRPr>
+          </a:p>
+        </p:txBody>
+      </p:sp>
+      <p:pic>
+        <p:nvPicPr>
+          <p:cNvPr id="6" name="그림 5"/>
+          <p:cNvPicPr>
+            <a:picLocks noChangeAspect="1"/>
+          </p:cNvPicPr>
+          <p:nvPr/>
+        </p:nvPicPr>
+        <p:blipFill>
+          <a:blip r:embed="rId2"/>
+          <a:stretch>
+            <a:fillRect/>
+          </a:stretch>
+        </p:blipFill>
+        <p:spPr>
+          <a:xfrm>
+            <a:off x="368968" y="363312"/>
+            <a:ext cx="5834608" cy="6180596"/>
+          </a:xfrm>
+          <a:prstGeom prst="rect">
+            <a:avLst/>
+          </a:prstGeom>
+        </p:spPr>
+      </p:pic>
+      <p:pic>
+        <p:nvPicPr>
+          <p:cNvPr id="11" name="그림 10"/>
+          <p:cNvPicPr>
+            <a:picLocks noChangeAspect="1"/>
+          </p:cNvPicPr>
+          <p:nvPr/>
+        </p:nvPicPr>
+        <p:blipFill>
+          <a:blip r:embed="rId3"/>
+          <a:stretch>
+            <a:fillRect/>
+          </a:stretch>
+        </p:blipFill>
+        <p:spPr>
+          <a:xfrm>
+            <a:off x="6203575" y="4496696"/>
+            <a:ext cx="5629836" cy="2047212"/>
+          </a:xfrm>
+          <a:prstGeom prst="rect">
+            <a:avLst/>
+          </a:prstGeom>
+        </p:spPr>
+      </p:pic>
+      <p:sp>
+        <p:nvSpPr>
+          <p:cNvPr id="12" name="TextBox 11"/>
+          <p:cNvSpPr txBox="1"/>
+          <p:nvPr/>
+        </p:nvSpPr>
+        <p:spPr>
+          <a:xfrm>
+            <a:off x="7803067" y="1238455"/>
+            <a:ext cx="3528321" cy="1015663"/>
+          </a:xfrm>
+          <a:prstGeom prst="rect">
+            <a:avLst/>
+          </a:prstGeom>
+          <a:noFill/>
+        </p:spPr>
+        <p:txBody>
+          <a:bodyPr wrap="square" rtlCol="0">
+            <a:spAutoFit/>
+          </a:bodyPr>
+          <a:lstStyle/>
+          <a:p>
+            <a:pPr marL="285750" indent="-285750">
+              <a:buFont typeface="Arial" panose="020B0604020202020204" pitchFamily="34" charset="0"/>
+              <a:buChar char="•"/>
+            </a:pPr>
+            <a:r>
+              <a:rPr lang="ko-KR" altLang="en-US" sz="2000" dirty="0" smtClean="0">
+                <a:latin typeface="+mj-ea"/>
+                <a:ea typeface="+mj-ea"/>
+              </a:rPr>
+              <a:t>성적 입력</a:t>
+            </a:r>
+            <a:r>
+              <a:rPr lang="en-US" altLang="ko-KR" sz="2000" dirty="0" smtClean="0">
+                <a:latin typeface="+mj-ea"/>
+                <a:ea typeface="+mj-ea"/>
+              </a:rPr>
+              <a:t>,</a:t>
+            </a:r>
+            <a:r>
+              <a:rPr lang="ko-KR" altLang="en-US" sz="2000" dirty="0" smtClean="0">
+                <a:latin typeface="+mj-ea"/>
+                <a:ea typeface="+mj-ea"/>
+              </a:rPr>
+              <a:t>합계</a:t>
+            </a:r>
+            <a:r>
+              <a:rPr lang="en-US" altLang="ko-KR" sz="2000" dirty="0" smtClean="0">
+                <a:latin typeface="+mj-ea"/>
+                <a:ea typeface="+mj-ea"/>
+              </a:rPr>
+              <a:t>,</a:t>
+            </a:r>
+            <a:r>
+              <a:rPr lang="ko-KR" altLang="en-US" sz="2000" dirty="0" smtClean="0">
+                <a:latin typeface="+mj-ea"/>
+                <a:ea typeface="+mj-ea"/>
+              </a:rPr>
+              <a:t>평균</a:t>
+            </a:r>
+            <a:endParaRPr lang="en-US" altLang="ko-KR" sz="2000" dirty="0" smtClean="0">
+              <a:latin typeface="+mj-ea"/>
+              <a:ea typeface="+mj-ea"/>
+            </a:endParaRPr>
+          </a:p>
+          <a:p>
+            <a:pPr marL="285750" indent="-285750">
+              <a:buFont typeface="Arial" panose="020B0604020202020204" pitchFamily="34" charset="0"/>
+              <a:buChar char="•"/>
+            </a:pPr>
+            <a:endParaRPr lang="en-US" altLang="ko-KR" sz="2000" dirty="0" smtClean="0">
+              <a:latin typeface="+mj-ea"/>
+              <a:ea typeface="+mj-ea"/>
+            </a:endParaRPr>
+          </a:p>
+          <a:p>
+            <a:pPr marL="285750" indent="-285750">
+              <a:buFont typeface="Arial" panose="020B0604020202020204" pitchFamily="34" charset="0"/>
+              <a:buChar char="•"/>
+            </a:pPr>
+            <a:r>
+              <a:rPr lang="ko-KR" altLang="en-US" sz="2000" dirty="0" smtClean="0">
+                <a:latin typeface="+mj-ea"/>
+                <a:ea typeface="+mj-ea"/>
+              </a:rPr>
+              <a:t>등수 조회</a:t>
+            </a:r>
+            <a:endParaRPr lang="ko-KR" altLang="en-US" sz="2000" dirty="0">
+              <a:latin typeface="+mj-ea"/>
+              <a:ea typeface="+mj-ea"/>
+            </a:endParaRPr>
+          </a:p>
+        </p:txBody>
+      </p:sp>
     </p:spTree>
     <p:extLst>
       <p:ext uri="{BB962C8B-B14F-4D97-AF65-F5344CB8AC3E}">
@@ -5493,6 +6335,126 @@
           <a:chExt cx="0" cy="0"/>
         </a:xfrm>
       </p:grpSpPr>
+      <p:pic>
+        <p:nvPicPr>
+          <p:cNvPr id="5" name="그림 4"/>
+          <p:cNvPicPr>
+            <a:picLocks noChangeAspect="1"/>
+          </p:cNvPicPr>
+          <p:nvPr/>
+        </p:nvPicPr>
+        <p:blipFill>
+          <a:blip r:embed="rId2"/>
+          <a:stretch>
+            <a:fillRect/>
+          </a:stretch>
+        </p:blipFill>
+        <p:spPr>
+          <a:xfrm>
+            <a:off x="458615" y="1437344"/>
+            <a:ext cx="3924848" cy="5096586"/>
+          </a:xfrm>
+          <a:prstGeom prst="rect">
+            <a:avLst/>
+          </a:prstGeom>
+        </p:spPr>
+      </p:pic>
+      <p:pic>
+        <p:nvPicPr>
+          <p:cNvPr id="6" name="그림 5"/>
+          <p:cNvPicPr>
+            <a:picLocks noChangeAspect="1"/>
+          </p:cNvPicPr>
+          <p:nvPr/>
+        </p:nvPicPr>
+        <p:blipFill>
+          <a:blip r:embed="rId3"/>
+          <a:stretch>
+            <a:fillRect/>
+          </a:stretch>
+        </p:blipFill>
+        <p:spPr>
+          <a:xfrm>
+            <a:off x="292755" y="428860"/>
+            <a:ext cx="5301221" cy="522549"/>
+          </a:xfrm>
+          <a:prstGeom prst="rect">
+            <a:avLst/>
+          </a:prstGeom>
+        </p:spPr>
+      </p:pic>
+      <p:pic>
+        <p:nvPicPr>
+          <p:cNvPr id="8" name="그림 7"/>
+          <p:cNvPicPr>
+            <a:picLocks noChangeAspect="1"/>
+          </p:cNvPicPr>
+          <p:nvPr/>
+        </p:nvPicPr>
+        <p:blipFill>
+          <a:blip r:embed="rId4"/>
+          <a:stretch>
+            <a:fillRect/>
+          </a:stretch>
+        </p:blipFill>
+        <p:spPr>
+          <a:xfrm>
+            <a:off x="5979181" y="428860"/>
+            <a:ext cx="5872160" cy="705339"/>
+          </a:xfrm>
+          <a:prstGeom prst="rect">
+            <a:avLst/>
+          </a:prstGeom>
+        </p:spPr>
+      </p:pic>
+      <p:pic>
+        <p:nvPicPr>
+          <p:cNvPr id="9" name="그림 8"/>
+          <p:cNvPicPr>
+            <a:picLocks noChangeAspect="1"/>
+          </p:cNvPicPr>
+          <p:nvPr/>
+        </p:nvPicPr>
+        <p:blipFill>
+          <a:blip r:embed="rId5"/>
+          <a:stretch>
+            <a:fillRect/>
+          </a:stretch>
+        </p:blipFill>
+        <p:spPr>
+          <a:xfrm>
+            <a:off x="5743264" y="1471274"/>
+            <a:ext cx="3017236" cy="5028726"/>
+          </a:xfrm>
+          <a:prstGeom prst="rect">
+            <a:avLst/>
+          </a:prstGeom>
+        </p:spPr>
+      </p:pic>
+      <p:pic>
+        <p:nvPicPr>
+          <p:cNvPr id="11" name="그림 10"/>
+          <p:cNvPicPr>
+            <a:picLocks noChangeAspect="1"/>
+          </p:cNvPicPr>
+          <p:nvPr/>
+        </p:nvPicPr>
+        <p:blipFill>
+          <a:blip r:embed="rId6"/>
+          <a:stretch>
+            <a:fillRect/>
+          </a:stretch>
+        </p:blipFill>
+        <p:spPr>
+          <a:xfrm>
+            <a:off x="8871669" y="1471274"/>
+            <a:ext cx="2979672" cy="5050292"/>
+          </a:xfrm>
+          <a:prstGeom prst="rect">
+            <a:avLst/>
+          </a:prstGeom>
+        </p:spPr>
+      </p:pic>
     </p:spTree>
     <p:extLst>
       <p:ext uri="{BB962C8B-B14F-4D97-AF65-F5344CB8AC3E}">
@@ -5523,6 +6485,146 @@
           <a:chExt cx="0" cy="0"/>
         </a:xfrm>
       </p:grpSpPr>
+      <p:sp>
+        <p:nvSpPr>
+          <p:cNvPr id="2" name="TextBox 1"/>
+          <p:cNvSpPr txBox="1"/>
+          <p:nvPr/>
+        </p:nvSpPr>
+        <p:spPr>
+          <a:xfrm>
+            <a:off x="6992471" y="481262"/>
+            <a:ext cx="5199529" cy="584775"/>
+          </a:xfrm>
+          <a:prstGeom prst="rect">
+            <a:avLst/>
+          </a:prstGeom>
+          <a:noFill/>
+        </p:spPr>
+        <p:txBody>
+          <a:bodyPr wrap="square" rtlCol="0">
+            <a:spAutoFit/>
+          </a:bodyPr>
+          <a:lstStyle/>
+          <a:p>
+            <a:pPr marL="457200" indent="-457200">
+              <a:buFont typeface="Arial" panose="020B0604020202020204" pitchFamily="34" charset="0"/>
+              <a:buChar char="•"/>
+            </a:pPr>
+            <a:r>
+              <a:rPr lang="en-US" altLang="ko-KR" sz="3200" dirty="0" smtClean="0">
+                <a:solidFill>
+                  <a:schemeClr val="accent1"/>
+                </a:solidFill>
+                <a:latin typeface="+mj-ea"/>
+                <a:ea typeface="+mj-ea"/>
+              </a:rPr>
+              <a:t>Basic Training(2)</a:t>
+            </a:r>
+            <a:endParaRPr lang="ko-KR" altLang="en-US" sz="3200" dirty="0">
+              <a:solidFill>
+                <a:schemeClr val="accent1"/>
+              </a:solidFill>
+              <a:latin typeface="+mj-ea"/>
+              <a:ea typeface="+mj-ea"/>
+            </a:endParaRPr>
+          </a:p>
+        </p:txBody>
+      </p:sp>
+      <p:pic>
+        <p:nvPicPr>
+          <p:cNvPr id="5" name="그림 4"/>
+          <p:cNvPicPr>
+            <a:picLocks noChangeAspect="1"/>
+          </p:cNvPicPr>
+          <p:nvPr/>
+        </p:nvPicPr>
+        <p:blipFill>
+          <a:blip r:embed="rId2"/>
+          <a:stretch>
+            <a:fillRect/>
+          </a:stretch>
+        </p:blipFill>
+        <p:spPr>
+          <a:xfrm>
+            <a:off x="342400" y="379201"/>
+            <a:ext cx="4839199" cy="6133064"/>
+          </a:xfrm>
+          <a:prstGeom prst="rect">
+            <a:avLst/>
+          </a:prstGeom>
+        </p:spPr>
+      </p:pic>
+      <p:pic>
+        <p:nvPicPr>
+          <p:cNvPr id="6" name="그림 5"/>
+          <p:cNvPicPr>
+            <a:picLocks noChangeAspect="1"/>
+          </p:cNvPicPr>
+          <p:nvPr/>
+        </p:nvPicPr>
+        <p:blipFill>
+          <a:blip r:embed="rId3"/>
+          <a:stretch>
+            <a:fillRect/>
+          </a:stretch>
+        </p:blipFill>
+        <p:spPr>
+          <a:xfrm>
+            <a:off x="5181599" y="3205707"/>
+            <a:ext cx="6361347" cy="3306558"/>
+          </a:xfrm>
+          <a:prstGeom prst="rect">
+            <a:avLst/>
+          </a:prstGeom>
+        </p:spPr>
+      </p:pic>
+      <p:sp>
+        <p:nvSpPr>
+          <p:cNvPr id="7" name="TextBox 6"/>
+          <p:cNvSpPr txBox="1"/>
+          <p:nvPr/>
+        </p:nvSpPr>
+        <p:spPr>
+          <a:xfrm>
+            <a:off x="7117977" y="1238456"/>
+            <a:ext cx="4267199" cy="400110"/>
+          </a:xfrm>
+          <a:prstGeom prst="rect">
+            <a:avLst/>
+          </a:prstGeom>
+          <a:noFill/>
+        </p:spPr>
+        <p:txBody>
+          <a:bodyPr wrap="square" rtlCol="0">
+            <a:spAutoFit/>
+          </a:bodyPr>
+          <a:lstStyle/>
+          <a:p>
+            <a:pPr marL="285750" indent="-285750">
+              <a:buFont typeface="Arial" panose="020B0604020202020204" pitchFamily="34" charset="0"/>
+              <a:buChar char="•"/>
+            </a:pPr>
+            <a:r>
+              <a:rPr lang="ko-KR" altLang="en-US" sz="2000" dirty="0" err="1" smtClean="0"/>
+              <a:t>트와이스</a:t>
+            </a:r>
+            <a:r>
+              <a:rPr lang="ko-KR" altLang="en-US" sz="2000" dirty="0" smtClean="0"/>
+              <a:t> </a:t>
+            </a:r>
+            <a:r>
+              <a:rPr lang="ko-KR" altLang="en-US" sz="2000" dirty="0"/>
+              <a:t>멤</a:t>
+            </a:r>
+            <a:r>
+              <a:rPr lang="ko-KR" altLang="en-US" sz="2000" dirty="0" smtClean="0"/>
+              <a:t>버 선호도 조사</a:t>
+            </a:r>
+            <a:endParaRPr lang="ko-KR" altLang="en-US" sz="2000" dirty="0"/>
+          </a:p>
+        </p:txBody>
+      </p:sp>
     </p:spTree>
     <p:extLst>
       <p:ext uri="{BB962C8B-B14F-4D97-AF65-F5344CB8AC3E}">
@@ -5553,6 +6655,130 @@
           <a:chExt cx="0" cy="0"/>
         </a:xfrm>
       </p:grpSpPr>
+      <p:pic>
+        <p:nvPicPr>
+          <p:cNvPr id="2" name="그림 1"/>
+          <p:cNvPicPr>
+            <a:picLocks noChangeAspect="1"/>
+          </p:cNvPicPr>
+          <p:nvPr/>
+        </p:nvPicPr>
+        <p:blipFill>
+          <a:blip r:embed="rId2"/>
+          <a:stretch>
+            <a:fillRect/>
+          </a:stretch>
+        </p:blipFill>
+        <p:spPr>
+          <a:xfrm>
+            <a:off x="358234" y="376352"/>
+            <a:ext cx="1029646" cy="6114096"/>
+          </a:xfrm>
+          <a:prstGeom prst="rect">
+            <a:avLst/>
+          </a:prstGeom>
+        </p:spPr>
+      </p:pic>
+      <p:sp>
+        <p:nvSpPr>
+          <p:cNvPr id="3" name="TextBox 2"/>
+          <p:cNvSpPr txBox="1"/>
+          <p:nvPr/>
+        </p:nvSpPr>
+        <p:spPr>
+          <a:xfrm>
+            <a:off x="1562874" y="376352"/>
+            <a:ext cx="2525032" cy="646331"/>
+          </a:xfrm>
+          <a:prstGeom prst="rect">
+            <a:avLst/>
+          </a:prstGeom>
+          <a:noFill/>
+        </p:spPr>
+        <p:txBody>
+          <a:bodyPr wrap="square" rtlCol="0">
+            <a:spAutoFit/>
+          </a:bodyPr>
+          <a:lstStyle/>
+          <a:p>
+            <a:pPr marL="285750" indent="-285750">
+              <a:buFont typeface="Arial" panose="020B0604020202020204" pitchFamily="34" charset="0"/>
+              <a:buChar char="•"/>
+            </a:pPr>
+            <a:r>
+              <a:rPr lang="ko-KR" altLang="en-US" dirty="0" err="1" smtClean="0"/>
+              <a:t>트와이스</a:t>
+            </a:r>
+            <a:r>
+              <a:rPr lang="ko-KR" altLang="en-US" dirty="0" smtClean="0"/>
+              <a:t> 전체 행 내용 조회</a:t>
+            </a:r>
+            <a:endParaRPr lang="ko-KR" altLang="en-US" dirty="0"/>
+          </a:p>
+        </p:txBody>
+      </p:sp>
+      <p:pic>
+        <p:nvPicPr>
+          <p:cNvPr id="4" name="그림 3"/>
+          <p:cNvPicPr>
+            <a:picLocks noChangeAspect="1"/>
+          </p:cNvPicPr>
+          <p:nvPr/>
+        </p:nvPicPr>
+        <p:blipFill>
+          <a:blip r:embed="rId3"/>
+          <a:stretch>
+            <a:fillRect/>
+          </a:stretch>
+        </p:blipFill>
+        <p:spPr>
+          <a:xfrm>
+            <a:off x="4436154" y="376352"/>
+            <a:ext cx="4156423" cy="3934975"/>
+          </a:xfrm>
+          <a:prstGeom prst="rect">
+            <a:avLst/>
+          </a:prstGeom>
+        </p:spPr>
+      </p:pic>
+      <p:sp>
+        <p:nvSpPr>
+          <p:cNvPr id="5" name="TextBox 4"/>
+          <p:cNvSpPr txBox="1"/>
+          <p:nvPr/>
+        </p:nvSpPr>
+        <p:spPr>
+          <a:xfrm>
+            <a:off x="8743601" y="376352"/>
+            <a:ext cx="3251175" cy="369332"/>
+          </a:xfrm>
+          <a:prstGeom prst="rect">
+            <a:avLst/>
+          </a:prstGeom>
+          <a:noFill/>
+        </p:spPr>
+        <p:txBody>
+          <a:bodyPr wrap="square" rtlCol="0">
+            <a:spAutoFit/>
+          </a:bodyPr>
+          <a:lstStyle/>
+          <a:p>
+            <a:pPr marL="285750" indent="-285750">
+              <a:buFont typeface="Arial" panose="020B0604020202020204" pitchFamily="34" charset="0"/>
+              <a:buChar char="•"/>
+            </a:pPr>
+            <a:r>
+              <a:rPr lang="ko-KR" altLang="en-US" dirty="0" err="1" smtClean="0"/>
+              <a:t>맴버</a:t>
+            </a:r>
+            <a:r>
+              <a:rPr lang="ko-KR" altLang="en-US" dirty="0" smtClean="0"/>
+              <a:t> 별 선호도 투표 결과 </a:t>
+            </a:r>
+            <a:endParaRPr lang="ko-KR" altLang="en-US" dirty="0"/>
+          </a:p>
+        </p:txBody>
+      </p:sp>
     </p:spTree>
     <p:extLst>
       <p:ext uri="{BB962C8B-B14F-4D97-AF65-F5344CB8AC3E}">
@@ -5583,6 +6809,182 @@
           <a:chExt cx="0" cy="0"/>
         </a:xfrm>
       </p:grpSpPr>
+      <p:pic>
+        <p:nvPicPr>
+          <p:cNvPr id="2" name="그림 1"/>
+          <p:cNvPicPr>
+            <a:picLocks noChangeAspect="1"/>
+          </p:cNvPicPr>
+          <p:nvPr/>
+        </p:nvPicPr>
+        <p:blipFill>
+          <a:blip r:embed="rId2"/>
+          <a:stretch>
+            <a:fillRect/>
+          </a:stretch>
+        </p:blipFill>
+        <p:spPr>
+          <a:xfrm>
+            <a:off x="383165" y="358588"/>
+            <a:ext cx="4278482" cy="6169525"/>
+          </a:xfrm>
+          <a:prstGeom prst="rect">
+            <a:avLst/>
+          </a:prstGeom>
+        </p:spPr>
+      </p:pic>
+      <p:sp>
+        <p:nvSpPr>
+          <p:cNvPr id="3" name="TextBox 2"/>
+          <p:cNvSpPr txBox="1"/>
+          <p:nvPr/>
+        </p:nvSpPr>
+        <p:spPr>
+          <a:xfrm>
+            <a:off x="6992471" y="481262"/>
+            <a:ext cx="5199529" cy="584775"/>
+          </a:xfrm>
+          <a:prstGeom prst="rect">
+            <a:avLst/>
+          </a:prstGeom>
+          <a:noFill/>
+        </p:spPr>
+        <p:txBody>
+          <a:bodyPr wrap="square" rtlCol="0">
+            <a:spAutoFit/>
+          </a:bodyPr>
+          <a:lstStyle/>
+          <a:p>
+            <a:pPr marL="457200" indent="-457200">
+              <a:buFont typeface="Arial" panose="020B0604020202020204" pitchFamily="34" charset="0"/>
+              <a:buChar char="•"/>
+            </a:pPr>
+            <a:r>
+              <a:rPr lang="en-US" altLang="ko-KR" sz="3200" dirty="0" smtClean="0">
+                <a:solidFill>
+                  <a:schemeClr val="accent1"/>
+                </a:solidFill>
+                <a:latin typeface="+mj-ea"/>
+                <a:ea typeface="+mj-ea"/>
+              </a:rPr>
+              <a:t>Training(1)</a:t>
+            </a:r>
+            <a:endParaRPr lang="ko-KR" altLang="en-US" sz="3200" dirty="0">
+              <a:solidFill>
+                <a:schemeClr val="accent1"/>
+              </a:solidFill>
+              <a:latin typeface="+mj-ea"/>
+              <a:ea typeface="+mj-ea"/>
+            </a:endParaRPr>
+          </a:p>
+        </p:txBody>
+      </p:sp>
+      <p:sp>
+        <p:nvSpPr>
+          <p:cNvPr id="4" name="TextBox 3"/>
+          <p:cNvSpPr txBox="1"/>
+          <p:nvPr/>
+        </p:nvSpPr>
+        <p:spPr>
+          <a:xfrm>
+            <a:off x="7117977" y="1238456"/>
+            <a:ext cx="4267199" cy="400110"/>
+          </a:xfrm>
+          <a:prstGeom prst="rect">
+            <a:avLst/>
+          </a:prstGeom>
+          <a:noFill/>
+        </p:spPr>
+        <p:txBody>
+          <a:bodyPr wrap="square" rtlCol="0">
+            <a:spAutoFit/>
+          </a:bodyPr>
+          <a:lstStyle/>
+          <a:p>
+            <a:pPr marL="285750" indent="-285750">
+              <a:buFont typeface="Arial" panose="020B0604020202020204" pitchFamily="34" charset="0"/>
+              <a:buChar char="•"/>
+            </a:pPr>
+            <a:r>
+              <a:rPr lang="ko-KR" altLang="en-US" sz="2000" dirty="0" smtClean="0"/>
+              <a:t>성적 집계표 페이지 만들기 </a:t>
+            </a:r>
+            <a:endParaRPr lang="ko-KR" altLang="en-US" sz="2000" dirty="0"/>
+          </a:p>
+        </p:txBody>
+      </p:sp>
+      <p:pic>
+        <p:nvPicPr>
+          <p:cNvPr id="7" name="그림 6"/>
+          <p:cNvPicPr>
+            <a:picLocks noChangeAspect="1"/>
+          </p:cNvPicPr>
+          <p:nvPr/>
+        </p:nvPicPr>
+        <p:blipFill>
+          <a:blip r:embed="rId3"/>
+          <a:stretch>
+            <a:fillRect/>
+          </a:stretch>
+        </p:blipFill>
+        <p:spPr>
+          <a:xfrm>
+            <a:off x="6745162" y="1810985"/>
+            <a:ext cx="2506414" cy="4717128"/>
+          </a:xfrm>
+          <a:prstGeom prst="rect">
+            <a:avLst/>
+          </a:prstGeom>
+        </p:spPr>
+      </p:pic>
+      <p:pic>
+        <p:nvPicPr>
+          <p:cNvPr id="8" name="그림 7"/>
+          <p:cNvPicPr>
+            <a:picLocks noChangeAspect="1"/>
+          </p:cNvPicPr>
+          <p:nvPr/>
+        </p:nvPicPr>
+        <p:blipFill>
+          <a:blip r:embed="rId4"/>
+          <a:stretch>
+            <a:fillRect/>
+          </a:stretch>
+        </p:blipFill>
+        <p:spPr>
+          <a:xfrm>
+            <a:off x="9251576" y="1810985"/>
+            <a:ext cx="2586387" cy="4723598"/>
+          </a:xfrm>
+          <a:prstGeom prst="rect">
+            <a:avLst/>
+          </a:prstGeom>
+        </p:spPr>
+      </p:pic>
+      <p:pic>
+        <p:nvPicPr>
+          <p:cNvPr id="9" name="그림 8"/>
+          <p:cNvPicPr>
+            <a:picLocks noChangeAspect="1"/>
+          </p:cNvPicPr>
+          <p:nvPr/>
+        </p:nvPicPr>
+        <p:blipFill>
+          <a:blip r:embed="rId5"/>
+          <a:stretch>
+            <a:fillRect/>
+          </a:stretch>
+        </p:blipFill>
+        <p:spPr>
+          <a:xfrm>
+            <a:off x="5063591" y="5500077"/>
+            <a:ext cx="1526936" cy="1028036"/>
+          </a:xfrm>
+          <a:prstGeom prst="rect">
+            <a:avLst/>
+          </a:prstGeom>
+        </p:spPr>
+      </p:pic>
     </p:spTree>
     <p:extLst>
       <p:ext uri="{BB962C8B-B14F-4D97-AF65-F5344CB8AC3E}">
@@ -5613,10 +7015,567 @@
           <a:chExt cx="0" cy="0"/>
         </a:xfrm>
       </p:grpSpPr>
+      <p:pic>
+        <p:nvPicPr>
+          <p:cNvPr id="2" name="그림 1"/>
+          <p:cNvPicPr>
+            <a:picLocks noChangeAspect="1"/>
+          </p:cNvPicPr>
+          <p:nvPr/>
+        </p:nvPicPr>
+        <p:blipFill>
+          <a:blip r:embed="rId2"/>
+          <a:stretch>
+            <a:fillRect/>
+          </a:stretch>
+        </p:blipFill>
+        <p:spPr>
+          <a:xfrm>
+            <a:off x="578967" y="1260368"/>
+            <a:ext cx="3347574" cy="4684708"/>
+          </a:xfrm>
+          <a:prstGeom prst="rect">
+            <a:avLst/>
+          </a:prstGeom>
+        </p:spPr>
+      </p:pic>
+      <p:pic>
+        <p:nvPicPr>
+          <p:cNvPr id="4" name="그림 3"/>
+          <p:cNvPicPr>
+            <a:picLocks noChangeAspect="1"/>
+          </p:cNvPicPr>
+          <p:nvPr/>
+        </p:nvPicPr>
+        <p:blipFill>
+          <a:blip r:embed="rId3"/>
+          <a:stretch>
+            <a:fillRect/>
+          </a:stretch>
+        </p:blipFill>
+        <p:spPr>
+          <a:xfrm>
+            <a:off x="523921" y="523852"/>
+            <a:ext cx="3081148" cy="516054"/>
+          </a:xfrm>
+          <a:prstGeom prst="rect">
+            <a:avLst/>
+          </a:prstGeom>
+        </p:spPr>
+      </p:pic>
+      <p:pic>
+        <p:nvPicPr>
+          <p:cNvPr id="5" name="그림 4"/>
+          <p:cNvPicPr>
+            <a:picLocks noChangeAspect="1"/>
+          </p:cNvPicPr>
+          <p:nvPr/>
+        </p:nvPicPr>
+        <p:blipFill>
+          <a:blip r:embed="rId4"/>
+          <a:stretch>
+            <a:fillRect/>
+          </a:stretch>
+        </p:blipFill>
+        <p:spPr>
+          <a:xfrm>
+            <a:off x="4346069" y="648510"/>
+            <a:ext cx="3166355" cy="447767"/>
+          </a:xfrm>
+          <a:prstGeom prst="rect">
+            <a:avLst/>
+          </a:prstGeom>
+        </p:spPr>
+      </p:pic>
+      <p:pic>
+        <p:nvPicPr>
+          <p:cNvPr id="6" name="그림 5"/>
+          <p:cNvPicPr>
+            <a:picLocks noChangeAspect="1"/>
+          </p:cNvPicPr>
+          <p:nvPr/>
+        </p:nvPicPr>
+        <p:blipFill>
+          <a:blip r:embed="rId5"/>
+          <a:stretch>
+            <a:fillRect/>
+          </a:stretch>
+        </p:blipFill>
+        <p:spPr>
+          <a:xfrm>
+            <a:off x="4346069" y="1260368"/>
+            <a:ext cx="3315163" cy="4706007"/>
+          </a:xfrm>
+          <a:prstGeom prst="rect">
+            <a:avLst/>
+          </a:prstGeom>
+        </p:spPr>
+      </p:pic>
+      <p:sp>
+        <p:nvSpPr>
+          <p:cNvPr id="8" name="TextBox 7"/>
+          <p:cNvSpPr txBox="1"/>
+          <p:nvPr/>
+        </p:nvSpPr>
+        <p:spPr>
+          <a:xfrm>
+            <a:off x="7924801" y="648510"/>
+            <a:ext cx="4267199" cy="1323439"/>
+          </a:xfrm>
+          <a:prstGeom prst="rect">
+            <a:avLst/>
+          </a:prstGeom>
+          <a:noFill/>
+        </p:spPr>
+        <p:txBody>
+          <a:bodyPr wrap="square" rtlCol="0">
+            <a:spAutoFit/>
+          </a:bodyPr>
+          <a:lstStyle/>
+          <a:p>
+            <a:pPr marL="285750" indent="-285750">
+              <a:buFont typeface="Arial" panose="020B0604020202020204" pitchFamily="34" charset="0"/>
+              <a:buChar char="•"/>
+            </a:pPr>
+            <a:r>
+              <a:rPr lang="en-US" altLang="ko-KR" sz="2000" dirty="0" smtClean="0">
+                <a:latin typeface="+mj-ea"/>
+                <a:ea typeface="+mj-ea"/>
+              </a:rPr>
+              <a:t>Call </a:t>
+            </a:r>
+            <a:r>
+              <a:rPr lang="en-US" altLang="ko-KR" sz="2000" dirty="0" err="1" smtClean="0">
+                <a:latin typeface="+mj-ea"/>
+                <a:ea typeface="+mj-ea"/>
+              </a:rPr>
+              <a:t>print_report</a:t>
+            </a:r>
+            <a:r>
+              <a:rPr lang="en-US" altLang="ko-KR" sz="2000" dirty="0" smtClean="0">
+                <a:latin typeface="+mj-ea"/>
+                <a:ea typeface="+mj-ea"/>
+              </a:rPr>
+              <a:t>(6,25) </a:t>
+            </a:r>
+            <a:r>
+              <a:rPr lang="ko-KR" altLang="en-US" sz="2000" dirty="0" smtClean="0">
+                <a:latin typeface="+mj-ea"/>
+                <a:ea typeface="+mj-ea"/>
+              </a:rPr>
+              <a:t>값 조회</a:t>
+            </a:r>
+            <a:endParaRPr lang="en-US" altLang="ko-KR" sz="2000" dirty="0" smtClean="0">
+              <a:latin typeface="+mj-ea"/>
+              <a:ea typeface="+mj-ea"/>
+            </a:endParaRPr>
+          </a:p>
+          <a:p>
+            <a:pPr marL="285750" indent="-285750">
+              <a:buFont typeface="Arial" panose="020B0604020202020204" pitchFamily="34" charset="0"/>
+              <a:buChar char="•"/>
+            </a:pPr>
+            <a:endParaRPr lang="en-US" altLang="ko-KR" sz="2000" dirty="0">
+              <a:latin typeface="+mj-ea"/>
+              <a:ea typeface="+mj-ea"/>
+            </a:endParaRPr>
+          </a:p>
+          <a:p>
+            <a:pPr marL="342900" indent="-342900">
+              <a:buFont typeface="Arial" panose="020B0604020202020204" pitchFamily="34" charset="0"/>
+              <a:buChar char="•"/>
+            </a:pPr>
+            <a:r>
+              <a:rPr lang="en-US" altLang="ko-KR" sz="2000" dirty="0" smtClean="0">
+                <a:latin typeface="+mj-ea"/>
+                <a:ea typeface="+mj-ea"/>
+              </a:rPr>
+              <a:t>Call </a:t>
+            </a:r>
+            <a:r>
+              <a:rPr lang="en-US" altLang="ko-KR" sz="2000" dirty="0" err="1" smtClean="0">
+                <a:latin typeface="+mj-ea"/>
+                <a:ea typeface="+mj-ea"/>
+              </a:rPr>
+              <a:t>print_report</a:t>
+            </a:r>
+            <a:r>
+              <a:rPr lang="en-US" altLang="ko-KR" sz="2000" dirty="0" smtClean="0">
+                <a:latin typeface="+mj-ea"/>
+                <a:ea typeface="+mj-ea"/>
+              </a:rPr>
+              <a:t>(1,25</a:t>
+            </a:r>
+            <a:r>
+              <a:rPr lang="en-US" altLang="ko-KR" sz="2000" dirty="0">
+                <a:latin typeface="+mj-ea"/>
+                <a:ea typeface="+mj-ea"/>
+              </a:rPr>
+              <a:t>) </a:t>
+            </a:r>
+            <a:r>
+              <a:rPr lang="ko-KR" altLang="en-US" sz="2000" dirty="0">
+                <a:latin typeface="+mj-ea"/>
+                <a:ea typeface="+mj-ea"/>
+              </a:rPr>
+              <a:t>값 조회</a:t>
+            </a:r>
+            <a:endParaRPr lang="en-US" altLang="ko-KR" sz="2000" dirty="0">
+              <a:latin typeface="+mj-ea"/>
+              <a:ea typeface="+mj-ea"/>
+            </a:endParaRPr>
+          </a:p>
+          <a:p>
+            <a:pPr marL="285750" indent="-285750">
+              <a:buFont typeface="Arial" panose="020B0604020202020204" pitchFamily="34" charset="0"/>
+              <a:buChar char="•"/>
+            </a:pPr>
+            <a:endParaRPr lang="ko-KR" altLang="en-US" sz="2000" dirty="0">
+              <a:latin typeface="+mj-ea"/>
+              <a:ea typeface="+mj-ea"/>
+            </a:endParaRPr>
+          </a:p>
+        </p:txBody>
+      </p:sp>
     </p:spTree>
     <p:extLst>
       <p:ext uri="{BB962C8B-B14F-4D97-AF65-F5344CB8AC3E}">
         <p14:creationId xmlns:p14="http://schemas.microsoft.com/office/powerpoint/2010/main" val="1234662491"/>
+      </p:ext>
+    </p:extLst>
+  </p:cSld>
+  <p:clrMapOvr>
+    <a:masterClrMapping/>
+  </p:clrMapOvr>
+</p:sld>
+</file>
+
+<file path=ppt/slides/slide29.xml><?xml version="1.0" encoding="utf-8"?>
+<p:sld xmlns:a="http://schemas.openxmlformats.org/drawingml/2006/main" xmlns:r="http://schemas.openxmlformats.org/officeDocument/2006/relationships" xmlns:p="http://schemas.openxmlformats.org/presentationml/2006/main">
+  <p:cSld>
+    <p:spTree>
+      <p:nvGrpSpPr>
+        <p:cNvPr id="1" name=""/>
+        <p:cNvGrpSpPr/>
+        <p:nvPr/>
+      </p:nvGrpSpPr>
+      <p:grpSpPr>
+        <a:xfrm>
+          <a:off x="0" y="0"/>
+          <a:ext cx="0" cy="0"/>
+          <a:chOff x="0" y="0"/>
+          <a:chExt cx="0" cy="0"/>
+        </a:xfrm>
+      </p:grpSpPr>
+      <p:pic>
+        <p:nvPicPr>
+          <p:cNvPr id="2" name="그림 1"/>
+          <p:cNvPicPr>
+            <a:picLocks noChangeAspect="1"/>
+          </p:cNvPicPr>
+          <p:nvPr/>
+        </p:nvPicPr>
+        <p:blipFill>
+          <a:blip r:embed="rId2"/>
+          <a:stretch>
+            <a:fillRect/>
+          </a:stretch>
+        </p:blipFill>
+        <p:spPr>
+          <a:xfrm>
+            <a:off x="459298" y="388819"/>
+            <a:ext cx="3825831" cy="637639"/>
+          </a:xfrm>
+          <a:prstGeom prst="rect">
+            <a:avLst/>
+          </a:prstGeom>
+        </p:spPr>
+      </p:pic>
+      <p:pic>
+        <p:nvPicPr>
+          <p:cNvPr id="3" name="그림 2"/>
+          <p:cNvPicPr>
+            <a:picLocks noChangeAspect="1"/>
+          </p:cNvPicPr>
+          <p:nvPr/>
+        </p:nvPicPr>
+        <p:blipFill>
+          <a:blip r:embed="rId3"/>
+          <a:stretch>
+            <a:fillRect/>
+          </a:stretch>
+        </p:blipFill>
+        <p:spPr>
+          <a:xfrm>
+            <a:off x="651317" y="1223682"/>
+            <a:ext cx="3795177" cy="5324092"/>
+          </a:xfrm>
+          <a:prstGeom prst="rect">
+            <a:avLst/>
+          </a:prstGeom>
+        </p:spPr>
+      </p:pic>
+      <p:pic>
+        <p:nvPicPr>
+          <p:cNvPr id="4" name="그림 3"/>
+          <p:cNvPicPr>
+            <a:picLocks noChangeAspect="1"/>
+          </p:cNvPicPr>
+          <p:nvPr/>
+        </p:nvPicPr>
+        <p:blipFill>
+          <a:blip r:embed="rId4"/>
+          <a:stretch>
+            <a:fillRect/>
+          </a:stretch>
+        </p:blipFill>
+        <p:spPr>
+          <a:xfrm>
+            <a:off x="4706415" y="458989"/>
+            <a:ext cx="4167344" cy="567469"/>
+          </a:xfrm>
+          <a:prstGeom prst="rect">
+            <a:avLst/>
+          </a:prstGeom>
+        </p:spPr>
+      </p:pic>
+      <p:pic>
+        <p:nvPicPr>
+          <p:cNvPr id="5" name="그림 4"/>
+          <p:cNvPicPr>
+            <a:picLocks noChangeAspect="1"/>
+          </p:cNvPicPr>
+          <p:nvPr/>
+        </p:nvPicPr>
+        <p:blipFill>
+          <a:blip r:embed="rId5"/>
+          <a:stretch>
+            <a:fillRect/>
+          </a:stretch>
+        </p:blipFill>
+        <p:spPr>
+          <a:xfrm>
+            <a:off x="4883149" y="1223682"/>
+            <a:ext cx="3813875" cy="5354724"/>
+          </a:xfrm>
+          <a:prstGeom prst="rect">
+            <a:avLst/>
+          </a:prstGeom>
+        </p:spPr>
+      </p:pic>
+      <p:sp>
+        <p:nvSpPr>
+          <p:cNvPr id="6" name="TextBox 5"/>
+          <p:cNvSpPr txBox="1"/>
+          <p:nvPr/>
+        </p:nvSpPr>
+        <p:spPr>
+          <a:xfrm>
+            <a:off x="8873759" y="707638"/>
+            <a:ext cx="2934115" cy="3831818"/>
+          </a:xfrm>
+          <a:prstGeom prst="rect">
+            <a:avLst/>
+          </a:prstGeom>
+          <a:noFill/>
+        </p:spPr>
+        <p:txBody>
+          <a:bodyPr wrap="square" rtlCol="0">
+            <a:spAutoFit/>
+          </a:bodyPr>
+          <a:lstStyle/>
+          <a:p>
+            <a:pPr marL="285750" indent="-285750">
+              <a:lnSpc>
+                <a:spcPct val="150000"/>
+              </a:lnSpc>
+              <a:buFont typeface="Arial" panose="020B0604020202020204" pitchFamily="34" charset="0"/>
+              <a:buChar char="•"/>
+            </a:pPr>
+            <a:r>
+              <a:rPr lang="en-US" altLang="ko-KR" dirty="0" smtClean="0">
+                <a:latin typeface="+mj-ea"/>
+                <a:ea typeface="+mj-ea"/>
+              </a:rPr>
+              <a:t>Call </a:t>
+            </a:r>
+            <a:r>
+              <a:rPr lang="en-US" altLang="ko-KR" dirty="0" err="1" smtClean="0">
+                <a:latin typeface="+mj-ea"/>
+                <a:ea typeface="+mj-ea"/>
+              </a:rPr>
+              <a:t>print_report</a:t>
+            </a:r>
+            <a:r>
+              <a:rPr lang="en-US" altLang="ko-KR" dirty="0" smtClean="0">
+                <a:latin typeface="+mj-ea"/>
+                <a:ea typeface="+mj-ea"/>
+              </a:rPr>
+              <a:t>(50,25) </a:t>
+            </a:r>
+            <a:r>
+              <a:rPr lang="ko-KR" altLang="en-US" dirty="0" smtClean="0">
+                <a:latin typeface="+mj-ea"/>
+                <a:ea typeface="+mj-ea"/>
+              </a:rPr>
+              <a:t>값 조회</a:t>
+            </a:r>
+            <a:endParaRPr lang="en-US" altLang="ko-KR" dirty="0" smtClean="0">
+              <a:latin typeface="+mj-ea"/>
+              <a:ea typeface="+mj-ea"/>
+            </a:endParaRPr>
+          </a:p>
+          <a:p>
+            <a:pPr marL="285750" indent="-285750">
+              <a:lnSpc>
+                <a:spcPct val="150000"/>
+              </a:lnSpc>
+              <a:buFont typeface="Arial" panose="020B0604020202020204" pitchFamily="34" charset="0"/>
+              <a:buChar char="•"/>
+            </a:pPr>
+            <a:r>
+              <a:rPr lang="en-US" altLang="ko-KR" dirty="0" smtClean="0">
+                <a:latin typeface="+mj-ea"/>
+                <a:ea typeface="+mj-ea"/>
+              </a:rPr>
+              <a:t>(</a:t>
+            </a:r>
+            <a:r>
+              <a:rPr lang="ko-KR" altLang="en-US" dirty="0" smtClean="0">
+                <a:latin typeface="+mj-ea"/>
+                <a:ea typeface="+mj-ea"/>
+              </a:rPr>
+              <a:t>마지막 페이지보다 큰 값 입력</a:t>
+            </a:r>
+            <a:r>
+              <a:rPr lang="en-US" altLang="ko-KR" dirty="0" smtClean="0">
+                <a:latin typeface="+mj-ea"/>
+                <a:ea typeface="+mj-ea"/>
+              </a:rPr>
+              <a:t>)</a:t>
+            </a:r>
+          </a:p>
+          <a:p>
+            <a:pPr marL="285750" indent="-285750">
+              <a:lnSpc>
+                <a:spcPct val="150000"/>
+              </a:lnSpc>
+              <a:buFont typeface="Arial" panose="020B0604020202020204" pitchFamily="34" charset="0"/>
+              <a:buChar char="•"/>
+            </a:pPr>
+            <a:endParaRPr lang="en-US" altLang="ko-KR" dirty="0">
+              <a:latin typeface="+mj-ea"/>
+              <a:ea typeface="+mj-ea"/>
+            </a:endParaRPr>
+          </a:p>
+          <a:p>
+            <a:pPr marL="342900" indent="-342900">
+              <a:lnSpc>
+                <a:spcPct val="150000"/>
+              </a:lnSpc>
+              <a:buFont typeface="Arial" panose="020B0604020202020204" pitchFamily="34" charset="0"/>
+              <a:buChar char="•"/>
+            </a:pPr>
+            <a:r>
+              <a:rPr lang="en-US" altLang="ko-KR" dirty="0" smtClean="0">
+                <a:latin typeface="+mj-ea"/>
+                <a:ea typeface="+mj-ea"/>
+              </a:rPr>
+              <a:t>Call </a:t>
+            </a:r>
+            <a:r>
+              <a:rPr lang="en-US" altLang="ko-KR" dirty="0" err="1" smtClean="0">
+                <a:latin typeface="+mj-ea"/>
+                <a:ea typeface="+mj-ea"/>
+              </a:rPr>
+              <a:t>print_report</a:t>
+            </a:r>
+            <a:r>
+              <a:rPr lang="en-US" altLang="ko-KR" dirty="0" smtClean="0">
+                <a:latin typeface="+mj-ea"/>
+                <a:ea typeface="+mj-ea"/>
+              </a:rPr>
+              <a:t>(-10,25</a:t>
+            </a:r>
+            <a:r>
+              <a:rPr lang="en-US" altLang="ko-KR" dirty="0">
+                <a:latin typeface="+mj-ea"/>
+                <a:ea typeface="+mj-ea"/>
+              </a:rPr>
+              <a:t>) </a:t>
+            </a:r>
+            <a:r>
+              <a:rPr lang="ko-KR" altLang="en-US" dirty="0">
+                <a:latin typeface="+mj-ea"/>
+                <a:ea typeface="+mj-ea"/>
+              </a:rPr>
+              <a:t>값 </a:t>
+            </a:r>
+            <a:r>
+              <a:rPr lang="ko-KR" altLang="en-US" dirty="0" smtClean="0">
+                <a:latin typeface="+mj-ea"/>
+                <a:ea typeface="+mj-ea"/>
+              </a:rPr>
+              <a:t>조회</a:t>
+            </a:r>
+            <a:endParaRPr lang="en-US" altLang="ko-KR" dirty="0" smtClean="0">
+              <a:latin typeface="+mj-ea"/>
+              <a:ea typeface="+mj-ea"/>
+            </a:endParaRPr>
+          </a:p>
+          <a:p>
+            <a:pPr marL="342900" indent="-342900">
+              <a:lnSpc>
+                <a:spcPct val="150000"/>
+              </a:lnSpc>
+              <a:buFont typeface="Arial" panose="020B0604020202020204" pitchFamily="34" charset="0"/>
+              <a:buChar char="•"/>
+            </a:pPr>
+            <a:r>
+              <a:rPr lang="en-US" altLang="ko-KR" dirty="0" smtClean="0">
+                <a:latin typeface="+mj-ea"/>
+                <a:ea typeface="+mj-ea"/>
+              </a:rPr>
+              <a:t>(1</a:t>
+            </a:r>
+            <a:r>
+              <a:rPr lang="ko-KR" altLang="en-US" dirty="0" smtClean="0">
+                <a:latin typeface="+mj-ea"/>
+                <a:ea typeface="+mj-ea"/>
+              </a:rPr>
+              <a:t>보다 작은 값 입력</a:t>
+            </a:r>
+            <a:r>
+              <a:rPr lang="en-US" altLang="ko-KR" dirty="0" smtClean="0">
+                <a:latin typeface="+mj-ea"/>
+                <a:ea typeface="+mj-ea"/>
+              </a:rPr>
+              <a:t>)</a:t>
+            </a:r>
+            <a:endParaRPr lang="en-US" altLang="ko-KR" dirty="0">
+              <a:latin typeface="+mj-ea"/>
+              <a:ea typeface="+mj-ea"/>
+            </a:endParaRPr>
+          </a:p>
+          <a:p>
+            <a:pPr marL="285750" indent="-285750">
+              <a:lnSpc>
+                <a:spcPct val="150000"/>
+              </a:lnSpc>
+              <a:buFont typeface="Arial" panose="020B0604020202020204" pitchFamily="34" charset="0"/>
+              <a:buChar char="•"/>
+            </a:pPr>
+            <a:endParaRPr lang="ko-KR" altLang="en-US" dirty="0">
+              <a:latin typeface="+mj-ea"/>
+              <a:ea typeface="+mj-ea"/>
+            </a:endParaRPr>
+          </a:p>
+        </p:txBody>
+      </p:sp>
+    </p:spTree>
+    <p:extLst>
+      <p:ext uri="{BB962C8B-B14F-4D97-AF65-F5344CB8AC3E}">
+        <p14:creationId xmlns:p14="http://schemas.microsoft.com/office/powerpoint/2010/main" val="1019231611"/>
       </p:ext>
     </p:extLst>
   </p:cSld>
@@ -5659,7 +7618,7 @@
         </p:blipFill>
         <p:spPr>
           <a:xfrm>
-            <a:off x="375654" y="391381"/>
+            <a:off x="465875" y="2509741"/>
             <a:ext cx="7422206" cy="3953131"/>
           </a:xfrm>
           <a:prstGeom prst="rect">
@@ -5691,10 +7650,296 @@
           </a:prstGeom>
         </p:spPr>
       </p:pic>
+      <p:sp>
+        <p:nvSpPr>
+          <p:cNvPr id="5" name="TextBox 4"/>
+          <p:cNvSpPr txBox="1"/>
+          <p:nvPr/>
+        </p:nvSpPr>
+        <p:spPr>
+          <a:xfrm>
+            <a:off x="465875" y="391381"/>
+            <a:ext cx="5980645" cy="369332"/>
+          </a:xfrm>
+          <a:prstGeom prst="rect">
+            <a:avLst/>
+          </a:prstGeom>
+          <a:noFill/>
+        </p:spPr>
+        <p:txBody>
+          <a:bodyPr wrap="square" rtlCol="0">
+            <a:spAutoFit/>
+          </a:bodyPr>
+          <a:lstStyle/>
+          <a:p>
+            <a:pPr marL="285750" indent="-285750">
+              <a:buFont typeface="Arial" panose="020B0604020202020204" pitchFamily="34" charset="0"/>
+              <a:buChar char="•"/>
+            </a:pPr>
+            <a:r>
+              <a:rPr lang="en-US" altLang="ko-KR" dirty="0" smtClean="0"/>
+              <a:t>Insert </a:t>
+            </a:r>
+            <a:r>
+              <a:rPr lang="ko-KR" altLang="en-US" dirty="0" smtClean="0"/>
+              <a:t>데이터 </a:t>
+            </a:r>
+            <a:r>
+              <a:rPr lang="en-US" altLang="ko-KR" dirty="0" smtClean="0"/>
+              <a:t>value </a:t>
+            </a:r>
+            <a:r>
+              <a:rPr lang="ko-KR" altLang="en-US" dirty="0" smtClean="0"/>
+              <a:t>값 입력하기 </a:t>
+            </a:r>
+            <a:endParaRPr lang="ko-KR" altLang="en-US" dirty="0"/>
+          </a:p>
+        </p:txBody>
+      </p:sp>
     </p:spTree>
     <p:extLst>
       <p:ext uri="{BB962C8B-B14F-4D97-AF65-F5344CB8AC3E}">
         <p14:creationId xmlns:p14="http://schemas.microsoft.com/office/powerpoint/2010/main" val="630952602"/>
+      </p:ext>
+    </p:extLst>
+  </p:cSld>
+  <p:clrMapOvr>
+    <a:masterClrMapping/>
+  </p:clrMapOvr>
+</p:sld>
+</file>
+
+<file path=ppt/slides/slide30.xml><?xml version="1.0" encoding="utf-8"?>
+<p:sld xmlns:a="http://schemas.openxmlformats.org/drawingml/2006/main" xmlns:r="http://schemas.openxmlformats.org/officeDocument/2006/relationships" xmlns:p="http://schemas.openxmlformats.org/presentationml/2006/main">
+  <p:cSld>
+    <p:spTree>
+      <p:nvGrpSpPr>
+        <p:cNvPr id="1" name=""/>
+        <p:cNvGrpSpPr/>
+        <p:nvPr/>
+      </p:nvGrpSpPr>
+      <p:grpSpPr>
+        <a:xfrm>
+          <a:off x="0" y="0"/>
+          <a:ext cx="0" cy="0"/>
+          <a:chOff x="0" y="0"/>
+          <a:chExt cx="0" cy="0"/>
+        </a:xfrm>
+      </p:grpSpPr>
+    </p:spTree>
+    <p:extLst>
+      <p:ext uri="{BB962C8B-B14F-4D97-AF65-F5344CB8AC3E}">
+        <p14:creationId xmlns:p14="http://schemas.microsoft.com/office/powerpoint/2010/main" val="1172222731"/>
+      </p:ext>
+    </p:extLst>
+  </p:cSld>
+  <p:clrMapOvr>
+    <a:masterClrMapping/>
+  </p:clrMapOvr>
+</p:sld>
+</file>
+
+<file path=ppt/slides/slide31.xml><?xml version="1.0" encoding="utf-8"?>
+<p:sld xmlns:a="http://schemas.openxmlformats.org/drawingml/2006/main" xmlns:r="http://schemas.openxmlformats.org/officeDocument/2006/relationships" xmlns:p="http://schemas.openxmlformats.org/presentationml/2006/main">
+  <p:cSld>
+    <p:spTree>
+      <p:nvGrpSpPr>
+        <p:cNvPr id="1" name=""/>
+        <p:cNvGrpSpPr/>
+        <p:nvPr/>
+      </p:nvGrpSpPr>
+      <p:grpSpPr>
+        <a:xfrm>
+          <a:off x="0" y="0"/>
+          <a:ext cx="0" cy="0"/>
+          <a:chOff x="0" y="0"/>
+          <a:chExt cx="0" cy="0"/>
+        </a:xfrm>
+      </p:grpSpPr>
+    </p:spTree>
+    <p:extLst>
+      <p:ext uri="{BB962C8B-B14F-4D97-AF65-F5344CB8AC3E}">
+        <p14:creationId xmlns:p14="http://schemas.microsoft.com/office/powerpoint/2010/main" val="3018895037"/>
+      </p:ext>
+    </p:extLst>
+  </p:cSld>
+  <p:clrMapOvr>
+    <a:masterClrMapping/>
+  </p:clrMapOvr>
+</p:sld>
+</file>
+
+<file path=ppt/slides/slide32.xml><?xml version="1.0" encoding="utf-8"?>
+<p:sld xmlns:a="http://schemas.openxmlformats.org/drawingml/2006/main" xmlns:r="http://schemas.openxmlformats.org/officeDocument/2006/relationships" xmlns:p="http://schemas.openxmlformats.org/presentationml/2006/main">
+  <p:cSld>
+    <p:spTree>
+      <p:nvGrpSpPr>
+        <p:cNvPr id="1" name=""/>
+        <p:cNvGrpSpPr/>
+        <p:nvPr/>
+      </p:nvGrpSpPr>
+      <p:grpSpPr>
+        <a:xfrm>
+          <a:off x="0" y="0"/>
+          <a:ext cx="0" cy="0"/>
+          <a:chOff x="0" y="0"/>
+          <a:chExt cx="0" cy="0"/>
+        </a:xfrm>
+      </p:grpSpPr>
+    </p:spTree>
+    <p:extLst>
+      <p:ext uri="{BB962C8B-B14F-4D97-AF65-F5344CB8AC3E}">
+        <p14:creationId xmlns:p14="http://schemas.microsoft.com/office/powerpoint/2010/main" val="53508434"/>
+      </p:ext>
+    </p:extLst>
+  </p:cSld>
+  <p:clrMapOvr>
+    <a:masterClrMapping/>
+  </p:clrMapOvr>
+</p:sld>
+</file>
+
+<file path=ppt/slides/slide33.xml><?xml version="1.0" encoding="utf-8"?>
+<p:sld xmlns:a="http://schemas.openxmlformats.org/drawingml/2006/main" xmlns:r="http://schemas.openxmlformats.org/officeDocument/2006/relationships" xmlns:p="http://schemas.openxmlformats.org/presentationml/2006/main">
+  <p:cSld>
+    <p:spTree>
+      <p:nvGrpSpPr>
+        <p:cNvPr id="1" name=""/>
+        <p:cNvGrpSpPr/>
+        <p:nvPr/>
+      </p:nvGrpSpPr>
+      <p:grpSpPr>
+        <a:xfrm>
+          <a:off x="0" y="0"/>
+          <a:ext cx="0" cy="0"/>
+          <a:chOff x="0" y="0"/>
+          <a:chExt cx="0" cy="0"/>
+        </a:xfrm>
+      </p:grpSpPr>
+    </p:spTree>
+    <p:extLst>
+      <p:ext uri="{BB962C8B-B14F-4D97-AF65-F5344CB8AC3E}">
+        <p14:creationId xmlns:p14="http://schemas.microsoft.com/office/powerpoint/2010/main" val="493019338"/>
+      </p:ext>
+    </p:extLst>
+  </p:cSld>
+  <p:clrMapOvr>
+    <a:masterClrMapping/>
+  </p:clrMapOvr>
+</p:sld>
+</file>
+
+<file path=ppt/slides/slide34.xml><?xml version="1.0" encoding="utf-8"?>
+<p:sld xmlns:a="http://schemas.openxmlformats.org/drawingml/2006/main" xmlns:r="http://schemas.openxmlformats.org/officeDocument/2006/relationships" xmlns:p="http://schemas.openxmlformats.org/presentationml/2006/main">
+  <p:cSld>
+    <p:spTree>
+      <p:nvGrpSpPr>
+        <p:cNvPr id="1" name=""/>
+        <p:cNvGrpSpPr/>
+        <p:nvPr/>
+      </p:nvGrpSpPr>
+      <p:grpSpPr>
+        <a:xfrm>
+          <a:off x="0" y="0"/>
+          <a:ext cx="0" cy="0"/>
+          <a:chOff x="0" y="0"/>
+          <a:chExt cx="0" cy="0"/>
+        </a:xfrm>
+      </p:grpSpPr>
+    </p:spTree>
+    <p:extLst>
+      <p:ext uri="{BB962C8B-B14F-4D97-AF65-F5344CB8AC3E}">
+        <p14:creationId xmlns:p14="http://schemas.microsoft.com/office/powerpoint/2010/main" val="1073086965"/>
+      </p:ext>
+    </p:extLst>
+  </p:cSld>
+  <p:clrMapOvr>
+    <a:masterClrMapping/>
+  </p:clrMapOvr>
+</p:sld>
+</file>
+
+<file path=ppt/slides/slide35.xml><?xml version="1.0" encoding="utf-8"?>
+<p:sld xmlns:a="http://schemas.openxmlformats.org/drawingml/2006/main" xmlns:r="http://schemas.openxmlformats.org/officeDocument/2006/relationships" xmlns:p="http://schemas.openxmlformats.org/presentationml/2006/main">
+  <p:cSld>
+    <p:spTree>
+      <p:nvGrpSpPr>
+        <p:cNvPr id="1" name=""/>
+        <p:cNvGrpSpPr/>
+        <p:nvPr/>
+      </p:nvGrpSpPr>
+      <p:grpSpPr>
+        <a:xfrm>
+          <a:off x="0" y="0"/>
+          <a:ext cx="0" cy="0"/>
+          <a:chOff x="0" y="0"/>
+          <a:chExt cx="0" cy="0"/>
+        </a:xfrm>
+      </p:grpSpPr>
+    </p:spTree>
+    <p:extLst>
+      <p:ext uri="{BB962C8B-B14F-4D97-AF65-F5344CB8AC3E}">
+        <p14:creationId xmlns:p14="http://schemas.microsoft.com/office/powerpoint/2010/main" val="2493421906"/>
+      </p:ext>
+    </p:extLst>
+  </p:cSld>
+  <p:clrMapOvr>
+    <a:masterClrMapping/>
+  </p:clrMapOvr>
+</p:sld>
+</file>
+
+<file path=ppt/slides/slide36.xml><?xml version="1.0" encoding="utf-8"?>
+<p:sld xmlns:a="http://schemas.openxmlformats.org/drawingml/2006/main" xmlns:r="http://schemas.openxmlformats.org/officeDocument/2006/relationships" xmlns:p="http://schemas.openxmlformats.org/presentationml/2006/main">
+  <p:cSld>
+    <p:spTree>
+      <p:nvGrpSpPr>
+        <p:cNvPr id="1" name=""/>
+        <p:cNvGrpSpPr/>
+        <p:nvPr/>
+      </p:nvGrpSpPr>
+      <p:grpSpPr>
+        <a:xfrm>
+          <a:off x="0" y="0"/>
+          <a:ext cx="0" cy="0"/>
+          <a:chOff x="0" y="0"/>
+          <a:chExt cx="0" cy="0"/>
+        </a:xfrm>
+      </p:grpSpPr>
+    </p:spTree>
+    <p:extLst>
+      <p:ext uri="{BB962C8B-B14F-4D97-AF65-F5344CB8AC3E}">
+        <p14:creationId xmlns:p14="http://schemas.microsoft.com/office/powerpoint/2010/main" val="2022398780"/>
+      </p:ext>
+    </p:extLst>
+  </p:cSld>
+  <p:clrMapOvr>
+    <a:masterClrMapping/>
+  </p:clrMapOvr>
+</p:sld>
+</file>
+
+<file path=ppt/slides/slide37.xml><?xml version="1.0" encoding="utf-8"?>
+<p:sld xmlns:a="http://schemas.openxmlformats.org/drawingml/2006/main" xmlns:r="http://schemas.openxmlformats.org/officeDocument/2006/relationships" xmlns:p="http://schemas.openxmlformats.org/presentationml/2006/main">
+  <p:cSld>
+    <p:spTree>
+      <p:nvGrpSpPr>
+        <p:cNvPr id="1" name=""/>
+        <p:cNvGrpSpPr/>
+        <p:nvPr/>
+      </p:nvGrpSpPr>
+      <p:grpSpPr>
+        <a:xfrm>
+          <a:off x="0" y="0"/>
+          <a:ext cx="0" cy="0"/>
+          <a:chOff x="0" y="0"/>
+          <a:chExt cx="0" cy="0"/>
+        </a:xfrm>
+      </p:grpSpPr>
+    </p:spTree>
+    <p:extLst>
+      <p:ext uri="{BB962C8B-B14F-4D97-AF65-F5344CB8AC3E}">
+        <p14:creationId xmlns:p14="http://schemas.microsoft.com/office/powerpoint/2010/main" val="4262771397"/>
       </p:ext>
     </p:extLst>
   </p:cSld>
@@ -6139,7 +8384,7 @@
         </p:blipFill>
         <p:spPr>
           <a:xfrm>
-            <a:off x="375581" y="925880"/>
+            <a:off x="375581" y="870573"/>
             <a:ext cx="3472214" cy="5563586"/>
           </a:xfrm>
           <a:prstGeom prst="rect">
@@ -6265,7 +8510,7 @@
         </p:blipFill>
         <p:spPr>
           <a:xfrm>
-            <a:off x="336108" y="1136720"/>
+            <a:off x="312582" y="1434427"/>
             <a:ext cx="4684589" cy="5110459"/>
           </a:xfrm>
           <a:prstGeom prst="rect">
@@ -6313,7 +8558,7 @@
         </p:blipFill>
         <p:spPr>
           <a:xfrm>
-            <a:off x="6060436" y="1136720"/>
+            <a:off x="6127219" y="1706900"/>
             <a:ext cx="4472929" cy="4014678"/>
           </a:xfrm>
           <a:prstGeom prst="rect">
@@ -6321,6 +8566,181 @@
           </a:prstGeom>
         </p:spPr>
       </p:pic>
+      <p:sp>
+        <p:nvSpPr>
+          <p:cNvPr id="8" name="TextBox 7"/>
+          <p:cNvSpPr txBox="1"/>
+          <p:nvPr/>
+        </p:nvSpPr>
+        <p:spPr>
+          <a:xfrm>
+            <a:off x="312582" y="767037"/>
+            <a:ext cx="5634676" cy="523220"/>
+          </a:xfrm>
+          <a:prstGeom prst="rect">
+            <a:avLst/>
+          </a:prstGeom>
+          <a:noFill/>
+        </p:spPr>
+        <p:txBody>
+          <a:bodyPr wrap="square" rtlCol="0">
+            <a:spAutoFit/>
+          </a:bodyPr>
+          <a:lstStyle/>
+          <a:p>
+            <a:r>
+              <a:rPr lang="en-US" altLang="ko-KR" sz="1400" dirty="0" smtClean="0">
+                <a:latin typeface="+mj-ea"/>
+                <a:ea typeface="+mj-ea"/>
+              </a:rPr>
+              <a:t>Select *, (</a:t>
+            </a:r>
+            <a:r>
+              <a:rPr lang="en-US" altLang="ko-KR" sz="1400" dirty="0" err="1" smtClean="0">
+                <a:latin typeface="+mj-ea"/>
+                <a:ea typeface="+mj-ea"/>
+              </a:rPr>
+              <a:t>kor+eng+mat</a:t>
+            </a:r>
+            <a:r>
+              <a:rPr lang="en-US" altLang="ko-KR" sz="1400" dirty="0" smtClean="0">
+                <a:latin typeface="+mj-ea"/>
+                <a:ea typeface="+mj-ea"/>
+              </a:rPr>
+              <a:t>)/3 from </a:t>
+            </a:r>
+            <a:r>
+              <a:rPr lang="en-US" altLang="ko-KR" sz="1400" dirty="0" err="1" smtClean="0">
+                <a:latin typeface="+mj-ea"/>
+                <a:ea typeface="+mj-ea"/>
+              </a:rPr>
+              <a:t>examtable</a:t>
+            </a:r>
+            <a:r>
+              <a:rPr lang="en-US" altLang="ko-KR" sz="1400" dirty="0" smtClean="0">
+                <a:latin typeface="+mj-ea"/>
+                <a:ea typeface="+mj-ea"/>
+              </a:rPr>
+              <a:t> order by (</a:t>
+            </a:r>
+            <a:r>
+              <a:rPr lang="en-US" altLang="ko-KR" sz="1400" dirty="0" err="1" smtClean="0">
+                <a:latin typeface="+mj-ea"/>
+                <a:ea typeface="+mj-ea"/>
+              </a:rPr>
+              <a:t>kor+eng+mat</a:t>
+            </a:r>
+            <a:r>
+              <a:rPr lang="en-US" altLang="ko-KR" sz="1400" dirty="0" smtClean="0">
+                <a:latin typeface="+mj-ea"/>
+                <a:ea typeface="+mj-ea"/>
+              </a:rPr>
+              <a:t>)/3 </a:t>
+            </a:r>
+            <a:r>
+              <a:rPr lang="en-US" altLang="ko-KR" sz="1400" dirty="0" err="1" smtClean="0">
+                <a:latin typeface="+mj-ea"/>
+                <a:ea typeface="+mj-ea"/>
+              </a:rPr>
+              <a:t>desc</a:t>
+            </a:r>
+            <a:r>
+              <a:rPr lang="en-US" altLang="ko-KR" sz="1400" dirty="0" smtClean="0">
+                <a:latin typeface="+mj-ea"/>
+                <a:ea typeface="+mj-ea"/>
+              </a:rPr>
+              <a:t>;</a:t>
+            </a:r>
+            <a:endParaRPr lang="ko-KR" altLang="en-US" sz="1400" dirty="0">
+              <a:latin typeface="+mj-ea"/>
+              <a:ea typeface="+mj-ea"/>
+            </a:endParaRPr>
+          </a:p>
+        </p:txBody>
+      </p:sp>
+      <p:sp>
+        <p:nvSpPr>
+          <p:cNvPr id="9" name="TextBox 8"/>
+          <p:cNvSpPr txBox="1"/>
+          <p:nvPr/>
+        </p:nvSpPr>
+        <p:spPr>
+          <a:xfrm>
+            <a:off x="6127219" y="767037"/>
+            <a:ext cx="5634676" cy="307777"/>
+          </a:xfrm>
+          <a:prstGeom prst="rect">
+            <a:avLst/>
+          </a:prstGeom>
+          <a:noFill/>
+        </p:spPr>
+        <p:txBody>
+          <a:bodyPr wrap="square" rtlCol="0">
+            <a:spAutoFit/>
+          </a:bodyPr>
+          <a:lstStyle/>
+          <a:p>
+            <a:r>
+              <a:rPr lang="en-US" altLang="ko-KR" sz="1400" dirty="0" smtClean="0">
+                <a:latin typeface="+mj-ea"/>
+                <a:ea typeface="+mj-ea"/>
+              </a:rPr>
+              <a:t>Select *, </a:t>
+            </a:r>
+            <a:r>
+              <a:rPr lang="en-US" altLang="ko-KR" sz="1400" dirty="0" err="1" smtClean="0">
+                <a:latin typeface="+mj-ea"/>
+              </a:rPr>
+              <a:t>kor+eng+mat</a:t>
+            </a:r>
+            <a:r>
+              <a:rPr lang="en-US" altLang="ko-KR" sz="1400" dirty="0" smtClean="0">
+                <a:latin typeface="+mj-ea"/>
+              </a:rPr>
+              <a:t>, </a:t>
+            </a:r>
+            <a:r>
+              <a:rPr lang="en-US" altLang="ko-KR" sz="1400" dirty="0" smtClean="0">
+                <a:latin typeface="+mj-ea"/>
+                <a:ea typeface="+mj-ea"/>
+              </a:rPr>
+              <a:t>(</a:t>
+            </a:r>
+            <a:r>
+              <a:rPr lang="en-US" altLang="ko-KR" sz="1400" dirty="0" err="1" smtClean="0">
+                <a:latin typeface="+mj-ea"/>
+                <a:ea typeface="+mj-ea"/>
+              </a:rPr>
+              <a:t>kor+eng+mat</a:t>
+            </a:r>
+            <a:r>
+              <a:rPr lang="en-US" altLang="ko-KR" sz="1400" dirty="0" smtClean="0">
+                <a:latin typeface="+mj-ea"/>
+                <a:ea typeface="+mj-ea"/>
+              </a:rPr>
+              <a:t>)/3 from </a:t>
+            </a:r>
+            <a:r>
+              <a:rPr lang="en-US" altLang="ko-KR" sz="1400" dirty="0" err="1" smtClean="0">
+                <a:latin typeface="+mj-ea"/>
+                <a:ea typeface="+mj-ea"/>
+              </a:rPr>
+              <a:t>examtable</a:t>
+            </a:r>
+            <a:r>
+              <a:rPr lang="en-US" altLang="ko-KR" sz="1400" dirty="0" smtClean="0">
+                <a:latin typeface="+mj-ea"/>
+                <a:ea typeface="+mj-ea"/>
+              </a:rPr>
+              <a:t>;</a:t>
+            </a:r>
+            <a:endParaRPr lang="ko-KR" altLang="en-US" sz="1400" dirty="0">
+              <a:latin typeface="+mj-ea"/>
+              <a:ea typeface="+mj-ea"/>
+            </a:endParaRPr>
+          </a:p>
+        </p:txBody>
+      </p:sp>
     </p:spTree>
     <p:extLst>
       <p:ext uri="{BB962C8B-B14F-4D97-AF65-F5344CB8AC3E}">
@@ -6391,7 +8811,7 @@
         </p:blipFill>
         <p:spPr>
           <a:xfrm>
-            <a:off x="339289" y="1488711"/>
+            <a:off x="339289" y="1898362"/>
             <a:ext cx="4558117" cy="4056211"/>
           </a:xfrm>
           <a:prstGeom prst="rect">
@@ -6439,7 +8859,7 @@
         </p:blipFill>
         <p:spPr>
           <a:xfrm>
-            <a:off x="6210695" y="1488711"/>
+            <a:off x="6232641" y="1896823"/>
             <a:ext cx="3613619" cy="4057750"/>
           </a:xfrm>
           <a:prstGeom prst="rect">
@@ -6447,6 +8867,204 @@
           </a:prstGeom>
         </p:spPr>
       </p:pic>
+      <p:sp>
+        <p:nvSpPr>
+          <p:cNvPr id="7" name="TextBox 6"/>
+          <p:cNvSpPr txBox="1"/>
+          <p:nvPr/>
+        </p:nvSpPr>
+        <p:spPr>
+          <a:xfrm>
+            <a:off x="339289" y="1056070"/>
+            <a:ext cx="5634676" cy="523220"/>
+          </a:xfrm>
+          <a:prstGeom prst="rect">
+            <a:avLst/>
+          </a:prstGeom>
+          <a:noFill/>
+        </p:spPr>
+        <p:txBody>
+          <a:bodyPr wrap="square" rtlCol="0">
+            <a:spAutoFit/>
+          </a:bodyPr>
+          <a:lstStyle/>
+          <a:p>
+            <a:r>
+              <a:rPr lang="en-US" altLang="ko-KR" sz="1400" dirty="0" smtClean="0">
+                <a:latin typeface="+mj-ea"/>
+                <a:ea typeface="+mj-ea"/>
+              </a:rPr>
+              <a:t>Select *, </a:t>
+            </a:r>
+            <a:r>
+              <a:rPr lang="en-US" altLang="ko-KR" sz="1400" dirty="0" err="1" smtClean="0">
+                <a:latin typeface="+mj-ea"/>
+                <a:ea typeface="+mj-ea"/>
+              </a:rPr>
+              <a:t>kor+eng+mat</a:t>
+            </a:r>
+            <a:r>
+              <a:rPr lang="en-US" altLang="ko-KR" sz="1400" dirty="0" smtClean="0">
+                <a:latin typeface="+mj-ea"/>
+                <a:ea typeface="+mj-ea"/>
+              </a:rPr>
+              <a:t>, (</a:t>
+            </a:r>
+            <a:r>
+              <a:rPr lang="en-US" altLang="ko-KR" sz="1400" dirty="0" err="1" smtClean="0">
+                <a:latin typeface="+mj-ea"/>
+                <a:ea typeface="+mj-ea"/>
+              </a:rPr>
+              <a:t>kor+eng+mat</a:t>
+            </a:r>
+            <a:r>
+              <a:rPr lang="en-US" altLang="ko-KR" sz="1400" dirty="0" smtClean="0">
+                <a:latin typeface="+mj-ea"/>
+                <a:ea typeface="+mj-ea"/>
+              </a:rPr>
+              <a:t>)/3 from </a:t>
+            </a:r>
+            <a:r>
+              <a:rPr lang="en-US" altLang="ko-KR" sz="1400" dirty="0" err="1" smtClean="0">
+                <a:latin typeface="+mj-ea"/>
+                <a:ea typeface="+mj-ea"/>
+              </a:rPr>
+              <a:t>examtable</a:t>
+            </a:r>
+            <a:r>
+              <a:rPr lang="en-US" altLang="ko-KR" sz="1400" dirty="0" smtClean="0">
+                <a:latin typeface="+mj-ea"/>
+                <a:ea typeface="+mj-ea"/>
+              </a:rPr>
+              <a:t> order by </a:t>
+            </a:r>
+            <a:r>
+              <a:rPr lang="en-US" altLang="ko-KR" sz="1400" dirty="0" err="1" smtClean="0">
+                <a:latin typeface="+mj-ea"/>
+                <a:ea typeface="+mj-ea"/>
+              </a:rPr>
+              <a:t>kor+eng+mat</a:t>
+            </a:r>
+            <a:r>
+              <a:rPr lang="en-US" altLang="ko-KR" sz="1400" dirty="0" smtClean="0">
+                <a:latin typeface="+mj-ea"/>
+                <a:ea typeface="+mj-ea"/>
+              </a:rPr>
+              <a:t> </a:t>
+            </a:r>
+            <a:r>
+              <a:rPr lang="en-US" altLang="ko-KR" sz="1400" dirty="0" err="1" smtClean="0">
+                <a:latin typeface="+mj-ea"/>
+                <a:ea typeface="+mj-ea"/>
+              </a:rPr>
+              <a:t>desc</a:t>
+            </a:r>
+            <a:r>
+              <a:rPr lang="en-US" altLang="ko-KR" sz="1400" dirty="0" smtClean="0">
+                <a:latin typeface="+mj-ea"/>
+                <a:ea typeface="+mj-ea"/>
+              </a:rPr>
+              <a:t>;</a:t>
+            </a:r>
+            <a:endParaRPr lang="ko-KR" altLang="en-US" sz="1400" dirty="0">
+              <a:latin typeface="+mj-ea"/>
+              <a:ea typeface="+mj-ea"/>
+            </a:endParaRPr>
+          </a:p>
+        </p:txBody>
+      </p:sp>
+      <p:sp>
+        <p:nvSpPr>
+          <p:cNvPr id="8" name="TextBox 7"/>
+          <p:cNvSpPr txBox="1"/>
+          <p:nvPr/>
+        </p:nvSpPr>
+        <p:spPr>
+          <a:xfrm>
+            <a:off x="6100877" y="1056069"/>
+            <a:ext cx="5634676" cy="523220"/>
+          </a:xfrm>
+          <a:prstGeom prst="rect">
+            <a:avLst/>
+          </a:prstGeom>
+          <a:noFill/>
+        </p:spPr>
+        <p:txBody>
+          <a:bodyPr wrap="square" rtlCol="0">
+            <a:spAutoFit/>
+          </a:bodyPr>
+          <a:lstStyle/>
+          <a:p>
+            <a:r>
+              <a:rPr lang="en-US" altLang="ko-KR" sz="1400" dirty="0" smtClean="0">
+                <a:latin typeface="+mj-ea"/>
+                <a:ea typeface="+mj-ea"/>
+              </a:rPr>
+              <a:t>Select *, </a:t>
+            </a:r>
+            <a:r>
+              <a:rPr lang="en-US" altLang="ko-KR" sz="1400" dirty="0" err="1" smtClean="0">
+                <a:latin typeface="+mj-ea"/>
+                <a:ea typeface="+mj-ea"/>
+              </a:rPr>
+              <a:t>kor+eng+mat</a:t>
+            </a:r>
+            <a:r>
+              <a:rPr lang="en-US" altLang="ko-KR" sz="1400" dirty="0" smtClean="0">
+                <a:latin typeface="+mj-ea"/>
+                <a:ea typeface="+mj-ea"/>
+              </a:rPr>
+              <a:t> as total, (</a:t>
+            </a:r>
+            <a:r>
+              <a:rPr lang="en-US" altLang="ko-KR" sz="1400" dirty="0" err="1" smtClean="0">
+                <a:latin typeface="+mj-ea"/>
+                <a:ea typeface="+mj-ea"/>
+              </a:rPr>
+              <a:t>kor+eng+mat</a:t>
+            </a:r>
+            <a:r>
+              <a:rPr lang="en-US" altLang="ko-KR" sz="1400" dirty="0" smtClean="0">
+                <a:latin typeface="+mj-ea"/>
+                <a:ea typeface="+mj-ea"/>
+              </a:rPr>
+              <a:t>)/3 as average from </a:t>
+            </a:r>
+            <a:r>
+              <a:rPr lang="en-US" altLang="ko-KR" sz="1400" dirty="0" err="1" smtClean="0">
+                <a:latin typeface="+mj-ea"/>
+                <a:ea typeface="+mj-ea"/>
+              </a:rPr>
+              <a:t>examtable</a:t>
+            </a:r>
+            <a:r>
+              <a:rPr lang="en-US" altLang="ko-KR" sz="1400" dirty="0" smtClean="0">
+                <a:latin typeface="+mj-ea"/>
+                <a:ea typeface="+mj-ea"/>
+              </a:rPr>
+              <a:t> order by total </a:t>
+            </a:r>
+            <a:r>
+              <a:rPr lang="en-US" altLang="ko-KR" sz="1400" dirty="0" err="1" smtClean="0">
+                <a:latin typeface="+mj-ea"/>
+                <a:ea typeface="+mj-ea"/>
+              </a:rPr>
+              <a:t>desc</a:t>
+            </a:r>
+            <a:r>
+              <a:rPr lang="en-US" altLang="ko-KR" sz="1400" dirty="0" smtClean="0">
+                <a:latin typeface="+mj-ea"/>
+                <a:ea typeface="+mj-ea"/>
+              </a:rPr>
+              <a:t>;</a:t>
+            </a:r>
+            <a:endParaRPr lang="ko-KR" altLang="en-US" sz="1400" dirty="0">
+              <a:latin typeface="+mj-ea"/>
+              <a:ea typeface="+mj-ea"/>
+            </a:endParaRPr>
+          </a:p>
+        </p:txBody>
+      </p:sp>
     </p:spTree>
     <p:extLst>
       <p:ext uri="{BB962C8B-B14F-4D97-AF65-F5344CB8AC3E}">

--- a/과제PPT/데이터베이스 3강.pptx
+++ b/과제PPT/데이터베이스 3강.pptx
@@ -3415,18 +3415,11 @@
               <a:t>3</a:t>
             </a:r>
             <a:r>
-              <a:rPr lang="ko-KR" altLang="en-US" dirty="0" smtClean="0">
+              <a:rPr lang="ko-KR" altLang="en-US" dirty="0">
                 <a:latin typeface="+mj-ea"/>
                 <a:ea typeface="+mj-ea"/>
               </a:rPr>
               <a:t>강</a:t>
-            </a:r>
-            <a:r>
-              <a:rPr lang="en-US" altLang="ko-KR" dirty="0">
-                <a:latin typeface="+mj-ea"/>
-                <a:ea typeface="+mj-ea"/>
-              </a:rPr>
-              <a:t/>
             </a:r>
             <a:br>
               <a:rPr lang="en-US" altLang="ko-KR" dirty="0">
@@ -3663,39 +3656,39 @@
           <a:lstStyle/>
           <a:p>
             <a:r>
-              <a:rPr lang="en-US" altLang="ko-KR" dirty="0" smtClean="0"/>
+              <a:rPr lang="en-US" altLang="ko-KR" dirty="0"/>
               <a:t>Select </a:t>
             </a:r>
             <a:r>
-              <a:rPr lang="ko-KR" altLang="en-US" dirty="0" smtClean="0"/>
+              <a:rPr lang="ko-KR" altLang="en-US" dirty="0"/>
               <a:t>와 </a:t>
             </a:r>
             <a:r>
-              <a:rPr lang="en-US" altLang="ko-KR" dirty="0" smtClean="0"/>
+              <a:rPr lang="en-US" altLang="ko-KR" dirty="0"/>
               <a:t>group by </a:t>
             </a:r>
             <a:r>
-              <a:rPr lang="ko-KR" altLang="en-US" dirty="0" smtClean="0"/>
+              <a:rPr lang="ko-KR" altLang="en-US" dirty="0"/>
               <a:t>하려는 조건을 </a:t>
             </a:r>
             <a:r>
-              <a:rPr lang="ko-KR" altLang="en-US" dirty="0" err="1" smtClean="0"/>
+              <a:rPr lang="ko-KR" altLang="en-US" dirty="0" err="1"/>
               <a:t>매칭</a:t>
             </a:r>
             <a:r>
-              <a:rPr lang="ko-KR" altLang="en-US" dirty="0" smtClean="0"/>
+              <a:rPr lang="ko-KR" altLang="en-US" dirty="0"/>
               <a:t> 해주어야 한다</a:t>
             </a:r>
             <a:r>
-              <a:rPr lang="en-US" altLang="ko-KR" dirty="0" smtClean="0"/>
+              <a:rPr lang="en-US" altLang="ko-KR" dirty="0"/>
               <a:t>. </a:t>
             </a:r>
             <a:r>
-              <a:rPr lang="ko-KR" altLang="en-US" dirty="0" smtClean="0"/>
+              <a:rPr lang="ko-KR" altLang="en-US" dirty="0"/>
               <a:t>그렇지 않으면 오류발생</a:t>
             </a:r>
             <a:r>
-              <a:rPr lang="en-US" altLang="ko-KR" dirty="0" smtClean="0"/>
+              <a:rPr lang="en-US" altLang="ko-KR" dirty="0"/>
               <a:t>!</a:t>
             </a:r>
             <a:endParaRPr lang="ko-KR" altLang="en-US" dirty="0"/>
@@ -3801,10 +3794,9 @@
               <a:buChar char="•"/>
             </a:pPr>
             <a:r>
-              <a:rPr lang="ko-KR" altLang="en-US" sz="2800" dirty="0" smtClean="0"/>
+              <a:rPr lang="ko-KR" altLang="en-US" sz="2800" dirty="0"/>
               <a:t>오류 부분 확인</a:t>
             </a:r>
-            <a:endParaRPr lang="ko-KR" altLang="en-US" sz="2800" dirty="0"/>
           </a:p>
         </p:txBody>
       </p:sp>
@@ -3957,21 +3949,21 @@
           <a:lstStyle/>
           <a:p>
             <a:r>
-              <a:rPr lang="en-US" altLang="ko-KR" sz="1400" dirty="0" smtClean="0">
+              <a:rPr lang="en-US" altLang="ko-KR" sz="1400" dirty="0">
                 <a:latin typeface="+mj-ea"/>
                 <a:ea typeface="+mj-ea"/>
               </a:rPr>
               <a:t>Select name, count(name) from </a:t>
             </a:r>
             <a:r>
-              <a:rPr lang="en-US" altLang="ko-KR" sz="1400" dirty="0" err="1" smtClean="0">
+              <a:rPr lang="en-US" altLang="ko-KR" sz="1400" dirty="0" err="1">
                 <a:latin typeface="+mj-ea"/>
                 <a:ea typeface="+mj-ea"/>
               </a:rPr>
               <a:t>examtable</a:t>
             </a:r>
             <a:r>
-              <a:rPr lang="en-US" altLang="ko-KR" sz="1400" dirty="0" smtClean="0">
+              <a:rPr lang="en-US" altLang="ko-KR" sz="1400" dirty="0">
                 <a:latin typeface="+mj-ea"/>
                 <a:ea typeface="+mj-ea"/>
               </a:rPr>
@@ -4007,63 +3999,63 @@
           <a:lstStyle/>
           <a:p>
             <a:r>
-              <a:rPr lang="en-US" altLang="ko-KR" sz="1400" dirty="0" smtClean="0">
+              <a:rPr lang="en-US" altLang="ko-KR" sz="1400" dirty="0">
                 <a:latin typeface="+mj-ea"/>
                 <a:ea typeface="+mj-ea"/>
               </a:rPr>
               <a:t>Select </a:t>
             </a:r>
             <a:r>
-              <a:rPr lang="en-US" altLang="ko-KR" sz="1400" dirty="0" err="1" smtClean="0">
+              <a:rPr lang="en-US" altLang="ko-KR" sz="1400" dirty="0" err="1">
                 <a:latin typeface="+mj-ea"/>
                 <a:ea typeface="+mj-ea"/>
               </a:rPr>
               <a:t>kor,count</a:t>
             </a:r>
             <a:r>
-              <a:rPr lang="en-US" altLang="ko-KR" sz="1400" dirty="0" smtClean="0">
+              <a:rPr lang="en-US" altLang="ko-KR" sz="1400" dirty="0">
                 <a:latin typeface="+mj-ea"/>
                 <a:ea typeface="+mj-ea"/>
               </a:rPr>
               <a:t>(</a:t>
             </a:r>
             <a:r>
-              <a:rPr lang="en-US" altLang="ko-KR" sz="1400" dirty="0" err="1" smtClean="0">
+              <a:rPr lang="en-US" altLang="ko-KR" sz="1400" dirty="0" err="1">
                 <a:latin typeface="+mj-ea"/>
                 <a:ea typeface="+mj-ea"/>
               </a:rPr>
               <a:t>kor</a:t>
             </a:r>
             <a:r>
-              <a:rPr lang="en-US" altLang="ko-KR" sz="1400" dirty="0" smtClean="0">
+              <a:rPr lang="en-US" altLang="ko-KR" sz="1400" dirty="0">
                 <a:latin typeface="+mj-ea"/>
                 <a:ea typeface="+mj-ea"/>
               </a:rPr>
               <a:t>) from </a:t>
             </a:r>
             <a:r>
-              <a:rPr lang="en-US" altLang="ko-KR" sz="1400" dirty="0" err="1" smtClean="0">
+              <a:rPr lang="en-US" altLang="ko-KR" sz="1400" dirty="0" err="1">
                 <a:latin typeface="+mj-ea"/>
                 <a:ea typeface="+mj-ea"/>
               </a:rPr>
               <a:t>examtable</a:t>
             </a:r>
             <a:r>
-              <a:rPr lang="en-US" altLang="ko-KR" sz="1400" dirty="0" smtClean="0">
+              <a:rPr lang="en-US" altLang="ko-KR" sz="1400" dirty="0">
                 <a:latin typeface="+mj-ea"/>
                 <a:ea typeface="+mj-ea"/>
               </a:rPr>
               <a:t> group by </a:t>
             </a:r>
             <a:r>
-              <a:rPr lang="en-US" altLang="ko-KR" sz="1400" dirty="0" err="1" smtClean="0">
+              <a:rPr lang="en-US" altLang="ko-KR" sz="1400" dirty="0" err="1">
                 <a:latin typeface="+mj-ea"/>
                 <a:ea typeface="+mj-ea"/>
               </a:rPr>
               <a:t>kor</a:t>
             </a:r>
             <a:r>
-              <a:rPr lang="en-US" altLang="ko-KR" sz="1400" dirty="0" smtClean="0">
+              <a:rPr lang="en-US" altLang="ko-KR" sz="1400" dirty="0">
                 <a:latin typeface="+mj-ea"/>
                 <a:ea typeface="+mj-ea"/>
               </a:rPr>
@@ -4177,10 +4169,9 @@
           <a:lstStyle/>
           <a:p>
             <a:r>
-              <a:rPr lang="ko-KR" altLang="en-US" dirty="0" smtClean="0"/>
+              <a:rPr lang="ko-KR" altLang="en-US" dirty="0"/>
               <a:t>영어 그룹에 대한 조건이 맞지 않기 때문에 당연히 오류발생</a:t>
             </a:r>
-            <a:endParaRPr lang="ko-KR" altLang="en-US" dirty="0"/>
           </a:p>
         </p:txBody>
       </p:sp>
@@ -4381,26 +4372,25 @@
           <a:lstStyle/>
           <a:p>
             <a:r>
-              <a:rPr lang="en-US" altLang="ko-KR" dirty="0" smtClean="0"/>
+              <a:rPr lang="en-US" altLang="ko-KR" dirty="0"/>
               <a:t>3</a:t>
             </a:r>
             <a:r>
-              <a:rPr lang="ko-KR" altLang="en-US" dirty="0" smtClean="0"/>
+              <a:rPr lang="ko-KR" altLang="en-US" dirty="0"/>
               <a:t>강 </a:t>
             </a:r>
             <a:r>
-              <a:rPr lang="en-US" altLang="ko-KR" dirty="0" err="1" smtClean="0"/>
+              <a:rPr lang="en-US" altLang="ko-KR" dirty="0" err="1"/>
               <a:t>ppt</a:t>
             </a:r>
             <a:r>
-              <a:rPr lang="en-US" altLang="ko-KR" dirty="0" smtClean="0"/>
+              <a:rPr lang="en-US" altLang="ko-KR" dirty="0"/>
               <a:t> 8</a:t>
             </a:r>
             <a:r>
-              <a:rPr lang="ko-KR" altLang="en-US" dirty="0" smtClean="0"/>
+              <a:rPr lang="ko-KR" altLang="en-US" dirty="0"/>
               <a:t>페이지</a:t>
             </a:r>
-            <a:endParaRPr lang="ko-KR" altLang="en-US" dirty="0"/>
           </a:p>
         </p:txBody>
       </p:sp>
@@ -4553,26 +4543,25 @@
           <a:lstStyle/>
           <a:p>
             <a:r>
-              <a:rPr lang="en-US" altLang="ko-KR" dirty="0" smtClean="0"/>
+              <a:rPr lang="en-US" altLang="ko-KR" dirty="0"/>
               <a:t>3</a:t>
             </a:r>
             <a:r>
-              <a:rPr lang="ko-KR" altLang="en-US" dirty="0" smtClean="0"/>
+              <a:rPr lang="ko-KR" altLang="en-US" dirty="0"/>
               <a:t>강 </a:t>
             </a:r>
             <a:r>
-              <a:rPr lang="en-US" altLang="ko-KR" dirty="0" err="1" smtClean="0"/>
+              <a:rPr lang="en-US" altLang="ko-KR" dirty="0" err="1"/>
               <a:t>ppt</a:t>
             </a:r>
             <a:r>
-              <a:rPr lang="en-US" altLang="ko-KR" dirty="0" smtClean="0"/>
+              <a:rPr lang="en-US" altLang="ko-KR" dirty="0"/>
               <a:t> 8</a:t>
             </a:r>
             <a:r>
-              <a:rPr lang="ko-KR" altLang="en-US" dirty="0" smtClean="0"/>
+              <a:rPr lang="ko-KR" altLang="en-US" dirty="0"/>
               <a:t>페이지</a:t>
             </a:r>
-            <a:endParaRPr lang="ko-KR" altLang="en-US" dirty="0"/>
           </a:p>
         </p:txBody>
       </p:sp>
@@ -4725,26 +4714,25 @@
           <a:lstStyle/>
           <a:p>
             <a:r>
-              <a:rPr lang="en-US" altLang="ko-KR" dirty="0" smtClean="0"/>
+              <a:rPr lang="en-US" altLang="ko-KR" dirty="0"/>
               <a:t>3</a:t>
             </a:r>
             <a:r>
-              <a:rPr lang="ko-KR" altLang="en-US" dirty="0" smtClean="0"/>
+              <a:rPr lang="ko-KR" altLang="en-US" dirty="0"/>
               <a:t>강 </a:t>
             </a:r>
             <a:r>
-              <a:rPr lang="en-US" altLang="ko-KR" dirty="0" err="1" smtClean="0"/>
+              <a:rPr lang="en-US" altLang="ko-KR" dirty="0" err="1"/>
               <a:t>ppt</a:t>
             </a:r>
             <a:r>
-              <a:rPr lang="en-US" altLang="ko-KR" dirty="0" smtClean="0"/>
+              <a:rPr lang="en-US" altLang="ko-KR" dirty="0"/>
               <a:t> 8</a:t>
             </a:r>
             <a:r>
-              <a:rPr lang="ko-KR" altLang="en-US" dirty="0" smtClean="0"/>
+              <a:rPr lang="ko-KR" altLang="en-US" dirty="0"/>
               <a:t>페이지</a:t>
             </a:r>
-            <a:endParaRPr lang="ko-KR" altLang="en-US" dirty="0"/>
           </a:p>
         </p:txBody>
       </p:sp>
@@ -4969,26 +4957,25 @@
           <a:lstStyle/>
           <a:p>
             <a:r>
-              <a:rPr lang="en-US" altLang="ko-KR" dirty="0" smtClean="0"/>
+              <a:rPr lang="en-US" altLang="ko-KR" dirty="0"/>
               <a:t>3</a:t>
             </a:r>
             <a:r>
-              <a:rPr lang="ko-KR" altLang="en-US" dirty="0" smtClean="0"/>
+              <a:rPr lang="ko-KR" altLang="en-US" dirty="0"/>
               <a:t>강 </a:t>
             </a:r>
             <a:r>
-              <a:rPr lang="en-US" altLang="ko-KR" dirty="0" err="1" smtClean="0"/>
+              <a:rPr lang="en-US" altLang="ko-KR" dirty="0" err="1"/>
               <a:t>ppt</a:t>
             </a:r>
             <a:r>
-              <a:rPr lang="en-US" altLang="ko-KR" dirty="0" smtClean="0"/>
+              <a:rPr lang="en-US" altLang="ko-KR" dirty="0"/>
               <a:t> 9</a:t>
             </a:r>
             <a:r>
-              <a:rPr lang="ko-KR" altLang="en-US" dirty="0" smtClean="0"/>
+              <a:rPr lang="ko-KR" altLang="en-US" dirty="0"/>
               <a:t>페이지</a:t>
             </a:r>
-            <a:endParaRPr lang="ko-KR" altLang="en-US" dirty="0"/>
           </a:p>
         </p:txBody>
       </p:sp>
@@ -5141,26 +5128,25 @@
           <a:lstStyle/>
           <a:p>
             <a:r>
-              <a:rPr lang="en-US" altLang="ko-KR" dirty="0" smtClean="0"/>
+              <a:rPr lang="en-US" altLang="ko-KR" dirty="0"/>
               <a:t>3</a:t>
             </a:r>
             <a:r>
-              <a:rPr lang="ko-KR" altLang="en-US" dirty="0" smtClean="0"/>
+              <a:rPr lang="ko-KR" altLang="en-US" dirty="0"/>
               <a:t>강 </a:t>
             </a:r>
             <a:r>
-              <a:rPr lang="en-US" altLang="ko-KR" dirty="0" err="1" smtClean="0"/>
+              <a:rPr lang="en-US" altLang="ko-KR" dirty="0" err="1"/>
               <a:t>ppt</a:t>
             </a:r>
             <a:r>
-              <a:rPr lang="en-US" altLang="ko-KR" dirty="0" smtClean="0"/>
+              <a:rPr lang="en-US" altLang="ko-KR" dirty="0"/>
               <a:t> 9</a:t>
             </a:r>
             <a:r>
-              <a:rPr lang="ko-KR" altLang="en-US" dirty="0" smtClean="0"/>
+              <a:rPr lang="ko-KR" altLang="en-US" dirty="0"/>
               <a:t>페이지</a:t>
             </a:r>
-            <a:endParaRPr lang="ko-KR" altLang="en-US" dirty="0"/>
           </a:p>
         </p:txBody>
       </p:sp>
@@ -5313,26 +5299,25 @@
           <a:lstStyle/>
           <a:p>
             <a:r>
-              <a:rPr lang="en-US" altLang="ko-KR" dirty="0" smtClean="0"/>
+              <a:rPr lang="en-US" altLang="ko-KR" dirty="0"/>
               <a:t>3</a:t>
             </a:r>
             <a:r>
-              <a:rPr lang="ko-KR" altLang="en-US" dirty="0" smtClean="0"/>
+              <a:rPr lang="ko-KR" altLang="en-US" dirty="0"/>
               <a:t>강 </a:t>
             </a:r>
             <a:r>
-              <a:rPr lang="en-US" altLang="ko-KR" dirty="0" err="1" smtClean="0"/>
+              <a:rPr lang="en-US" altLang="ko-KR" dirty="0" err="1"/>
               <a:t>ppt</a:t>
             </a:r>
             <a:r>
-              <a:rPr lang="en-US" altLang="ko-KR" dirty="0" smtClean="0"/>
+              <a:rPr lang="en-US" altLang="ko-KR" dirty="0"/>
               <a:t> 9</a:t>
             </a:r>
             <a:r>
-              <a:rPr lang="ko-KR" altLang="en-US" dirty="0" smtClean="0"/>
+              <a:rPr lang="ko-KR" altLang="en-US" dirty="0"/>
               <a:t>페이지</a:t>
             </a:r>
-            <a:endParaRPr lang="ko-KR" altLang="en-US" dirty="0"/>
           </a:p>
         </p:txBody>
       </p:sp>
@@ -5441,30 +5426,29 @@
               <a:buChar char="•"/>
             </a:pPr>
             <a:r>
-              <a:rPr lang="en-US" altLang="ko-KR" dirty="0" smtClean="0"/>
+              <a:rPr lang="en-US" altLang="ko-KR" dirty="0"/>
               <a:t>Database </a:t>
             </a:r>
             <a:r>
-              <a:rPr lang="ko-KR" altLang="en-US" dirty="0" smtClean="0"/>
+              <a:rPr lang="ko-KR" altLang="en-US" dirty="0"/>
               <a:t>사용</a:t>
             </a:r>
             <a:r>
-              <a:rPr lang="en-US" altLang="ko-KR" dirty="0" smtClean="0"/>
+              <a:rPr lang="en-US" altLang="ko-KR" dirty="0"/>
               <a:t>, </a:t>
             </a:r>
             <a:r>
-              <a:rPr lang="ko-KR" altLang="en-US" dirty="0" smtClean="0"/>
+              <a:rPr lang="ko-KR" altLang="en-US" dirty="0"/>
               <a:t>테이블 삭제</a:t>
             </a:r>
             <a:r>
-              <a:rPr lang="en-US" altLang="ko-KR" dirty="0" smtClean="0"/>
+              <a:rPr lang="en-US" altLang="ko-KR" dirty="0"/>
               <a:t>, </a:t>
             </a:r>
             <a:r>
-              <a:rPr lang="ko-KR" altLang="en-US" dirty="0" smtClean="0"/>
+              <a:rPr lang="ko-KR" altLang="en-US" dirty="0"/>
               <a:t>테이블 만들기</a:t>
             </a:r>
-            <a:endParaRPr lang="ko-KR" altLang="en-US" dirty="0"/>
           </a:p>
         </p:txBody>
       </p:sp>
@@ -5569,26 +5553,25 @@
           <a:lstStyle/>
           <a:p>
             <a:r>
-              <a:rPr lang="en-US" altLang="ko-KR" dirty="0" smtClean="0"/>
+              <a:rPr lang="en-US" altLang="ko-KR" dirty="0"/>
               <a:t>3</a:t>
             </a:r>
             <a:r>
-              <a:rPr lang="ko-KR" altLang="en-US" dirty="0" smtClean="0"/>
+              <a:rPr lang="ko-KR" altLang="en-US" dirty="0"/>
               <a:t>강 </a:t>
             </a:r>
             <a:r>
-              <a:rPr lang="en-US" altLang="ko-KR" dirty="0" err="1" smtClean="0"/>
+              <a:rPr lang="en-US" altLang="ko-KR" dirty="0" err="1"/>
               <a:t>ppt</a:t>
             </a:r>
             <a:r>
-              <a:rPr lang="en-US" altLang="ko-KR" dirty="0" smtClean="0"/>
+              <a:rPr lang="en-US" altLang="ko-KR" dirty="0"/>
               <a:t> 11</a:t>
             </a:r>
             <a:r>
-              <a:rPr lang="ko-KR" altLang="en-US" dirty="0" smtClean="0"/>
+              <a:rPr lang="ko-KR" altLang="en-US" dirty="0"/>
               <a:t>페이지</a:t>
             </a:r>
-            <a:endParaRPr lang="ko-KR" altLang="en-US" dirty="0"/>
           </a:p>
         </p:txBody>
       </p:sp>
@@ -5693,26 +5676,25 @@
           <a:lstStyle/>
           <a:p>
             <a:r>
-              <a:rPr lang="en-US" altLang="ko-KR" dirty="0" smtClean="0"/>
+              <a:rPr lang="en-US" altLang="ko-KR" dirty="0"/>
               <a:t>3</a:t>
             </a:r>
             <a:r>
-              <a:rPr lang="ko-KR" altLang="en-US" dirty="0" smtClean="0"/>
+              <a:rPr lang="ko-KR" altLang="en-US" dirty="0"/>
               <a:t>강 </a:t>
             </a:r>
             <a:r>
-              <a:rPr lang="en-US" altLang="ko-KR" dirty="0" err="1" smtClean="0"/>
+              <a:rPr lang="en-US" altLang="ko-KR" dirty="0" err="1"/>
               <a:t>ppt</a:t>
             </a:r>
             <a:r>
-              <a:rPr lang="en-US" altLang="ko-KR" dirty="0" smtClean="0"/>
+              <a:rPr lang="en-US" altLang="ko-KR" dirty="0"/>
               <a:t> 13, 12</a:t>
             </a:r>
             <a:r>
-              <a:rPr lang="ko-KR" altLang="en-US" dirty="0" smtClean="0"/>
+              <a:rPr lang="ko-KR" altLang="en-US" dirty="0"/>
               <a:t>페이지</a:t>
             </a:r>
-            <a:endParaRPr lang="ko-KR" altLang="en-US" dirty="0"/>
           </a:p>
         </p:txBody>
       </p:sp>
@@ -6063,26 +6045,25 @@
           <a:lstStyle/>
           <a:p>
             <a:r>
-              <a:rPr lang="en-US" altLang="ko-KR" dirty="0" smtClean="0"/>
+              <a:rPr lang="en-US" altLang="ko-KR" dirty="0"/>
               <a:t>3</a:t>
             </a:r>
             <a:r>
-              <a:rPr lang="ko-KR" altLang="en-US" dirty="0" smtClean="0"/>
+              <a:rPr lang="ko-KR" altLang="en-US" dirty="0"/>
               <a:t>강 </a:t>
             </a:r>
             <a:r>
-              <a:rPr lang="en-US" altLang="ko-KR" dirty="0" err="1" smtClean="0"/>
+              <a:rPr lang="en-US" altLang="ko-KR" dirty="0" err="1"/>
               <a:t>ppt</a:t>
             </a:r>
             <a:r>
-              <a:rPr lang="en-US" altLang="ko-KR" dirty="0" smtClean="0"/>
+              <a:rPr lang="en-US" altLang="ko-KR" dirty="0"/>
               <a:t> 14</a:t>
             </a:r>
             <a:r>
-              <a:rPr lang="ko-KR" altLang="en-US" dirty="0" smtClean="0"/>
+              <a:rPr lang="ko-KR" altLang="en-US" dirty="0"/>
               <a:t>페이지</a:t>
             </a:r>
-            <a:endParaRPr lang="ko-KR" altLang="en-US" dirty="0"/>
           </a:p>
         </p:txBody>
       </p:sp>
@@ -6143,7 +6124,7 @@
               <a:buChar char="•"/>
             </a:pPr>
             <a:r>
-              <a:rPr lang="en-US" altLang="ko-KR" sz="3200" dirty="0" smtClean="0">
+              <a:rPr lang="en-US" altLang="ko-KR" sz="3200" dirty="0">
                 <a:solidFill>
                   <a:schemeClr val="accent1"/>
                 </a:solidFill>
@@ -6237,41 +6218,41 @@
               <a:buChar char="•"/>
             </a:pPr>
             <a:r>
-              <a:rPr lang="ko-KR" altLang="en-US" sz="2000" dirty="0" smtClean="0">
+              <a:rPr lang="ko-KR" altLang="en-US" sz="2000" dirty="0">
                 <a:latin typeface="+mj-ea"/>
                 <a:ea typeface="+mj-ea"/>
               </a:rPr>
               <a:t>성적 입력</a:t>
             </a:r>
             <a:r>
-              <a:rPr lang="en-US" altLang="ko-KR" sz="2000" dirty="0" smtClean="0">
+              <a:rPr lang="en-US" altLang="ko-KR" sz="2000" dirty="0">
                 <a:latin typeface="+mj-ea"/>
                 <a:ea typeface="+mj-ea"/>
               </a:rPr>
               <a:t>,</a:t>
             </a:r>
             <a:r>
-              <a:rPr lang="ko-KR" altLang="en-US" sz="2000" dirty="0" smtClean="0">
+              <a:rPr lang="ko-KR" altLang="en-US" sz="2000" dirty="0">
                 <a:latin typeface="+mj-ea"/>
                 <a:ea typeface="+mj-ea"/>
               </a:rPr>
               <a:t>합계</a:t>
             </a:r>
             <a:r>
-              <a:rPr lang="en-US" altLang="ko-KR" sz="2000" dirty="0" smtClean="0">
+              <a:rPr lang="en-US" altLang="ko-KR" sz="2000" dirty="0">
                 <a:latin typeface="+mj-ea"/>
                 <a:ea typeface="+mj-ea"/>
               </a:rPr>
               <a:t>,</a:t>
             </a:r>
             <a:r>
-              <a:rPr lang="ko-KR" altLang="en-US" sz="2000" dirty="0" smtClean="0">
+              <a:rPr lang="ko-KR" altLang="en-US" sz="2000" dirty="0">
                 <a:latin typeface="+mj-ea"/>
                 <a:ea typeface="+mj-ea"/>
               </a:rPr>
               <a:t>평균</a:t>
             </a:r>
-            <a:endParaRPr lang="en-US" altLang="ko-KR" sz="2000" dirty="0" smtClean="0">
+            <a:endParaRPr lang="en-US" altLang="ko-KR" sz="2000" dirty="0">
               <a:latin typeface="+mj-ea"/>
               <a:ea typeface="+mj-ea"/>
             </a:endParaRPr>
@@ -6281,7 +6262,7 @@
               <a:buFont typeface="Arial" panose="020B0604020202020204" pitchFamily="34" charset="0"/>
               <a:buChar char="•"/>
             </a:pPr>
-            <a:endParaRPr lang="en-US" altLang="ko-KR" sz="2000" dirty="0" smtClean="0">
+            <a:endParaRPr lang="en-US" altLang="ko-KR" sz="2000" dirty="0">
               <a:latin typeface="+mj-ea"/>
               <a:ea typeface="+mj-ea"/>
             </a:endParaRPr>
@@ -6292,16 +6273,12 @@
               <a:buChar char="•"/>
             </a:pPr>
             <a:r>
-              <a:rPr lang="ko-KR" altLang="en-US" sz="2000" dirty="0" smtClean="0">
+              <a:rPr lang="ko-KR" altLang="en-US" sz="2000" dirty="0">
                 <a:latin typeface="+mj-ea"/>
                 <a:ea typeface="+mj-ea"/>
               </a:rPr>
               <a:t>등수 조회</a:t>
             </a:r>
-            <a:endParaRPr lang="ko-KR" altLang="en-US" sz="2000" dirty="0">
-              <a:latin typeface="+mj-ea"/>
-              <a:ea typeface="+mj-ea"/>
-            </a:endParaRPr>
           </a:p>
         </p:txBody>
       </p:sp>
@@ -6512,7 +6489,7 @@
               <a:buChar char="•"/>
             </a:pPr>
             <a:r>
-              <a:rPr lang="en-US" altLang="ko-KR" sz="3200" dirty="0" smtClean="0">
+              <a:rPr lang="en-US" altLang="ko-KR" sz="3200" dirty="0">
                 <a:solidFill>
                   <a:schemeClr val="accent1"/>
                 </a:solidFill>
@@ -6606,22 +6583,13 @@
               <a:buChar char="•"/>
             </a:pPr>
             <a:r>
-              <a:rPr lang="ko-KR" altLang="en-US" sz="2000" dirty="0" err="1" smtClean="0"/>
+              <a:rPr lang="ko-KR" altLang="en-US" sz="2000" dirty="0" err="1"/>
               <a:t>트와이스</a:t>
             </a:r>
             <a:r>
-              <a:rPr lang="ko-KR" altLang="en-US" sz="2000" dirty="0" smtClean="0"/>
-              <a:t> </a:t>
-            </a:r>
-            <a:r>
               <a:rPr lang="ko-KR" altLang="en-US" sz="2000" dirty="0"/>
-              <a:t>멤</a:t>
-            </a:r>
-            <a:r>
-              <a:rPr lang="ko-KR" altLang="en-US" sz="2000" dirty="0" smtClean="0"/>
-              <a:t>버 선호도 조사</a:t>
-            </a:r>
-            <a:endParaRPr lang="ko-KR" altLang="en-US" sz="2000" dirty="0"/>
+              <a:t> 멤버 선호도 조사</a:t>
+            </a:r>
           </a:p>
         </p:txBody>
       </p:sp>
@@ -6706,14 +6674,13 @@
               <a:buChar char="•"/>
             </a:pPr>
             <a:r>
-              <a:rPr lang="ko-KR" altLang="en-US" dirty="0" err="1" smtClean="0"/>
+              <a:rPr lang="ko-KR" altLang="en-US" dirty="0" err="1"/>
               <a:t>트와이스</a:t>
             </a:r>
             <a:r>
-              <a:rPr lang="ko-KR" altLang="en-US" dirty="0" smtClean="0"/>
+              <a:rPr lang="ko-KR" altLang="en-US" dirty="0"/>
               <a:t> 전체 행 내용 조회</a:t>
             </a:r>
-            <a:endParaRPr lang="ko-KR" altLang="en-US" dirty="0"/>
           </a:p>
         </p:txBody>
       </p:sp>
@@ -6768,14 +6735,9 @@
               <a:buChar char="•"/>
             </a:pPr>
             <a:r>
-              <a:rPr lang="ko-KR" altLang="en-US" dirty="0" err="1" smtClean="0"/>
-              <a:t>맴버</a:t>
-            </a:r>
-            <a:r>
-              <a:rPr lang="ko-KR" altLang="en-US" dirty="0" smtClean="0"/>
-              <a:t> 별 선호도 투표 결과 </a:t>
-            </a:r>
-            <a:endParaRPr lang="ko-KR" altLang="en-US" dirty="0"/>
+              <a:rPr lang="ko-KR" altLang="en-US" dirty="0"/>
+              <a:t>멤버 별 선호도 투표 결과 </a:t>
+            </a:r>
           </a:p>
         </p:txBody>
       </p:sp>
@@ -6860,7 +6822,7 @@
               <a:buChar char="•"/>
             </a:pPr>
             <a:r>
-              <a:rPr lang="en-US" altLang="ko-KR" sz="3200" dirty="0" smtClean="0">
+              <a:rPr lang="en-US" altLang="ko-KR" sz="3200" dirty="0">
                 <a:solidFill>
                   <a:schemeClr val="accent1"/>
                 </a:solidFill>
@@ -6906,10 +6868,9 @@
               <a:buChar char="•"/>
             </a:pPr>
             <a:r>
-              <a:rPr lang="ko-KR" altLang="en-US" sz="2000" dirty="0" smtClean="0"/>
+              <a:rPr lang="ko-KR" altLang="en-US" sz="2000" dirty="0"/>
               <a:t>성적 집계표 페이지 만들기 </a:t>
             </a:r>
-            <a:endParaRPr lang="ko-KR" altLang="en-US" sz="2000" dirty="0"/>
           </a:p>
         </p:txBody>
       </p:sp>
@@ -7138,34 +7099,34 @@
               <a:buChar char="•"/>
             </a:pPr>
             <a:r>
-              <a:rPr lang="en-US" altLang="ko-KR" sz="2000" dirty="0" smtClean="0">
+              <a:rPr lang="en-US" altLang="ko-KR" sz="2000" dirty="0">
                 <a:latin typeface="+mj-ea"/>
                 <a:ea typeface="+mj-ea"/>
               </a:rPr>
               <a:t>Call </a:t>
             </a:r>
             <a:r>
-              <a:rPr lang="en-US" altLang="ko-KR" sz="2000" dirty="0" err="1" smtClean="0">
+              <a:rPr lang="en-US" altLang="ko-KR" sz="2000" dirty="0" err="1">
                 <a:latin typeface="+mj-ea"/>
                 <a:ea typeface="+mj-ea"/>
               </a:rPr>
               <a:t>print_report</a:t>
             </a:r>
             <a:r>
-              <a:rPr lang="en-US" altLang="ko-KR" sz="2000" dirty="0" smtClean="0">
+              <a:rPr lang="en-US" altLang="ko-KR" sz="2000" dirty="0">
                 <a:latin typeface="+mj-ea"/>
                 <a:ea typeface="+mj-ea"/>
               </a:rPr>
               <a:t>(6,25) </a:t>
             </a:r>
             <a:r>
-              <a:rPr lang="ko-KR" altLang="en-US" sz="2000" dirty="0" smtClean="0">
+              <a:rPr lang="ko-KR" altLang="en-US" sz="2000" dirty="0">
                 <a:latin typeface="+mj-ea"/>
                 <a:ea typeface="+mj-ea"/>
               </a:rPr>
               <a:t>값 조회</a:t>
             </a:r>
-            <a:endParaRPr lang="en-US" altLang="ko-KR" sz="2000" dirty="0" smtClean="0">
+            <a:endParaRPr lang="en-US" altLang="ko-KR" sz="2000" dirty="0">
               <a:latin typeface="+mj-ea"/>
               <a:ea typeface="+mj-ea"/>
             </a:endParaRPr>
@@ -7186,32 +7147,25 @@
               <a:buChar char="•"/>
             </a:pPr>
             <a:r>
-              <a:rPr lang="en-US" altLang="ko-KR" sz="2000" dirty="0" smtClean="0">
+              <a:rPr lang="en-US" altLang="ko-KR" sz="2000" dirty="0">
                 <a:latin typeface="+mj-ea"/>
                 <a:ea typeface="+mj-ea"/>
               </a:rPr>
               <a:t>Call </a:t>
             </a:r>
             <a:r>
-              <a:rPr lang="en-US" altLang="ko-KR" sz="2000" dirty="0" err="1" smtClean="0">
+              <a:rPr lang="en-US" altLang="ko-KR" sz="2000" dirty="0" err="1">
                 <a:latin typeface="+mj-ea"/>
                 <a:ea typeface="+mj-ea"/>
               </a:rPr>
               <a:t>print_report</a:t>
             </a:r>
             <a:r>
-              <a:rPr lang="en-US" altLang="ko-KR" sz="2000" dirty="0" smtClean="0">
-                <a:latin typeface="+mj-ea"/>
-                <a:ea typeface="+mj-ea"/>
-              </a:rPr>
-              <a:t>(1,25</a:t>
-            </a:r>
-            <a:r>
               <a:rPr lang="en-US" altLang="ko-KR" sz="2000" dirty="0">
                 <a:latin typeface="+mj-ea"/>
                 <a:ea typeface="+mj-ea"/>
               </a:rPr>
-              <a:t>) </a:t>
+              <a:t>(1,25) </a:t>
             </a:r>
             <a:r>
               <a:rPr lang="ko-KR" altLang="en-US" sz="2000" dirty="0">
@@ -7393,34 +7347,34 @@
               <a:buChar char="•"/>
             </a:pPr>
             <a:r>
-              <a:rPr lang="en-US" altLang="ko-KR" dirty="0" smtClean="0">
+              <a:rPr lang="en-US" altLang="ko-KR" dirty="0">
                 <a:latin typeface="+mj-ea"/>
                 <a:ea typeface="+mj-ea"/>
               </a:rPr>
               <a:t>Call </a:t>
             </a:r>
             <a:r>
-              <a:rPr lang="en-US" altLang="ko-KR" dirty="0" err="1" smtClean="0">
+              <a:rPr lang="en-US" altLang="ko-KR" dirty="0" err="1">
                 <a:latin typeface="+mj-ea"/>
                 <a:ea typeface="+mj-ea"/>
               </a:rPr>
               <a:t>print_report</a:t>
             </a:r>
             <a:r>
-              <a:rPr lang="en-US" altLang="ko-KR" dirty="0" smtClean="0">
+              <a:rPr lang="en-US" altLang="ko-KR" dirty="0">
                 <a:latin typeface="+mj-ea"/>
                 <a:ea typeface="+mj-ea"/>
               </a:rPr>
               <a:t>(50,25) </a:t>
             </a:r>
             <a:r>
-              <a:rPr lang="ko-KR" altLang="en-US" dirty="0" smtClean="0">
+              <a:rPr lang="ko-KR" altLang="en-US" dirty="0">
                 <a:latin typeface="+mj-ea"/>
                 <a:ea typeface="+mj-ea"/>
               </a:rPr>
               <a:t>값 조회</a:t>
             </a:r>
-            <a:endParaRPr lang="en-US" altLang="ko-KR" dirty="0" smtClean="0">
+            <a:endParaRPr lang="en-US" altLang="ko-KR" dirty="0">
               <a:latin typeface="+mj-ea"/>
               <a:ea typeface="+mj-ea"/>
             </a:endParaRPr>
@@ -7434,21 +7388,21 @@
               <a:buChar char="•"/>
             </a:pPr>
             <a:r>
-              <a:rPr lang="en-US" altLang="ko-KR" dirty="0" smtClean="0">
+              <a:rPr lang="en-US" altLang="ko-KR" dirty="0">
                 <a:latin typeface="+mj-ea"/>
                 <a:ea typeface="+mj-ea"/>
               </a:rPr>
               <a:t>(</a:t>
             </a:r>
             <a:r>
-              <a:rPr lang="ko-KR" altLang="en-US" dirty="0" smtClean="0">
+              <a:rPr lang="ko-KR" altLang="en-US" dirty="0">
                 <a:latin typeface="+mj-ea"/>
                 <a:ea typeface="+mj-ea"/>
               </a:rPr>
               <a:t>마지막 페이지보다 큰 값 입력</a:t>
             </a:r>
             <a:r>
-              <a:rPr lang="en-US" altLang="ko-KR" dirty="0" smtClean="0">
+              <a:rPr lang="en-US" altLang="ko-KR" dirty="0">
                 <a:latin typeface="+mj-ea"/>
                 <a:ea typeface="+mj-ea"/>
               </a:rPr>
@@ -7477,48 +7431,34 @@
               <a:buChar char="•"/>
             </a:pPr>
             <a:r>
-              <a:rPr lang="en-US" altLang="ko-KR" dirty="0" smtClean="0">
+              <a:rPr lang="en-US" altLang="ko-KR" dirty="0">
                 <a:latin typeface="+mj-ea"/>
                 <a:ea typeface="+mj-ea"/>
               </a:rPr>
               <a:t>Call </a:t>
             </a:r>
             <a:r>
-              <a:rPr lang="en-US" altLang="ko-KR" dirty="0" err="1" smtClean="0">
+              <a:rPr lang="en-US" altLang="ko-KR" dirty="0" err="1">
                 <a:latin typeface="+mj-ea"/>
                 <a:ea typeface="+mj-ea"/>
               </a:rPr>
               <a:t>print_report</a:t>
             </a:r>
             <a:r>
-              <a:rPr lang="en-US" altLang="ko-KR" dirty="0" smtClean="0">
-                <a:latin typeface="+mj-ea"/>
-                <a:ea typeface="+mj-ea"/>
-              </a:rPr>
-              <a:t>(-10,25</a:t>
-            </a:r>
-            <a:r>
               <a:rPr lang="en-US" altLang="ko-KR" dirty="0">
                 <a:latin typeface="+mj-ea"/>
                 <a:ea typeface="+mj-ea"/>
               </a:rPr>
-              <a:t>) </a:t>
+              <a:t>(-10,25) </a:t>
             </a:r>
             <a:r>
               <a:rPr lang="ko-KR" altLang="en-US" dirty="0">
                 <a:latin typeface="+mj-ea"/>
                 <a:ea typeface="+mj-ea"/>
               </a:rPr>
-              <a:t>값 </a:t>
-            </a:r>
-            <a:r>
-              <a:rPr lang="ko-KR" altLang="en-US" dirty="0" smtClean="0">
-                <a:latin typeface="+mj-ea"/>
-                <a:ea typeface="+mj-ea"/>
-              </a:rPr>
-              <a:t>조회</a:t>
-            </a:r>
-            <a:endParaRPr lang="en-US" altLang="ko-KR" dirty="0" smtClean="0">
+              <a:t>값 조회</a:t>
+            </a:r>
+            <a:endParaRPr lang="en-US" altLang="ko-KR" dirty="0">
               <a:latin typeface="+mj-ea"/>
               <a:ea typeface="+mj-ea"/>
             </a:endParaRPr>
@@ -7532,30 +7472,26 @@
               <a:buChar char="•"/>
             </a:pPr>
             <a:r>
-              <a:rPr lang="en-US" altLang="ko-KR" dirty="0" smtClean="0">
+              <a:rPr lang="en-US" altLang="ko-KR" dirty="0">
                 <a:latin typeface="+mj-ea"/>
                 <a:ea typeface="+mj-ea"/>
               </a:rPr>
               <a:t>(1</a:t>
             </a:r>
             <a:r>
-              <a:rPr lang="ko-KR" altLang="en-US" dirty="0" smtClean="0">
+              <a:rPr lang="ko-KR" altLang="en-US" dirty="0">
                 <a:latin typeface="+mj-ea"/>
                 <a:ea typeface="+mj-ea"/>
               </a:rPr>
               <a:t>보다 작은 값 입력</a:t>
             </a:r>
             <a:r>
-              <a:rPr lang="en-US" altLang="ko-KR" dirty="0" smtClean="0">
+              <a:rPr lang="en-US" altLang="ko-KR" dirty="0">
                 <a:latin typeface="+mj-ea"/>
                 <a:ea typeface="+mj-ea"/>
               </a:rPr>
               <a:t>)</a:t>
             </a:r>
-            <a:endParaRPr lang="en-US" altLang="ko-KR" dirty="0">
-              <a:latin typeface="+mj-ea"/>
-              <a:ea typeface="+mj-ea"/>
-            </a:endParaRPr>
           </a:p>
           <a:p>
             <a:pPr marL="285750" indent="-285750">
@@ -7677,22 +7613,21 @@
               <a:buChar char="•"/>
             </a:pPr>
             <a:r>
-              <a:rPr lang="en-US" altLang="ko-KR" dirty="0" smtClean="0"/>
+              <a:rPr lang="en-US" altLang="ko-KR" dirty="0"/>
               <a:t>Insert </a:t>
             </a:r>
             <a:r>
-              <a:rPr lang="ko-KR" altLang="en-US" dirty="0" smtClean="0"/>
+              <a:rPr lang="ko-KR" altLang="en-US" dirty="0"/>
               <a:t>데이터 </a:t>
             </a:r>
             <a:r>
-              <a:rPr lang="en-US" altLang="ko-KR" dirty="0" smtClean="0"/>
+              <a:rPr lang="en-US" altLang="ko-KR" dirty="0"/>
               <a:t>value </a:t>
             </a:r>
             <a:r>
-              <a:rPr lang="ko-KR" altLang="en-US" dirty="0" smtClean="0"/>
+              <a:rPr lang="ko-KR" altLang="en-US" dirty="0"/>
               <a:t>값 입력하기 </a:t>
             </a:r>
-            <a:endParaRPr lang="ko-KR" altLang="en-US" dirty="0"/>
           </a:p>
         </p:txBody>
       </p:sp>
@@ -7726,6 +7661,36 @@
           <a:chExt cx="0" cy="0"/>
         </a:xfrm>
       </p:grpSpPr>
+      <p:pic>
+        <p:nvPicPr>
+          <p:cNvPr id="9" name="그림 8">
+            <a:extLst>
+              <a:ext uri="{FF2B5EF4-FFF2-40B4-BE49-F238E27FC236}">
+                <a16:creationId xmlns:a16="http://schemas.microsoft.com/office/drawing/2014/main" id="{ED8C7274-E9AB-4FA1-BEEE-80534D8ED7F1}"/>
+              </a:ext>
+            </a:extLst>
+          </p:cNvPr>
+          <p:cNvPicPr>
+            <a:picLocks noChangeAspect="1"/>
+          </p:cNvPicPr>
+          <p:nvPr/>
+        </p:nvPicPr>
+        <p:blipFill>
+          <a:blip r:embed="rId2"/>
+          <a:stretch>
+            <a:fillRect/>
+          </a:stretch>
+        </p:blipFill>
+        <p:spPr>
+          <a:xfrm>
+            <a:off x="292855" y="381000"/>
+            <a:ext cx="4441726" cy="6096000"/>
+          </a:xfrm>
+          <a:prstGeom prst="rect">
+            <a:avLst/>
+          </a:prstGeom>
+        </p:spPr>
+      </p:pic>
     </p:spTree>
     <p:extLst>
       <p:ext uri="{BB962C8B-B14F-4D97-AF65-F5344CB8AC3E}">
@@ -7756,6 +7721,36 @@
           <a:chExt cx="0" cy="0"/>
         </a:xfrm>
       </p:grpSpPr>
+      <p:pic>
+        <p:nvPicPr>
+          <p:cNvPr id="3" name="그림 2">
+            <a:extLst>
+              <a:ext uri="{FF2B5EF4-FFF2-40B4-BE49-F238E27FC236}">
+                <a16:creationId xmlns:a16="http://schemas.microsoft.com/office/drawing/2014/main" id="{310915AF-8C93-F2A1-1313-258E4F133DA9}"/>
+              </a:ext>
+            </a:extLst>
+          </p:cNvPr>
+          <p:cNvPicPr>
+            <a:picLocks noChangeAspect="1"/>
+          </p:cNvPicPr>
+          <p:nvPr/>
+        </p:nvPicPr>
+        <p:blipFill>
+          <a:blip r:embed="rId2"/>
+          <a:stretch>
+            <a:fillRect/>
+          </a:stretch>
+        </p:blipFill>
+        <p:spPr>
+          <a:xfrm>
+            <a:off x="301523" y="336885"/>
+            <a:ext cx="4446940" cy="6245116"/>
+          </a:xfrm>
+          <a:prstGeom prst="rect">
+            <a:avLst/>
+          </a:prstGeom>
+        </p:spPr>
+      </p:pic>
     </p:spTree>
     <p:extLst>
       <p:ext uri="{BB962C8B-B14F-4D97-AF65-F5344CB8AC3E}">
@@ -7786,6 +7781,36 @@
           <a:chExt cx="0" cy="0"/>
         </a:xfrm>
       </p:grpSpPr>
+      <p:pic>
+        <p:nvPicPr>
+          <p:cNvPr id="3" name="그림 2">
+            <a:extLst>
+              <a:ext uri="{FF2B5EF4-FFF2-40B4-BE49-F238E27FC236}">
+                <a16:creationId xmlns:a16="http://schemas.microsoft.com/office/drawing/2014/main" id="{C7D7F8CB-EC83-4700-19B7-D38082773E5B}"/>
+              </a:ext>
+            </a:extLst>
+          </p:cNvPr>
+          <p:cNvPicPr>
+            <a:picLocks noChangeAspect="1"/>
+          </p:cNvPicPr>
+          <p:nvPr/>
+        </p:nvPicPr>
+        <p:blipFill>
+          <a:blip r:embed="rId2"/>
+          <a:stretch>
+            <a:fillRect/>
+          </a:stretch>
+        </p:blipFill>
+        <p:spPr>
+          <a:xfrm>
+            <a:off x="384499" y="348109"/>
+            <a:ext cx="7316221" cy="771633"/>
+          </a:xfrm>
+          <a:prstGeom prst="rect">
+            <a:avLst/>
+          </a:prstGeom>
+        </p:spPr>
+      </p:pic>
     </p:spTree>
     <p:extLst>
       <p:ext uri="{BB962C8B-B14F-4D97-AF65-F5344CB8AC3E}">
@@ -8589,63 +8614,63 @@
           <a:lstStyle/>
           <a:p>
             <a:r>
-              <a:rPr lang="en-US" altLang="ko-KR" sz="1400" dirty="0" smtClean="0">
+              <a:rPr lang="en-US" altLang="ko-KR" sz="1400" dirty="0">
                 <a:latin typeface="+mj-ea"/>
                 <a:ea typeface="+mj-ea"/>
               </a:rPr>
               <a:t>Select *, (</a:t>
             </a:r>
             <a:r>
-              <a:rPr lang="en-US" altLang="ko-KR" sz="1400" dirty="0" err="1" smtClean="0">
+              <a:rPr lang="en-US" altLang="ko-KR" sz="1400" dirty="0" err="1">
                 <a:latin typeface="+mj-ea"/>
                 <a:ea typeface="+mj-ea"/>
               </a:rPr>
               <a:t>kor+eng+mat</a:t>
             </a:r>
             <a:r>
-              <a:rPr lang="en-US" altLang="ko-KR" sz="1400" dirty="0" smtClean="0">
+              <a:rPr lang="en-US" altLang="ko-KR" sz="1400" dirty="0">
                 <a:latin typeface="+mj-ea"/>
                 <a:ea typeface="+mj-ea"/>
               </a:rPr>
               <a:t>)/3 from </a:t>
             </a:r>
             <a:r>
-              <a:rPr lang="en-US" altLang="ko-KR" sz="1400" dirty="0" err="1" smtClean="0">
+              <a:rPr lang="en-US" altLang="ko-KR" sz="1400" dirty="0" err="1">
                 <a:latin typeface="+mj-ea"/>
                 <a:ea typeface="+mj-ea"/>
               </a:rPr>
               <a:t>examtable</a:t>
             </a:r>
             <a:r>
-              <a:rPr lang="en-US" altLang="ko-KR" sz="1400" dirty="0" smtClean="0">
+              <a:rPr lang="en-US" altLang="ko-KR" sz="1400" dirty="0">
                 <a:latin typeface="+mj-ea"/>
                 <a:ea typeface="+mj-ea"/>
               </a:rPr>
               <a:t> order by (</a:t>
             </a:r>
             <a:r>
-              <a:rPr lang="en-US" altLang="ko-KR" sz="1400" dirty="0" err="1" smtClean="0">
+              <a:rPr lang="en-US" altLang="ko-KR" sz="1400" dirty="0" err="1">
                 <a:latin typeface="+mj-ea"/>
                 <a:ea typeface="+mj-ea"/>
               </a:rPr>
               <a:t>kor+eng+mat</a:t>
             </a:r>
             <a:r>
-              <a:rPr lang="en-US" altLang="ko-KR" sz="1400" dirty="0" smtClean="0">
+              <a:rPr lang="en-US" altLang="ko-KR" sz="1400" dirty="0">
                 <a:latin typeface="+mj-ea"/>
                 <a:ea typeface="+mj-ea"/>
               </a:rPr>
               <a:t>)/3 </a:t>
             </a:r>
             <a:r>
-              <a:rPr lang="en-US" altLang="ko-KR" sz="1400" dirty="0" err="1" smtClean="0">
+              <a:rPr lang="en-US" altLang="ko-KR" sz="1400" dirty="0" err="1">
                 <a:latin typeface="+mj-ea"/>
                 <a:ea typeface="+mj-ea"/>
               </a:rPr>
               <a:t>desc</a:t>
             </a:r>
             <a:r>
-              <a:rPr lang="en-US" altLang="ko-KR" sz="1400" dirty="0" smtClean="0">
+              <a:rPr lang="en-US" altLang="ko-KR" sz="1400" dirty="0">
                 <a:latin typeface="+mj-ea"/>
                 <a:ea typeface="+mj-ea"/>
               </a:rPr>
@@ -8681,54 +8706,54 @@
           <a:lstStyle/>
           <a:p>
             <a:r>
-              <a:rPr lang="en-US" altLang="ko-KR" sz="1400" dirty="0" smtClean="0">
+              <a:rPr lang="en-US" altLang="ko-KR" sz="1400" dirty="0">
                 <a:latin typeface="+mj-ea"/>
                 <a:ea typeface="+mj-ea"/>
               </a:rPr>
               <a:t>Select *, </a:t>
             </a:r>
             <a:r>
-              <a:rPr lang="en-US" altLang="ko-KR" sz="1400" dirty="0" err="1" smtClean="0">
+              <a:rPr lang="en-US" altLang="ko-KR" sz="1400" dirty="0" err="1">
                 <a:latin typeface="+mj-ea"/>
               </a:rPr>
               <a:t>kor+eng+mat</a:t>
             </a:r>
             <a:r>
-              <a:rPr lang="en-US" altLang="ko-KR" sz="1400" dirty="0" smtClean="0">
+              <a:rPr lang="en-US" altLang="ko-KR" sz="1400" dirty="0">
                 <a:latin typeface="+mj-ea"/>
               </a:rPr>
               <a:t>, </a:t>
             </a:r>
             <a:r>
-              <a:rPr lang="en-US" altLang="ko-KR" sz="1400" dirty="0" smtClean="0">
+              <a:rPr lang="en-US" altLang="ko-KR" sz="1400" dirty="0">
                 <a:latin typeface="+mj-ea"/>
                 <a:ea typeface="+mj-ea"/>
               </a:rPr>
               <a:t>(</a:t>
             </a:r>
             <a:r>
-              <a:rPr lang="en-US" altLang="ko-KR" sz="1400" dirty="0" err="1" smtClean="0">
+              <a:rPr lang="en-US" altLang="ko-KR" sz="1400" dirty="0" err="1">
                 <a:latin typeface="+mj-ea"/>
                 <a:ea typeface="+mj-ea"/>
               </a:rPr>
               <a:t>kor+eng+mat</a:t>
             </a:r>
             <a:r>
-              <a:rPr lang="en-US" altLang="ko-KR" sz="1400" dirty="0" smtClean="0">
+              <a:rPr lang="en-US" altLang="ko-KR" sz="1400" dirty="0">
                 <a:latin typeface="+mj-ea"/>
                 <a:ea typeface="+mj-ea"/>
               </a:rPr>
               <a:t>)/3 from </a:t>
             </a:r>
             <a:r>
-              <a:rPr lang="en-US" altLang="ko-KR" sz="1400" dirty="0" err="1" smtClean="0">
+              <a:rPr lang="en-US" altLang="ko-KR" sz="1400" dirty="0" err="1">
                 <a:latin typeface="+mj-ea"/>
                 <a:ea typeface="+mj-ea"/>
               </a:rPr>
               <a:t>examtable</a:t>
             </a:r>
             <a:r>
-              <a:rPr lang="en-US" altLang="ko-KR" sz="1400" dirty="0" smtClean="0">
+              <a:rPr lang="en-US" altLang="ko-KR" sz="1400" dirty="0">
                 <a:latin typeface="+mj-ea"/>
                 <a:ea typeface="+mj-ea"/>
               </a:rPr>
@@ -8890,77 +8915,77 @@
           <a:lstStyle/>
           <a:p>
             <a:r>
-              <a:rPr lang="en-US" altLang="ko-KR" sz="1400" dirty="0" smtClean="0">
+              <a:rPr lang="en-US" altLang="ko-KR" sz="1400" dirty="0">
                 <a:latin typeface="+mj-ea"/>
                 <a:ea typeface="+mj-ea"/>
               </a:rPr>
               <a:t>Select *, </a:t>
             </a:r>
             <a:r>
-              <a:rPr lang="en-US" altLang="ko-KR" sz="1400" dirty="0" err="1" smtClean="0">
+              <a:rPr lang="en-US" altLang="ko-KR" sz="1400" dirty="0" err="1">
                 <a:latin typeface="+mj-ea"/>
                 <a:ea typeface="+mj-ea"/>
               </a:rPr>
               <a:t>kor+eng+mat</a:t>
             </a:r>
             <a:r>
-              <a:rPr lang="en-US" altLang="ko-KR" sz="1400" dirty="0" smtClean="0">
+              <a:rPr lang="en-US" altLang="ko-KR" sz="1400" dirty="0">
                 <a:latin typeface="+mj-ea"/>
                 <a:ea typeface="+mj-ea"/>
               </a:rPr>
               <a:t>, (</a:t>
             </a:r>
             <a:r>
-              <a:rPr lang="en-US" altLang="ko-KR" sz="1400" dirty="0" err="1" smtClean="0">
+              <a:rPr lang="en-US" altLang="ko-KR" sz="1400" dirty="0" err="1">
                 <a:latin typeface="+mj-ea"/>
                 <a:ea typeface="+mj-ea"/>
               </a:rPr>
               <a:t>kor+eng+mat</a:t>
             </a:r>
             <a:r>
-              <a:rPr lang="en-US" altLang="ko-KR" sz="1400" dirty="0" smtClean="0">
+              <a:rPr lang="en-US" altLang="ko-KR" sz="1400" dirty="0">
                 <a:latin typeface="+mj-ea"/>
                 <a:ea typeface="+mj-ea"/>
               </a:rPr>
               <a:t>)/3 from </a:t>
             </a:r>
             <a:r>
-              <a:rPr lang="en-US" altLang="ko-KR" sz="1400" dirty="0" err="1" smtClean="0">
+              <a:rPr lang="en-US" altLang="ko-KR" sz="1400" dirty="0" err="1">
                 <a:latin typeface="+mj-ea"/>
                 <a:ea typeface="+mj-ea"/>
               </a:rPr>
               <a:t>examtable</a:t>
             </a:r>
             <a:r>
-              <a:rPr lang="en-US" altLang="ko-KR" sz="1400" dirty="0" smtClean="0">
+              <a:rPr lang="en-US" altLang="ko-KR" sz="1400" dirty="0">
                 <a:latin typeface="+mj-ea"/>
                 <a:ea typeface="+mj-ea"/>
               </a:rPr>
               <a:t> order by </a:t>
             </a:r>
             <a:r>
-              <a:rPr lang="en-US" altLang="ko-KR" sz="1400" dirty="0" err="1" smtClean="0">
+              <a:rPr lang="en-US" altLang="ko-KR" sz="1400" dirty="0" err="1">
                 <a:latin typeface="+mj-ea"/>
                 <a:ea typeface="+mj-ea"/>
               </a:rPr>
               <a:t>kor+eng+mat</a:t>
             </a:r>
             <a:r>
-              <a:rPr lang="en-US" altLang="ko-KR" sz="1400" dirty="0" smtClean="0">
+              <a:rPr lang="en-US" altLang="ko-KR" sz="1400" dirty="0">
                 <a:latin typeface="+mj-ea"/>
                 <a:ea typeface="+mj-ea"/>
               </a:rPr>
               <a:t> </a:t>
             </a:r>
             <a:r>
-              <a:rPr lang="en-US" altLang="ko-KR" sz="1400" dirty="0" err="1" smtClean="0">
+              <a:rPr lang="en-US" altLang="ko-KR" sz="1400" dirty="0" err="1">
                 <a:latin typeface="+mj-ea"/>
                 <a:ea typeface="+mj-ea"/>
               </a:rPr>
               <a:t>desc</a:t>
             </a:r>
             <a:r>
-              <a:rPr lang="en-US" altLang="ko-KR" sz="1400" dirty="0" smtClean="0">
+              <a:rPr lang="en-US" altLang="ko-KR" sz="1400" dirty="0">
                 <a:latin typeface="+mj-ea"/>
                 <a:ea typeface="+mj-ea"/>
               </a:rPr>
@@ -8996,63 +9021,63 @@
           <a:lstStyle/>
           <a:p>
             <a:r>
-              <a:rPr lang="en-US" altLang="ko-KR" sz="1400" dirty="0" smtClean="0">
+              <a:rPr lang="en-US" altLang="ko-KR" sz="1400" dirty="0">
                 <a:latin typeface="+mj-ea"/>
                 <a:ea typeface="+mj-ea"/>
               </a:rPr>
               <a:t>Select *, </a:t>
             </a:r>
             <a:r>
-              <a:rPr lang="en-US" altLang="ko-KR" sz="1400" dirty="0" err="1" smtClean="0">
+              <a:rPr lang="en-US" altLang="ko-KR" sz="1400" dirty="0" err="1">
                 <a:latin typeface="+mj-ea"/>
                 <a:ea typeface="+mj-ea"/>
               </a:rPr>
               <a:t>kor+eng+mat</a:t>
             </a:r>
             <a:r>
-              <a:rPr lang="en-US" altLang="ko-KR" sz="1400" dirty="0" smtClean="0">
+              <a:rPr lang="en-US" altLang="ko-KR" sz="1400" dirty="0">
                 <a:latin typeface="+mj-ea"/>
                 <a:ea typeface="+mj-ea"/>
               </a:rPr>
               <a:t> as total, (</a:t>
             </a:r>
             <a:r>
-              <a:rPr lang="en-US" altLang="ko-KR" sz="1400" dirty="0" err="1" smtClean="0">
+              <a:rPr lang="en-US" altLang="ko-KR" sz="1400" dirty="0" err="1">
                 <a:latin typeface="+mj-ea"/>
                 <a:ea typeface="+mj-ea"/>
               </a:rPr>
               <a:t>kor+eng+mat</a:t>
             </a:r>
             <a:r>
-              <a:rPr lang="en-US" altLang="ko-KR" sz="1400" dirty="0" smtClean="0">
+              <a:rPr lang="en-US" altLang="ko-KR" sz="1400" dirty="0">
                 <a:latin typeface="+mj-ea"/>
                 <a:ea typeface="+mj-ea"/>
               </a:rPr>
               <a:t>)/3 as average from </a:t>
             </a:r>
             <a:r>
-              <a:rPr lang="en-US" altLang="ko-KR" sz="1400" dirty="0" err="1" smtClean="0">
+              <a:rPr lang="en-US" altLang="ko-KR" sz="1400" dirty="0" err="1">
                 <a:latin typeface="+mj-ea"/>
                 <a:ea typeface="+mj-ea"/>
               </a:rPr>
               <a:t>examtable</a:t>
             </a:r>
             <a:r>
-              <a:rPr lang="en-US" altLang="ko-KR" sz="1400" dirty="0" smtClean="0">
+              <a:rPr lang="en-US" altLang="ko-KR" sz="1400" dirty="0">
                 <a:latin typeface="+mj-ea"/>
                 <a:ea typeface="+mj-ea"/>
               </a:rPr>
               <a:t> order by total </a:t>
             </a:r>
             <a:r>
-              <a:rPr lang="en-US" altLang="ko-KR" sz="1400" dirty="0" err="1" smtClean="0">
+              <a:rPr lang="en-US" altLang="ko-KR" sz="1400" dirty="0" err="1">
                 <a:latin typeface="+mj-ea"/>
                 <a:ea typeface="+mj-ea"/>
               </a:rPr>
               <a:t>desc</a:t>
             </a:r>
             <a:r>
-              <a:rPr lang="en-US" altLang="ko-KR" sz="1400" dirty="0" smtClean="0">
+              <a:rPr lang="en-US" altLang="ko-KR" sz="1400" dirty="0">
                 <a:latin typeface="+mj-ea"/>
                 <a:ea typeface="+mj-ea"/>
               </a:rPr>

--- a/과제PPT/데이터베이스 3강.pptx
+++ b/과제PPT/데이터베이스 3강.pptx
@@ -41,7 +41,6 @@
     <p:sldId id="298" r:id="rId35"/>
     <p:sldId id="299" r:id="rId36"/>
     <p:sldId id="300" r:id="rId37"/>
-    <p:sldId id="301" r:id="rId38"/>
   </p:sldIdLst>
   <p:sldSz cx="12192000" cy="6858000"/>
   <p:notesSz cx="6858000" cy="9144000"/>
@@ -360,7 +359,7 @@
             <a:fld id="{96DFF08F-DC6B-4601-B491-B0F83F6DD2DA}" type="datetimeFigureOut">
               <a:rPr lang="en-US" dirty="0"/>
               <a:pPr/>
-              <a:t>5/23/2023</a:t>
+              <a:t>5/24/2023</a:t>
             </a:fld>
             <a:endParaRPr lang="en-US" dirty="0"/>
           </a:p>
@@ -577,7 +576,7 @@
           <a:p>
             <a:fld id="{96DFF08F-DC6B-4601-B491-B0F83F6DD2DA}" type="datetimeFigureOut">
               <a:rPr lang="en-US" dirty="0"/>
-              <a:t>5/23/2023</a:t>
+              <a:t>5/24/2023</a:t>
             </a:fld>
             <a:endParaRPr lang="en-US" dirty="0"/>
           </a:p>
@@ -752,7 +751,7 @@
           <a:p>
             <a:fld id="{96DFF08F-DC6B-4601-B491-B0F83F6DD2DA}" type="datetimeFigureOut">
               <a:rPr lang="en-US" dirty="0"/>
-              <a:t>5/23/2023</a:t>
+              <a:t>5/24/2023</a:t>
             </a:fld>
             <a:endParaRPr lang="en-US" dirty="0"/>
           </a:p>
@@ -917,7 +916,7 @@
           <a:p>
             <a:fld id="{96DFF08F-DC6B-4601-B491-B0F83F6DD2DA}" type="datetimeFigureOut">
               <a:rPr lang="en-US" dirty="0"/>
-              <a:t>5/23/2023</a:t>
+              <a:t>5/24/2023</a:t>
             </a:fld>
             <a:endParaRPr lang="en-US" dirty="0"/>
           </a:p>
@@ -1186,7 +1185,7 @@
           <a:p>
             <a:fld id="{96DFF08F-DC6B-4601-B491-B0F83F6DD2DA}" type="datetimeFigureOut">
               <a:rPr lang="en-US" dirty="0"/>
-              <a:t>5/23/2023</a:t>
+              <a:t>5/24/2023</a:t>
             </a:fld>
             <a:endParaRPr lang="en-US" dirty="0"/>
           </a:p>
@@ -1504,7 +1503,7 @@
           <a:p>
             <a:fld id="{96DFF08F-DC6B-4601-B491-B0F83F6DD2DA}" type="datetimeFigureOut">
               <a:rPr lang="en-US" dirty="0"/>
-              <a:t>5/23/2023</a:t>
+              <a:t>5/24/2023</a:t>
             </a:fld>
             <a:endParaRPr lang="en-US" dirty="0"/>
           </a:p>
@@ -1923,7 +1922,7 @@
           <a:p>
             <a:fld id="{96DFF08F-DC6B-4601-B491-B0F83F6DD2DA}" type="datetimeFigureOut">
               <a:rPr lang="en-US" dirty="0"/>
-              <a:t>5/23/2023</a:t>
+              <a:t>5/24/2023</a:t>
             </a:fld>
             <a:endParaRPr lang="en-US" dirty="0"/>
           </a:p>
@@ -2036,7 +2035,7 @@
           <a:p>
             <a:fld id="{96DFF08F-DC6B-4601-B491-B0F83F6DD2DA}" type="datetimeFigureOut">
               <a:rPr lang="en-US" dirty="0"/>
-              <a:t>5/23/2023</a:t>
+              <a:t>5/24/2023</a:t>
             </a:fld>
             <a:endParaRPr lang="en-US" dirty="0"/>
           </a:p>
@@ -2126,7 +2125,7 @@
           <a:p>
             <a:fld id="{96DFF08F-DC6B-4601-B491-B0F83F6DD2DA}" type="datetimeFigureOut">
               <a:rPr lang="en-US" dirty="0"/>
-              <a:t>5/23/2023</a:t>
+              <a:t>5/24/2023</a:t>
             </a:fld>
             <a:endParaRPr lang="en-US" dirty="0"/>
           </a:p>
@@ -2411,7 +2410,7 @@
           <a:p>
             <a:fld id="{96DFF08F-DC6B-4601-B491-B0F83F6DD2DA}" type="datetimeFigureOut">
               <a:rPr lang="en-US" dirty="0"/>
-              <a:t>5/23/2023</a:t>
+              <a:t>5/24/2023</a:t>
             </a:fld>
             <a:endParaRPr lang="en-US" dirty="0"/>
           </a:p>
@@ -2678,7 +2677,7 @@
           <a:p>
             <a:fld id="{96DFF08F-DC6B-4601-B491-B0F83F6DD2DA}" type="datetimeFigureOut">
               <a:rPr lang="en-US" dirty="0"/>
-              <a:t>5/23/2023</a:t>
+              <a:t>5/24/2023</a:t>
             </a:fld>
             <a:endParaRPr lang="en-US" dirty="0"/>
           </a:p>
@@ -2928,7 +2927,7 @@
             <a:fld id="{96DFF08F-DC6B-4601-B491-B0F83F6DD2DA}" type="datetimeFigureOut">
               <a:rPr lang="en-US" dirty="0"/>
               <a:pPr/>
-              <a:t>5/23/2023</a:t>
+              <a:t>5/24/2023</a:t>
             </a:fld>
             <a:endParaRPr lang="en-US" dirty="0"/>
           </a:p>
@@ -3421,6 +3420,13 @@
               </a:rPr>
               <a:t>강</a:t>
             </a:r>
+            <a:r>
+              <a:rPr lang="en-US" altLang="ko-KR" dirty="0">
+                <a:latin typeface="+mj-ea"/>
+                <a:ea typeface="+mj-ea"/>
+              </a:rPr>
+              <a:t/>
+            </a:r>
             <a:br>
               <a:rPr lang="en-US" altLang="ko-KR" dirty="0">
                 <a:latin typeface="+mj-ea"/>
@@ -3454,6 +3460,13 @@
             <a:pPr algn="r"/>
             <a:r>
               <a:rPr lang="ko-KR" altLang="en-US" sz="3200" dirty="0">
+                <a:effectLst>
+                  <a:outerShdw blurRad="38100" dist="38100" dir="2700000" algn="tl">
+                    <a:srgbClr val="000000">
+                      <a:alpha val="43137"/>
+                    </a:srgbClr>
+                  </a:outerShdw>
+                </a:effectLst>
                 <a:latin typeface="+mj-ea"/>
                 <a:ea typeface="+mj-ea"/>
               </a:rPr>
@@ -3461,6 +3474,13 @@
             </a:r>
             <a:r>
               <a:rPr lang="en-US" altLang="ko-KR" sz="3200" dirty="0">
+                <a:effectLst>
+                  <a:outerShdw blurRad="38100" dist="38100" dir="2700000" algn="tl">
+                    <a:srgbClr val="000000">
+                      <a:alpha val="43137"/>
+                    </a:srgbClr>
+                  </a:outerShdw>
+                </a:effectLst>
                 <a:latin typeface="+mj-ea"/>
                 <a:ea typeface="+mj-ea"/>
               </a:rPr>
@@ -3468,12 +3488,26 @@
             </a:r>
             <a:r>
               <a:rPr lang="ko-KR" altLang="en-US" sz="3200" dirty="0">
+                <a:effectLst>
+                  <a:outerShdw blurRad="38100" dist="38100" dir="2700000" algn="tl">
+                    <a:srgbClr val="000000">
+                      <a:alpha val="43137"/>
+                    </a:srgbClr>
+                  </a:outerShdw>
+                </a:effectLst>
                 <a:latin typeface="+mj-ea"/>
                 <a:ea typeface="+mj-ea"/>
               </a:rPr>
               <a:t>과</a:t>
             </a:r>
             <a:endParaRPr lang="en-US" altLang="ko-KR" sz="3200" dirty="0">
+              <a:effectLst>
+                <a:outerShdw blurRad="38100" dist="38100" dir="2700000" algn="tl">
+                  <a:srgbClr val="000000">
+                    <a:alpha val="43137"/>
+                  </a:srgbClr>
+                </a:outerShdw>
+              </a:effectLst>
               <a:latin typeface="+mj-ea"/>
               <a:ea typeface="+mj-ea"/>
             </a:endParaRPr>
@@ -3482,6 +3516,13 @@
             <a:pPr algn="r"/>
             <a:r>
               <a:rPr lang="en-US" altLang="ko-KR" sz="3200" dirty="0">
+                <a:effectLst>
+                  <a:outerShdw blurRad="38100" dist="38100" dir="2700000" algn="tl">
+                    <a:srgbClr val="000000">
+                      <a:alpha val="43137"/>
+                    </a:srgbClr>
+                  </a:outerShdw>
+                </a:effectLst>
                 <a:latin typeface="+mj-ea"/>
                 <a:ea typeface="+mj-ea"/>
               </a:rPr>
@@ -3489,12 +3530,26 @@
             </a:r>
             <a:r>
               <a:rPr lang="ko-KR" altLang="en-US" sz="3200" dirty="0">
+                <a:effectLst>
+                  <a:outerShdw blurRad="38100" dist="38100" dir="2700000" algn="tl">
+                    <a:srgbClr val="000000">
+                      <a:alpha val="43137"/>
+                    </a:srgbClr>
+                  </a:outerShdw>
+                </a:effectLst>
                 <a:latin typeface="+mj-ea"/>
                 <a:ea typeface="+mj-ea"/>
               </a:rPr>
               <a:t> 노을</a:t>
             </a:r>
             <a:endParaRPr lang="en-US" altLang="ko-KR" sz="3200" dirty="0">
+              <a:effectLst>
+                <a:outerShdw blurRad="38100" dist="38100" dir="2700000" algn="tl">
+                  <a:srgbClr val="000000">
+                    <a:alpha val="43137"/>
+                  </a:srgbClr>
+                </a:outerShdw>
+              </a:effectLst>
               <a:latin typeface="+mj-ea"/>
               <a:ea typeface="+mj-ea"/>
             </a:endParaRPr>
@@ -3579,6 +3634,52 @@
           </a:prstGeom>
         </p:spPr>
       </p:pic>
+      <p:sp>
+        <p:nvSpPr>
+          <p:cNvPr id="5" name="모서리가 둥근 직사각형 4"/>
+          <p:cNvSpPr/>
+          <p:nvPr/>
+        </p:nvSpPr>
+        <p:spPr>
+          <a:xfrm>
+            <a:off x="1107384" y="996132"/>
+            <a:ext cx="9887362" cy="671734"/>
+          </a:xfrm>
+          <a:prstGeom prst="roundRect">
+            <a:avLst/>
+          </a:prstGeom>
+          <a:noFill/>
+          <a:ln>
+            <a:solidFill>
+              <a:schemeClr val="accent1"/>
+            </a:solidFill>
+          </a:ln>
+        </p:spPr>
+        <p:style>
+          <a:lnRef idx="2">
+            <a:schemeClr val="accent1">
+              <a:shade val="50000"/>
+            </a:schemeClr>
+          </a:lnRef>
+          <a:fillRef idx="1">
+            <a:schemeClr val="accent1"/>
+          </a:fillRef>
+          <a:effectRef idx="0">
+            <a:schemeClr val="accent1"/>
+          </a:effectRef>
+          <a:fontRef idx="minor">
+            <a:schemeClr val="lt1"/>
+          </a:fontRef>
+        </p:style>
+        <p:txBody>
+          <a:bodyPr rtlCol="0" anchor="ctr"/>
+          <a:lstStyle/>
+          <a:p>
+            <a:pPr algn="ctr"/>
+            <a:endParaRPr lang="ko-KR" altLang="en-US"/>
+          </a:p>
+        </p:txBody>
+      </p:sp>
     </p:spTree>
     <p:extLst>
       <p:ext uri="{BB962C8B-B14F-4D97-AF65-F5344CB8AC3E}">
@@ -4068,6 +4169,98 @@
           </a:p>
         </p:txBody>
       </p:sp>
+      <p:sp>
+        <p:nvSpPr>
+          <p:cNvPr id="8" name="모서리가 둥근 직사각형 7"/>
+          <p:cNvSpPr/>
+          <p:nvPr/>
+        </p:nvSpPr>
+        <p:spPr>
+          <a:xfrm>
+            <a:off x="339289" y="453040"/>
+            <a:ext cx="5644546" cy="236615"/>
+          </a:xfrm>
+          <a:prstGeom prst="roundRect">
+            <a:avLst/>
+          </a:prstGeom>
+          <a:noFill/>
+          <a:ln>
+            <a:solidFill>
+              <a:schemeClr val="accent1"/>
+            </a:solidFill>
+          </a:ln>
+        </p:spPr>
+        <p:style>
+          <a:lnRef idx="2">
+            <a:schemeClr val="accent1">
+              <a:shade val="50000"/>
+            </a:schemeClr>
+          </a:lnRef>
+          <a:fillRef idx="1">
+            <a:schemeClr val="accent1"/>
+          </a:fillRef>
+          <a:effectRef idx="0">
+            <a:schemeClr val="accent1"/>
+          </a:effectRef>
+          <a:fontRef idx="minor">
+            <a:schemeClr val="lt1"/>
+          </a:fontRef>
+        </p:style>
+        <p:txBody>
+          <a:bodyPr rtlCol="0" anchor="ctr"/>
+          <a:lstStyle/>
+          <a:p>
+            <a:pPr algn="ctr"/>
+            <a:endParaRPr lang="ko-KR" altLang="en-US"/>
+          </a:p>
+        </p:txBody>
+      </p:sp>
+      <p:sp>
+        <p:nvSpPr>
+          <p:cNvPr id="10" name="모서리가 둥근 직사각형 9"/>
+          <p:cNvSpPr/>
+          <p:nvPr/>
+        </p:nvSpPr>
+        <p:spPr>
+          <a:xfrm>
+            <a:off x="6038004" y="453039"/>
+            <a:ext cx="5756566" cy="236616"/>
+          </a:xfrm>
+          <a:prstGeom prst="roundRect">
+            <a:avLst/>
+          </a:prstGeom>
+          <a:noFill/>
+          <a:ln>
+            <a:solidFill>
+              <a:schemeClr val="accent1"/>
+            </a:solidFill>
+          </a:ln>
+        </p:spPr>
+        <p:style>
+          <a:lnRef idx="2">
+            <a:schemeClr val="accent1">
+              <a:shade val="50000"/>
+            </a:schemeClr>
+          </a:lnRef>
+          <a:fillRef idx="1">
+            <a:schemeClr val="accent1"/>
+          </a:fillRef>
+          <a:effectRef idx="0">
+            <a:schemeClr val="accent1"/>
+          </a:effectRef>
+          <a:fontRef idx="minor">
+            <a:schemeClr val="lt1"/>
+          </a:fontRef>
+        </p:style>
+        <p:txBody>
+          <a:bodyPr rtlCol="0" anchor="ctr"/>
+          <a:lstStyle/>
+          <a:p>
+            <a:pPr algn="ctr"/>
+            <a:endParaRPr lang="ko-KR" altLang="en-US"/>
+          </a:p>
+        </p:txBody>
+      </p:sp>
     </p:spTree>
     <p:extLst>
       <p:ext uri="{BB962C8B-B14F-4D97-AF65-F5344CB8AC3E}">
@@ -4223,6 +4416,52 @@
           </a:prstGeom>
         </p:spPr>
       </p:pic>
+      <p:sp>
+        <p:nvSpPr>
+          <p:cNvPr id="9" name="모서리가 둥근 직사각형 8"/>
+          <p:cNvSpPr/>
+          <p:nvPr/>
+        </p:nvSpPr>
+        <p:spPr>
+          <a:xfrm>
+            <a:off x="403555" y="2185947"/>
+            <a:ext cx="11331244" cy="385975"/>
+          </a:xfrm>
+          <a:prstGeom prst="roundRect">
+            <a:avLst/>
+          </a:prstGeom>
+          <a:noFill/>
+          <a:ln>
+            <a:solidFill>
+              <a:schemeClr val="accent1"/>
+            </a:solidFill>
+          </a:ln>
+        </p:spPr>
+        <p:style>
+          <a:lnRef idx="2">
+            <a:schemeClr val="accent1">
+              <a:shade val="50000"/>
+            </a:schemeClr>
+          </a:lnRef>
+          <a:fillRef idx="1">
+            <a:schemeClr val="accent1"/>
+          </a:fillRef>
+          <a:effectRef idx="0">
+            <a:schemeClr val="accent1"/>
+          </a:effectRef>
+          <a:fontRef idx="minor">
+            <a:schemeClr val="lt1"/>
+          </a:fontRef>
+        </p:style>
+        <p:txBody>
+          <a:bodyPr rtlCol="0" anchor="ctr"/>
+          <a:lstStyle/>
+          <a:p>
+            <a:pPr algn="ctr"/>
+            <a:endParaRPr lang="ko-KR" altLang="en-US"/>
+          </a:p>
+        </p:txBody>
+      </p:sp>
     </p:spTree>
     <p:extLst>
       <p:ext uri="{BB962C8B-B14F-4D97-AF65-F5344CB8AC3E}">
@@ -4394,6 +4633,98 @@
           </a:p>
         </p:txBody>
       </p:sp>
+      <p:sp>
+        <p:nvSpPr>
+          <p:cNvPr id="8" name="모서리가 둥근 직사각형 7"/>
+          <p:cNvSpPr/>
+          <p:nvPr/>
+        </p:nvSpPr>
+        <p:spPr>
+          <a:xfrm>
+            <a:off x="6183319" y="418490"/>
+            <a:ext cx="5696566" cy="446559"/>
+          </a:xfrm>
+          <a:prstGeom prst="roundRect">
+            <a:avLst/>
+          </a:prstGeom>
+          <a:noFill/>
+          <a:ln>
+            <a:solidFill>
+              <a:schemeClr val="accent1"/>
+            </a:solidFill>
+          </a:ln>
+        </p:spPr>
+        <p:style>
+          <a:lnRef idx="2">
+            <a:schemeClr val="accent1">
+              <a:shade val="50000"/>
+            </a:schemeClr>
+          </a:lnRef>
+          <a:fillRef idx="1">
+            <a:schemeClr val="accent1"/>
+          </a:fillRef>
+          <a:effectRef idx="0">
+            <a:schemeClr val="accent1"/>
+          </a:effectRef>
+          <a:fontRef idx="minor">
+            <a:schemeClr val="lt1"/>
+          </a:fontRef>
+        </p:style>
+        <p:txBody>
+          <a:bodyPr rtlCol="0" anchor="ctr"/>
+          <a:lstStyle/>
+          <a:p>
+            <a:pPr algn="ctr"/>
+            <a:endParaRPr lang="ko-KR" altLang="en-US"/>
+          </a:p>
+        </p:txBody>
+      </p:sp>
+      <p:sp>
+        <p:nvSpPr>
+          <p:cNvPr id="9" name="모서리가 둥근 직사각형 8"/>
+          <p:cNvSpPr/>
+          <p:nvPr/>
+        </p:nvSpPr>
+        <p:spPr>
+          <a:xfrm>
+            <a:off x="339289" y="453040"/>
+            <a:ext cx="5748020" cy="315056"/>
+          </a:xfrm>
+          <a:prstGeom prst="roundRect">
+            <a:avLst/>
+          </a:prstGeom>
+          <a:noFill/>
+          <a:ln>
+            <a:solidFill>
+              <a:schemeClr val="accent1"/>
+            </a:solidFill>
+          </a:ln>
+        </p:spPr>
+        <p:style>
+          <a:lnRef idx="2">
+            <a:schemeClr val="accent1">
+              <a:shade val="50000"/>
+            </a:schemeClr>
+          </a:lnRef>
+          <a:fillRef idx="1">
+            <a:schemeClr val="accent1"/>
+          </a:fillRef>
+          <a:effectRef idx="0">
+            <a:schemeClr val="accent1"/>
+          </a:effectRef>
+          <a:fontRef idx="minor">
+            <a:schemeClr val="lt1"/>
+          </a:fontRef>
+        </p:style>
+        <p:txBody>
+          <a:bodyPr rtlCol="0" anchor="ctr"/>
+          <a:lstStyle/>
+          <a:p>
+            <a:pPr algn="ctr"/>
+            <a:endParaRPr lang="ko-KR" altLang="en-US"/>
+          </a:p>
+        </p:txBody>
+      </p:sp>
     </p:spTree>
     <p:extLst>
       <p:ext uri="{BB962C8B-B14F-4D97-AF65-F5344CB8AC3E}">
@@ -4565,6 +4896,98 @@
           </a:p>
         </p:txBody>
       </p:sp>
+      <p:sp>
+        <p:nvSpPr>
+          <p:cNvPr id="8" name="모서리가 둥근 직사각형 7"/>
+          <p:cNvSpPr/>
+          <p:nvPr/>
+        </p:nvSpPr>
+        <p:spPr>
+          <a:xfrm>
+            <a:off x="325091" y="430467"/>
+            <a:ext cx="5644546" cy="236615"/>
+          </a:xfrm>
+          <a:prstGeom prst="roundRect">
+            <a:avLst/>
+          </a:prstGeom>
+          <a:noFill/>
+          <a:ln>
+            <a:solidFill>
+              <a:schemeClr val="accent1"/>
+            </a:solidFill>
+          </a:ln>
+        </p:spPr>
+        <p:style>
+          <a:lnRef idx="2">
+            <a:schemeClr val="accent1">
+              <a:shade val="50000"/>
+            </a:schemeClr>
+          </a:lnRef>
+          <a:fillRef idx="1">
+            <a:schemeClr val="accent1"/>
+          </a:fillRef>
+          <a:effectRef idx="0">
+            <a:schemeClr val="accent1"/>
+          </a:effectRef>
+          <a:fontRef idx="minor">
+            <a:schemeClr val="lt1"/>
+          </a:fontRef>
+        </p:style>
+        <p:txBody>
+          <a:bodyPr rtlCol="0" anchor="ctr"/>
+          <a:lstStyle/>
+          <a:p>
+            <a:pPr algn="ctr"/>
+            <a:endParaRPr lang="ko-KR" altLang="en-US"/>
+          </a:p>
+        </p:txBody>
+      </p:sp>
+      <p:sp>
+        <p:nvSpPr>
+          <p:cNvPr id="9" name="모서리가 둥근 직사각형 8"/>
+          <p:cNvSpPr/>
+          <p:nvPr/>
+        </p:nvSpPr>
+        <p:spPr>
+          <a:xfrm>
+            <a:off x="6013960" y="425485"/>
+            <a:ext cx="5876731" cy="393817"/>
+          </a:xfrm>
+          <a:prstGeom prst="roundRect">
+            <a:avLst/>
+          </a:prstGeom>
+          <a:noFill/>
+          <a:ln>
+            <a:solidFill>
+              <a:schemeClr val="accent1"/>
+            </a:solidFill>
+          </a:ln>
+        </p:spPr>
+        <p:style>
+          <a:lnRef idx="2">
+            <a:schemeClr val="accent1">
+              <a:shade val="50000"/>
+            </a:schemeClr>
+          </a:lnRef>
+          <a:fillRef idx="1">
+            <a:schemeClr val="accent1"/>
+          </a:fillRef>
+          <a:effectRef idx="0">
+            <a:schemeClr val="accent1"/>
+          </a:effectRef>
+          <a:fontRef idx="minor">
+            <a:schemeClr val="lt1"/>
+          </a:fontRef>
+        </p:style>
+        <p:txBody>
+          <a:bodyPr rtlCol="0" anchor="ctr"/>
+          <a:lstStyle/>
+          <a:p>
+            <a:pPr algn="ctr"/>
+            <a:endParaRPr lang="ko-KR" altLang="en-US"/>
+          </a:p>
+        </p:txBody>
+      </p:sp>
     </p:spTree>
     <p:extLst>
       <p:ext uri="{BB962C8B-B14F-4D97-AF65-F5344CB8AC3E}">
@@ -4736,6 +5159,52 @@
           </a:p>
         </p:txBody>
       </p:sp>
+      <p:sp>
+        <p:nvSpPr>
+          <p:cNvPr id="8" name="모서리가 둥근 직사각형 7"/>
+          <p:cNvSpPr/>
+          <p:nvPr/>
+        </p:nvSpPr>
+        <p:spPr>
+          <a:xfrm>
+            <a:off x="1319525" y="3223016"/>
+            <a:ext cx="10349957" cy="429540"/>
+          </a:xfrm>
+          <a:prstGeom prst="roundRect">
+            <a:avLst/>
+          </a:prstGeom>
+          <a:noFill/>
+          <a:ln>
+            <a:solidFill>
+              <a:schemeClr val="accent1"/>
+            </a:solidFill>
+          </a:ln>
+        </p:spPr>
+        <p:style>
+          <a:lnRef idx="2">
+            <a:schemeClr val="accent1">
+              <a:shade val="50000"/>
+            </a:schemeClr>
+          </a:lnRef>
+          <a:fillRef idx="1">
+            <a:schemeClr val="accent1"/>
+          </a:fillRef>
+          <a:effectRef idx="0">
+            <a:schemeClr val="accent1"/>
+          </a:effectRef>
+          <a:fontRef idx="minor">
+            <a:schemeClr val="lt1"/>
+          </a:fontRef>
+        </p:style>
+        <p:txBody>
+          <a:bodyPr rtlCol="0" anchor="ctr"/>
+          <a:lstStyle/>
+          <a:p>
+            <a:pPr algn="ctr"/>
+            <a:endParaRPr lang="ko-KR" altLang="en-US"/>
+          </a:p>
+        </p:txBody>
+      </p:sp>
     </p:spTree>
     <p:extLst>
       <p:ext uri="{BB962C8B-B14F-4D97-AF65-F5344CB8AC3E}">
@@ -4979,6 +5448,52 @@
           </a:p>
         </p:txBody>
       </p:sp>
+      <p:sp>
+        <p:nvSpPr>
+          <p:cNvPr id="10" name="모서리가 둥근 직사각형 9"/>
+          <p:cNvSpPr/>
+          <p:nvPr/>
+        </p:nvSpPr>
+        <p:spPr>
+          <a:xfrm>
+            <a:off x="895244" y="1586896"/>
+            <a:ext cx="3289050" cy="249219"/>
+          </a:xfrm>
+          <a:prstGeom prst="roundRect">
+            <a:avLst/>
+          </a:prstGeom>
+          <a:noFill/>
+          <a:ln>
+            <a:solidFill>
+              <a:schemeClr val="accent1"/>
+            </a:solidFill>
+          </a:ln>
+        </p:spPr>
+        <p:style>
+          <a:lnRef idx="2">
+            <a:schemeClr val="accent1">
+              <a:shade val="50000"/>
+            </a:schemeClr>
+          </a:lnRef>
+          <a:fillRef idx="1">
+            <a:schemeClr val="accent1"/>
+          </a:fillRef>
+          <a:effectRef idx="0">
+            <a:schemeClr val="accent1"/>
+          </a:effectRef>
+          <a:fontRef idx="minor">
+            <a:schemeClr val="lt1"/>
+          </a:fontRef>
+        </p:style>
+        <p:txBody>
+          <a:bodyPr rtlCol="0" anchor="ctr"/>
+          <a:lstStyle/>
+          <a:p>
+            <a:pPr algn="ctr"/>
+            <a:endParaRPr lang="ko-KR" altLang="en-US"/>
+          </a:p>
+        </p:txBody>
+      </p:sp>
     </p:spTree>
     <p:extLst>
       <p:ext uri="{BB962C8B-B14F-4D97-AF65-F5344CB8AC3E}">
@@ -5150,6 +5665,98 @@
           </a:p>
         </p:txBody>
       </p:sp>
+      <p:sp>
+        <p:nvSpPr>
+          <p:cNvPr id="9" name="모서리가 둥근 직사각형 8"/>
+          <p:cNvSpPr/>
+          <p:nvPr/>
+        </p:nvSpPr>
+        <p:spPr>
+          <a:xfrm>
+            <a:off x="938920" y="826230"/>
+            <a:ext cx="7149158" cy="450778"/>
+          </a:xfrm>
+          <a:prstGeom prst="roundRect">
+            <a:avLst/>
+          </a:prstGeom>
+          <a:noFill/>
+          <a:ln>
+            <a:solidFill>
+              <a:schemeClr val="accent1"/>
+            </a:solidFill>
+          </a:ln>
+        </p:spPr>
+        <p:style>
+          <a:lnRef idx="2">
+            <a:schemeClr val="accent1">
+              <a:shade val="50000"/>
+            </a:schemeClr>
+          </a:lnRef>
+          <a:fillRef idx="1">
+            <a:schemeClr val="accent1"/>
+          </a:fillRef>
+          <a:effectRef idx="0">
+            <a:schemeClr val="accent1"/>
+          </a:effectRef>
+          <a:fontRef idx="minor">
+            <a:schemeClr val="lt1"/>
+          </a:fontRef>
+        </p:style>
+        <p:txBody>
+          <a:bodyPr rtlCol="0" anchor="ctr"/>
+          <a:lstStyle/>
+          <a:p>
+            <a:pPr algn="ctr"/>
+            <a:endParaRPr lang="ko-KR" altLang="en-US"/>
+          </a:p>
+        </p:txBody>
+      </p:sp>
+      <p:sp>
+        <p:nvSpPr>
+          <p:cNvPr id="10" name="모서리가 둥근 직사각형 9"/>
+          <p:cNvSpPr/>
+          <p:nvPr/>
+        </p:nvSpPr>
+        <p:spPr>
+          <a:xfrm>
+            <a:off x="938920" y="3628059"/>
+            <a:ext cx="7149158" cy="450778"/>
+          </a:xfrm>
+          <a:prstGeom prst="roundRect">
+            <a:avLst/>
+          </a:prstGeom>
+          <a:noFill/>
+          <a:ln>
+            <a:solidFill>
+              <a:schemeClr val="accent1"/>
+            </a:solidFill>
+          </a:ln>
+        </p:spPr>
+        <p:style>
+          <a:lnRef idx="2">
+            <a:schemeClr val="accent1">
+              <a:shade val="50000"/>
+            </a:schemeClr>
+          </a:lnRef>
+          <a:fillRef idx="1">
+            <a:schemeClr val="accent1"/>
+          </a:fillRef>
+          <a:effectRef idx="0">
+            <a:schemeClr val="accent1"/>
+          </a:effectRef>
+          <a:fontRef idx="minor">
+            <a:schemeClr val="lt1"/>
+          </a:fontRef>
+        </p:style>
+        <p:txBody>
+          <a:bodyPr rtlCol="0" anchor="ctr"/>
+          <a:lstStyle/>
+          <a:p>
+            <a:pPr algn="ctr"/>
+            <a:endParaRPr lang="ko-KR" altLang="en-US"/>
+          </a:p>
+        </p:txBody>
+      </p:sp>
     </p:spTree>
     <p:extLst>
       <p:ext uri="{BB962C8B-B14F-4D97-AF65-F5344CB8AC3E}">
@@ -5321,6 +5928,98 @@
           </a:p>
         </p:txBody>
       </p:sp>
+      <p:sp>
+        <p:nvSpPr>
+          <p:cNvPr id="9" name="모서리가 둥근 직사각형 8"/>
+          <p:cNvSpPr/>
+          <p:nvPr/>
+        </p:nvSpPr>
+        <p:spPr>
+          <a:xfrm>
+            <a:off x="938920" y="1076981"/>
+            <a:ext cx="7239474" cy="482581"/>
+          </a:xfrm>
+          <a:prstGeom prst="roundRect">
+            <a:avLst/>
+          </a:prstGeom>
+          <a:noFill/>
+          <a:ln>
+            <a:solidFill>
+              <a:schemeClr val="accent1"/>
+            </a:solidFill>
+          </a:ln>
+        </p:spPr>
+        <p:style>
+          <a:lnRef idx="2">
+            <a:schemeClr val="accent1">
+              <a:shade val="50000"/>
+            </a:schemeClr>
+          </a:lnRef>
+          <a:fillRef idx="1">
+            <a:schemeClr val="accent1"/>
+          </a:fillRef>
+          <a:effectRef idx="0">
+            <a:schemeClr val="accent1"/>
+          </a:effectRef>
+          <a:fontRef idx="minor">
+            <a:schemeClr val="lt1"/>
+          </a:fontRef>
+        </p:style>
+        <p:txBody>
+          <a:bodyPr rtlCol="0" anchor="ctr"/>
+          <a:lstStyle/>
+          <a:p>
+            <a:pPr algn="ctr"/>
+            <a:endParaRPr lang="ko-KR" altLang="en-US"/>
+          </a:p>
+        </p:txBody>
+      </p:sp>
+      <p:sp>
+        <p:nvSpPr>
+          <p:cNvPr id="10" name="모서리가 둥근 직사각형 9"/>
+          <p:cNvSpPr/>
+          <p:nvPr/>
+        </p:nvSpPr>
+        <p:spPr>
+          <a:xfrm>
+            <a:off x="938920" y="3843863"/>
+            <a:ext cx="7239474" cy="482581"/>
+          </a:xfrm>
+          <a:prstGeom prst="roundRect">
+            <a:avLst/>
+          </a:prstGeom>
+          <a:noFill/>
+          <a:ln>
+            <a:solidFill>
+              <a:schemeClr val="accent1"/>
+            </a:solidFill>
+          </a:ln>
+        </p:spPr>
+        <p:style>
+          <a:lnRef idx="2">
+            <a:schemeClr val="accent1">
+              <a:shade val="50000"/>
+            </a:schemeClr>
+          </a:lnRef>
+          <a:fillRef idx="1">
+            <a:schemeClr val="accent1"/>
+          </a:fillRef>
+          <a:effectRef idx="0">
+            <a:schemeClr val="accent1"/>
+          </a:effectRef>
+          <a:fontRef idx="minor">
+            <a:schemeClr val="lt1"/>
+          </a:fontRef>
+        </p:style>
+        <p:txBody>
+          <a:bodyPr rtlCol="0" anchor="ctr"/>
+          <a:lstStyle/>
+          <a:p>
+            <a:pPr algn="ctr"/>
+            <a:endParaRPr lang="ko-KR" altLang="en-US"/>
+          </a:p>
+        </p:txBody>
+      </p:sp>
     </p:spTree>
     <p:extLst>
       <p:ext uri="{BB962C8B-B14F-4D97-AF65-F5344CB8AC3E}">
@@ -5452,6 +6151,52 @@
           </a:p>
         </p:txBody>
       </p:sp>
+      <p:sp>
+        <p:nvSpPr>
+          <p:cNvPr id="5" name="모서리가 둥근 직사각형 4"/>
+          <p:cNvSpPr/>
+          <p:nvPr/>
+        </p:nvSpPr>
+        <p:spPr>
+          <a:xfrm>
+            <a:off x="1246020" y="2362810"/>
+            <a:ext cx="4445206" cy="336499"/>
+          </a:xfrm>
+          <a:prstGeom prst="roundRect">
+            <a:avLst/>
+          </a:prstGeom>
+          <a:noFill/>
+          <a:ln>
+            <a:solidFill>
+              <a:schemeClr val="accent1"/>
+            </a:solidFill>
+          </a:ln>
+        </p:spPr>
+        <p:style>
+          <a:lnRef idx="2">
+            <a:schemeClr val="accent1">
+              <a:shade val="50000"/>
+            </a:schemeClr>
+          </a:lnRef>
+          <a:fillRef idx="1">
+            <a:schemeClr val="accent1"/>
+          </a:fillRef>
+          <a:effectRef idx="0">
+            <a:schemeClr val="accent1"/>
+          </a:effectRef>
+          <a:fontRef idx="minor">
+            <a:schemeClr val="lt1"/>
+          </a:fontRef>
+        </p:style>
+        <p:txBody>
+          <a:bodyPr rtlCol="0" anchor="ctr"/>
+          <a:lstStyle/>
+          <a:p>
+            <a:pPr algn="ctr"/>
+            <a:endParaRPr lang="ko-KR" altLang="en-US"/>
+          </a:p>
+        </p:txBody>
+      </p:sp>
     </p:spTree>
     <p:extLst>
       <p:ext uri="{BB962C8B-B14F-4D97-AF65-F5344CB8AC3E}">
@@ -5575,6 +6320,87 @@
           </a:p>
         </p:txBody>
       </p:sp>
+      <p:sp>
+        <p:nvSpPr>
+          <p:cNvPr id="5" name="모서리가 둥근 직사각형 4"/>
+          <p:cNvSpPr/>
+          <p:nvPr/>
+        </p:nvSpPr>
+        <p:spPr>
+          <a:xfrm>
+            <a:off x="909521" y="6195976"/>
+            <a:ext cx="3830729" cy="263346"/>
+          </a:xfrm>
+          <a:prstGeom prst="roundRect">
+            <a:avLst/>
+          </a:prstGeom>
+          <a:noFill/>
+          <a:ln>
+            <a:solidFill>
+              <a:schemeClr val="accent1"/>
+            </a:solidFill>
+          </a:ln>
+        </p:spPr>
+        <p:style>
+          <a:lnRef idx="2">
+            <a:schemeClr val="accent1">
+              <a:shade val="50000"/>
+            </a:schemeClr>
+          </a:lnRef>
+          <a:fillRef idx="1">
+            <a:schemeClr val="accent1"/>
+          </a:fillRef>
+          <a:effectRef idx="0">
+            <a:schemeClr val="accent1"/>
+          </a:effectRef>
+          <a:fontRef idx="minor">
+            <a:schemeClr val="lt1"/>
+          </a:fontRef>
+        </p:style>
+        <p:txBody>
+          <a:bodyPr rtlCol="0" anchor="ctr"/>
+          <a:lstStyle/>
+          <a:p>
+            <a:pPr algn="ctr"/>
+            <a:endParaRPr lang="ko-KR" altLang="en-US"/>
+          </a:p>
+        </p:txBody>
+      </p:sp>
+      <p:cxnSp>
+        <p:nvCxnSpPr>
+          <p:cNvPr id="7" name="직선 화살표 연결선 6"/>
+          <p:cNvCxnSpPr>
+            <a:stCxn id="5" idx="3"/>
+          </p:cNvCxnSpPr>
+          <p:nvPr/>
+        </p:nvCxnSpPr>
+        <p:spPr>
+          <a:xfrm flipV="1">
+            <a:off x="4740250" y="6324600"/>
+            <a:ext cx="2984525" cy="3049"/>
+          </a:xfrm>
+          <a:prstGeom prst="straightConnector1">
+            <a:avLst/>
+          </a:prstGeom>
+          <a:ln w="19050">
+            <a:tailEnd type="triangle"/>
+          </a:ln>
+        </p:spPr>
+        <p:style>
+          <a:lnRef idx="1">
+            <a:schemeClr val="accent1"/>
+          </a:lnRef>
+          <a:fillRef idx="0">
+            <a:schemeClr val="accent1"/>
+          </a:fillRef>
+          <a:effectRef idx="0">
+            <a:schemeClr val="accent1"/>
+          </a:effectRef>
+          <a:fontRef idx="minor">
+            <a:schemeClr val="tx1"/>
+          </a:fontRef>
+        </p:style>
+      </p:cxnSp>
     </p:spTree>
     <p:extLst>
       <p:ext uri="{BB962C8B-B14F-4D97-AF65-F5344CB8AC3E}">
@@ -5698,6 +6524,52 @@
           </a:p>
         </p:txBody>
       </p:sp>
+      <p:sp>
+        <p:nvSpPr>
+          <p:cNvPr id="5" name="모서리가 둥근 직사각형 4"/>
+          <p:cNvSpPr/>
+          <p:nvPr/>
+        </p:nvSpPr>
+        <p:spPr>
+          <a:xfrm>
+            <a:off x="902206" y="4820718"/>
+            <a:ext cx="6633711" cy="346770"/>
+          </a:xfrm>
+          <a:prstGeom prst="roundRect">
+            <a:avLst/>
+          </a:prstGeom>
+          <a:noFill/>
+          <a:ln>
+            <a:solidFill>
+              <a:schemeClr val="accent1"/>
+            </a:solidFill>
+          </a:ln>
+        </p:spPr>
+        <p:style>
+          <a:lnRef idx="2">
+            <a:schemeClr val="accent1">
+              <a:shade val="50000"/>
+            </a:schemeClr>
+          </a:lnRef>
+          <a:fillRef idx="1">
+            <a:schemeClr val="accent1"/>
+          </a:fillRef>
+          <a:effectRef idx="0">
+            <a:schemeClr val="accent1"/>
+          </a:effectRef>
+          <a:fontRef idx="minor">
+            <a:schemeClr val="lt1"/>
+          </a:fontRef>
+        </p:style>
+        <p:txBody>
+          <a:bodyPr rtlCol="0" anchor="ctr"/>
+          <a:lstStyle/>
+          <a:p>
+            <a:pPr algn="ctr"/>
+            <a:endParaRPr lang="ko-KR" altLang="en-US"/>
+          </a:p>
+        </p:txBody>
+      </p:sp>
     </p:spTree>
     <p:extLst>
       <p:ext uri="{BB962C8B-B14F-4D97-AF65-F5344CB8AC3E}">
@@ -6432,6 +7304,98 @@
           </a:prstGeom>
         </p:spPr>
       </p:pic>
+      <p:sp>
+        <p:nvSpPr>
+          <p:cNvPr id="7" name="모서리가 둥근 직사각형 6"/>
+          <p:cNvSpPr/>
+          <p:nvPr/>
+        </p:nvSpPr>
+        <p:spPr>
+          <a:xfrm>
+            <a:off x="363518" y="428860"/>
+            <a:ext cx="5230458" cy="522549"/>
+          </a:xfrm>
+          <a:prstGeom prst="roundRect">
+            <a:avLst/>
+          </a:prstGeom>
+          <a:noFill/>
+          <a:ln>
+            <a:solidFill>
+              <a:schemeClr val="accent1"/>
+            </a:solidFill>
+          </a:ln>
+        </p:spPr>
+        <p:style>
+          <a:lnRef idx="2">
+            <a:schemeClr val="accent1">
+              <a:shade val="50000"/>
+            </a:schemeClr>
+          </a:lnRef>
+          <a:fillRef idx="1">
+            <a:schemeClr val="accent1"/>
+          </a:fillRef>
+          <a:effectRef idx="0">
+            <a:schemeClr val="accent1"/>
+          </a:effectRef>
+          <a:fontRef idx="minor">
+            <a:schemeClr val="lt1"/>
+          </a:fontRef>
+        </p:style>
+        <p:txBody>
+          <a:bodyPr rtlCol="0" anchor="ctr"/>
+          <a:lstStyle/>
+          <a:p>
+            <a:pPr algn="ctr"/>
+            <a:endParaRPr lang="ko-KR" altLang="en-US"/>
+          </a:p>
+        </p:txBody>
+      </p:sp>
+      <p:sp>
+        <p:nvSpPr>
+          <p:cNvPr id="10" name="모서리가 둥근 직사각형 9"/>
+          <p:cNvSpPr/>
+          <p:nvPr/>
+        </p:nvSpPr>
+        <p:spPr>
+          <a:xfrm>
+            <a:off x="6060839" y="428859"/>
+            <a:ext cx="5790501" cy="609899"/>
+          </a:xfrm>
+          <a:prstGeom prst="roundRect">
+            <a:avLst/>
+          </a:prstGeom>
+          <a:noFill/>
+          <a:ln>
+            <a:solidFill>
+              <a:schemeClr val="accent1"/>
+            </a:solidFill>
+          </a:ln>
+        </p:spPr>
+        <p:style>
+          <a:lnRef idx="2">
+            <a:schemeClr val="accent1">
+              <a:shade val="50000"/>
+            </a:schemeClr>
+          </a:lnRef>
+          <a:fillRef idx="1">
+            <a:schemeClr val="accent1"/>
+          </a:fillRef>
+          <a:effectRef idx="0">
+            <a:schemeClr val="accent1"/>
+          </a:effectRef>
+          <a:fontRef idx="minor">
+            <a:schemeClr val="lt1"/>
+          </a:fontRef>
+        </p:style>
+        <p:txBody>
+          <a:bodyPr rtlCol="0" anchor="ctr"/>
+          <a:lstStyle/>
+          <a:p>
+            <a:pPr algn="ctr"/>
+            <a:endParaRPr lang="ko-KR" altLang="en-US"/>
+          </a:p>
+        </p:txBody>
+      </p:sp>
     </p:spTree>
     <p:extLst>
       <p:ext uri="{BB962C8B-B14F-4D97-AF65-F5344CB8AC3E}">
@@ -6593,6 +7557,98 @@
           </a:p>
         </p:txBody>
       </p:sp>
+      <p:sp>
+        <p:nvSpPr>
+          <p:cNvPr id="8" name="모서리가 둥근 직사각형 7"/>
+          <p:cNvSpPr/>
+          <p:nvPr/>
+        </p:nvSpPr>
+        <p:spPr>
+          <a:xfrm>
+            <a:off x="5181598" y="3803905"/>
+            <a:ext cx="2791969" cy="219455"/>
+          </a:xfrm>
+          <a:prstGeom prst="roundRect">
+            <a:avLst/>
+          </a:prstGeom>
+          <a:noFill/>
+          <a:ln>
+            <a:solidFill>
+              <a:schemeClr val="accent1"/>
+            </a:solidFill>
+          </a:ln>
+        </p:spPr>
+        <p:style>
+          <a:lnRef idx="2">
+            <a:schemeClr val="accent1">
+              <a:shade val="50000"/>
+            </a:schemeClr>
+          </a:lnRef>
+          <a:fillRef idx="1">
+            <a:schemeClr val="accent1"/>
+          </a:fillRef>
+          <a:effectRef idx="0">
+            <a:schemeClr val="accent1"/>
+          </a:effectRef>
+          <a:fontRef idx="minor">
+            <a:schemeClr val="lt1"/>
+          </a:fontRef>
+        </p:style>
+        <p:txBody>
+          <a:bodyPr rtlCol="0" anchor="ctr"/>
+          <a:lstStyle/>
+          <a:p>
+            <a:pPr algn="ctr"/>
+            <a:endParaRPr lang="ko-KR" altLang="en-US"/>
+          </a:p>
+        </p:txBody>
+      </p:sp>
+      <p:sp>
+        <p:nvSpPr>
+          <p:cNvPr id="9" name="모서리가 둥근 직사각형 8"/>
+          <p:cNvSpPr/>
+          <p:nvPr/>
+        </p:nvSpPr>
+        <p:spPr>
+          <a:xfrm>
+            <a:off x="5181598" y="5943575"/>
+            <a:ext cx="3669794" cy="568690"/>
+          </a:xfrm>
+          <a:prstGeom prst="roundRect">
+            <a:avLst/>
+          </a:prstGeom>
+          <a:noFill/>
+          <a:ln>
+            <a:solidFill>
+              <a:schemeClr val="accent1"/>
+            </a:solidFill>
+          </a:ln>
+        </p:spPr>
+        <p:style>
+          <a:lnRef idx="2">
+            <a:schemeClr val="accent1">
+              <a:shade val="50000"/>
+            </a:schemeClr>
+          </a:lnRef>
+          <a:fillRef idx="1">
+            <a:schemeClr val="accent1"/>
+          </a:fillRef>
+          <a:effectRef idx="0">
+            <a:schemeClr val="accent1"/>
+          </a:effectRef>
+          <a:fontRef idx="minor">
+            <a:schemeClr val="lt1"/>
+          </a:fontRef>
+        </p:style>
+        <p:txBody>
+          <a:bodyPr rtlCol="0" anchor="ctr"/>
+          <a:lstStyle/>
+          <a:p>
+            <a:pPr algn="ctr"/>
+            <a:endParaRPr lang="ko-KR" altLang="en-US"/>
+          </a:p>
+        </p:txBody>
+      </p:sp>
     </p:spTree>
     <p:extLst>
       <p:ext uri="{BB962C8B-B14F-4D97-AF65-F5344CB8AC3E}">
@@ -6946,6 +8002,52 @@
           </a:prstGeom>
         </p:spPr>
       </p:pic>
+      <p:sp>
+        <p:nvSpPr>
+          <p:cNvPr id="10" name="모서리가 둥근 직사각형 9"/>
+          <p:cNvSpPr/>
+          <p:nvPr/>
+        </p:nvSpPr>
+        <p:spPr>
+          <a:xfrm>
+            <a:off x="383165" y="687629"/>
+            <a:ext cx="2864784" cy="378408"/>
+          </a:xfrm>
+          <a:prstGeom prst="roundRect">
+            <a:avLst/>
+          </a:prstGeom>
+          <a:noFill/>
+          <a:ln>
+            <a:solidFill>
+              <a:schemeClr val="accent1"/>
+            </a:solidFill>
+          </a:ln>
+        </p:spPr>
+        <p:style>
+          <a:lnRef idx="2">
+            <a:schemeClr val="accent1">
+              <a:shade val="50000"/>
+            </a:schemeClr>
+          </a:lnRef>
+          <a:fillRef idx="1">
+            <a:schemeClr val="accent1"/>
+          </a:fillRef>
+          <a:effectRef idx="0">
+            <a:schemeClr val="accent1"/>
+          </a:effectRef>
+          <a:fontRef idx="minor">
+            <a:schemeClr val="lt1"/>
+          </a:fontRef>
+        </p:style>
+        <p:txBody>
+          <a:bodyPr rtlCol="0" anchor="ctr"/>
+          <a:lstStyle/>
+          <a:p>
+            <a:pPr algn="ctr"/>
+            <a:endParaRPr lang="ko-KR" altLang="en-US"/>
+          </a:p>
+        </p:txBody>
+      </p:sp>
     </p:spTree>
     <p:extLst>
       <p:ext uri="{BB962C8B-B14F-4D97-AF65-F5344CB8AC3E}">
@@ -7354,18 +8456,25 @@
               <a:t>Call </a:t>
             </a:r>
             <a:r>
-              <a:rPr lang="en-US" altLang="ko-KR" dirty="0" err="1">
+              <a:rPr lang="en-US" altLang="ko-KR" dirty="0" err="1" smtClean="0">
                 <a:latin typeface="+mj-ea"/>
                 <a:ea typeface="+mj-ea"/>
               </a:rPr>
               <a:t>print_report</a:t>
             </a:r>
             <a:r>
+              <a:rPr lang="en-US" altLang="ko-KR" dirty="0" smtClean="0">
+                <a:latin typeface="+mj-ea"/>
+                <a:ea typeface="+mj-ea"/>
+              </a:rPr>
+              <a:t>(50,25</a:t>
+            </a:r>
+            <a:r>
               <a:rPr lang="en-US" altLang="ko-KR" dirty="0">
                 <a:latin typeface="+mj-ea"/>
                 <a:ea typeface="+mj-ea"/>
               </a:rPr>
-              <a:t>(50,25) </a:t>
+              <a:t>) </a:t>
             </a:r>
             <a:r>
               <a:rPr lang="ko-KR" altLang="en-US" dirty="0">
@@ -7438,18 +8547,25 @@
               <a:t>Call </a:t>
             </a:r>
             <a:r>
-              <a:rPr lang="en-US" altLang="ko-KR" dirty="0" err="1">
+              <a:rPr lang="en-US" altLang="ko-KR" dirty="0" err="1" smtClean="0">
                 <a:latin typeface="+mj-ea"/>
                 <a:ea typeface="+mj-ea"/>
               </a:rPr>
               <a:t>print_report</a:t>
             </a:r>
             <a:r>
+              <a:rPr lang="en-US" altLang="ko-KR" dirty="0" smtClean="0">
+                <a:latin typeface="+mj-ea"/>
+                <a:ea typeface="+mj-ea"/>
+              </a:rPr>
+              <a:t>(-</a:t>
+            </a:r>
+            <a:r>
               <a:rPr lang="en-US" altLang="ko-KR" dirty="0">
                 <a:latin typeface="+mj-ea"/>
                 <a:ea typeface="+mj-ea"/>
               </a:rPr>
-              <a:t>(-10,25) </a:t>
+              <a:t>10,25) </a:t>
             </a:r>
             <a:r>
               <a:rPr lang="ko-KR" altLang="en-US" dirty="0">
@@ -7663,13 +8779,7 @@
       </p:grpSpPr>
       <p:pic>
         <p:nvPicPr>
-          <p:cNvPr id="9" name="그림 8">
-            <a:extLst>
-              <a:ext uri="{FF2B5EF4-FFF2-40B4-BE49-F238E27FC236}">
-                <a16:creationId xmlns:a16="http://schemas.microsoft.com/office/drawing/2014/main" id="{ED8C7274-E9AB-4FA1-BEEE-80534D8ED7F1}"/>
-              </a:ext>
-            </a:extLst>
-          </p:cNvPr>
+          <p:cNvPr id="3" name="그림 2"/>
           <p:cNvPicPr>
             <a:picLocks noChangeAspect="1"/>
           </p:cNvPicPr>
@@ -7683,14 +8793,339 @@
         </p:blipFill>
         <p:spPr>
           <a:xfrm>
-            <a:off x="292855" y="381000"/>
-            <a:ext cx="4441726" cy="6096000"/>
-          </a:xfrm>
-          <a:prstGeom prst="rect">
-            <a:avLst/>
-          </a:prstGeom>
-        </p:spPr>
-      </p:pic>
+            <a:off x="5241838" y="381000"/>
+            <a:ext cx="4245962" cy="398489"/>
+          </a:xfrm>
+          <a:prstGeom prst="rect">
+            <a:avLst/>
+          </a:prstGeom>
+        </p:spPr>
+      </p:pic>
+      <p:sp>
+        <p:nvSpPr>
+          <p:cNvPr id="6" name="TextBox 5"/>
+          <p:cNvSpPr txBox="1"/>
+          <p:nvPr/>
+        </p:nvSpPr>
+        <p:spPr>
+          <a:xfrm>
+            <a:off x="5257908" y="2334810"/>
+            <a:ext cx="7255241" cy="923330"/>
+          </a:xfrm>
+          <a:prstGeom prst="rect">
+            <a:avLst/>
+          </a:prstGeom>
+          <a:noFill/>
+        </p:spPr>
+        <p:txBody>
+          <a:bodyPr wrap="square" rtlCol="0">
+            <a:spAutoFit/>
+          </a:bodyPr>
+          <a:lstStyle/>
+          <a:p>
+            <a:pPr marL="285750" indent="-285750">
+              <a:buFont typeface="Arial" panose="020B0604020202020204" pitchFamily="34" charset="0"/>
+              <a:buChar char="•"/>
+            </a:pPr>
+            <a:r>
+              <a:rPr lang="ko-KR" altLang="en-US" dirty="0" smtClean="0">
+                <a:latin typeface="+mj-ea"/>
+                <a:ea typeface="+mj-ea"/>
+              </a:rPr>
+              <a:t>현재 페이지에 대한  국어</a:t>
+            </a:r>
+            <a:r>
+              <a:rPr lang="en-US" altLang="ko-KR" dirty="0" smtClean="0">
+                <a:latin typeface="+mj-ea"/>
+                <a:ea typeface="+mj-ea"/>
+              </a:rPr>
+              <a:t>, </a:t>
+            </a:r>
+            <a:r>
+              <a:rPr lang="ko-KR" altLang="en-US" dirty="0" smtClean="0">
+                <a:latin typeface="+mj-ea"/>
+                <a:ea typeface="+mj-ea"/>
+              </a:rPr>
+              <a:t>영어</a:t>
+            </a:r>
+            <a:r>
+              <a:rPr lang="en-US" altLang="ko-KR" dirty="0" smtClean="0">
+                <a:latin typeface="+mj-ea"/>
+                <a:ea typeface="+mj-ea"/>
+              </a:rPr>
+              <a:t>, </a:t>
+            </a:r>
+            <a:r>
+              <a:rPr lang="ko-KR" altLang="en-US" dirty="0" smtClean="0">
+                <a:latin typeface="+mj-ea"/>
+                <a:ea typeface="+mj-ea"/>
+              </a:rPr>
+              <a:t>수학</a:t>
+            </a:r>
+            <a:r>
+              <a:rPr lang="en-US" altLang="ko-KR" dirty="0" smtClean="0">
+                <a:latin typeface="+mj-ea"/>
+                <a:ea typeface="+mj-ea"/>
+              </a:rPr>
+              <a:t>, </a:t>
+            </a:r>
+            <a:r>
+              <a:rPr lang="ko-KR" altLang="en-US" dirty="0" smtClean="0">
+                <a:latin typeface="+mj-ea"/>
+                <a:ea typeface="+mj-ea"/>
+              </a:rPr>
+              <a:t>총점</a:t>
+            </a:r>
+            <a:r>
+              <a:rPr lang="en-US" altLang="ko-KR" dirty="0" smtClean="0">
+                <a:latin typeface="+mj-ea"/>
+                <a:ea typeface="+mj-ea"/>
+              </a:rPr>
+              <a:t>, </a:t>
+            </a:r>
+            <a:r>
+              <a:rPr lang="ko-KR" altLang="en-US" dirty="0" smtClean="0">
+                <a:latin typeface="+mj-ea"/>
+                <a:ea typeface="+mj-ea"/>
+              </a:rPr>
+              <a:t>평균 의 합계</a:t>
+            </a:r>
+            <a:endParaRPr lang="en-US" altLang="ko-KR" dirty="0" smtClean="0">
+              <a:latin typeface="+mj-ea"/>
+              <a:ea typeface="+mj-ea"/>
+            </a:endParaRPr>
+          </a:p>
+          <a:p>
+            <a:pPr marL="285750" indent="-285750">
+              <a:buFont typeface="Arial" panose="020B0604020202020204" pitchFamily="34" charset="0"/>
+              <a:buChar char="•"/>
+            </a:pPr>
+            <a:endParaRPr lang="en-US" altLang="ko-KR" dirty="0">
+              <a:latin typeface="+mj-ea"/>
+              <a:ea typeface="+mj-ea"/>
+            </a:endParaRPr>
+          </a:p>
+          <a:p>
+            <a:pPr marL="285750" indent="-285750">
+              <a:buFont typeface="Arial" panose="020B0604020202020204" pitchFamily="34" charset="0"/>
+              <a:buChar char="•"/>
+            </a:pPr>
+            <a:r>
+              <a:rPr lang="ko-KR" altLang="en-US" dirty="0" smtClean="0">
+                <a:latin typeface="+mj-ea"/>
+                <a:ea typeface="+mj-ea"/>
+              </a:rPr>
+              <a:t>현재 페이지의 총 합계에 대한 평균 값 확인 </a:t>
+            </a:r>
+            <a:endParaRPr lang="ko-KR" altLang="en-US" dirty="0">
+              <a:latin typeface="+mj-ea"/>
+              <a:ea typeface="+mj-ea"/>
+            </a:endParaRPr>
+          </a:p>
+        </p:txBody>
+      </p:sp>
+      <p:pic>
+        <p:nvPicPr>
+          <p:cNvPr id="10" name="그림 9"/>
+          <p:cNvPicPr>
+            <a:picLocks noChangeAspect="1"/>
+          </p:cNvPicPr>
+          <p:nvPr/>
+        </p:nvPicPr>
+        <p:blipFill>
+          <a:blip r:embed="rId3"/>
+          <a:stretch>
+            <a:fillRect/>
+          </a:stretch>
+        </p:blipFill>
+        <p:spPr>
+          <a:xfrm>
+            <a:off x="5257908" y="880594"/>
+            <a:ext cx="4543607" cy="1353111"/>
+          </a:xfrm>
+          <a:prstGeom prst="rect">
+            <a:avLst/>
+          </a:prstGeom>
+        </p:spPr>
+      </p:pic>
+      <p:pic>
+        <p:nvPicPr>
+          <p:cNvPr id="2" name="그림 1"/>
+          <p:cNvPicPr>
+            <a:picLocks noChangeAspect="1"/>
+          </p:cNvPicPr>
+          <p:nvPr/>
+        </p:nvPicPr>
+        <p:blipFill>
+          <a:blip r:embed="rId4"/>
+          <a:stretch>
+            <a:fillRect/>
+          </a:stretch>
+        </p:blipFill>
+        <p:spPr>
+          <a:xfrm>
+            <a:off x="357666" y="301956"/>
+            <a:ext cx="3395468" cy="2896516"/>
+          </a:xfrm>
+          <a:prstGeom prst="rect">
+            <a:avLst/>
+          </a:prstGeom>
+        </p:spPr>
+      </p:pic>
+      <p:pic>
+        <p:nvPicPr>
+          <p:cNvPr id="4" name="그림 3"/>
+          <p:cNvPicPr>
+            <a:picLocks noChangeAspect="1"/>
+          </p:cNvPicPr>
+          <p:nvPr/>
+        </p:nvPicPr>
+        <p:blipFill>
+          <a:blip r:embed="rId5"/>
+          <a:stretch>
+            <a:fillRect/>
+          </a:stretch>
+        </p:blipFill>
+        <p:spPr>
+          <a:xfrm>
+            <a:off x="344018" y="3198472"/>
+            <a:ext cx="3859493" cy="3352979"/>
+          </a:xfrm>
+          <a:prstGeom prst="rect">
+            <a:avLst/>
+          </a:prstGeom>
+        </p:spPr>
+      </p:pic>
+      <p:pic>
+        <p:nvPicPr>
+          <p:cNvPr id="7" name="그림 6"/>
+          <p:cNvPicPr>
+            <a:picLocks noChangeAspect="1"/>
+          </p:cNvPicPr>
+          <p:nvPr/>
+        </p:nvPicPr>
+        <p:blipFill>
+          <a:blip r:embed="rId6"/>
+          <a:stretch>
+            <a:fillRect/>
+          </a:stretch>
+        </p:blipFill>
+        <p:spPr>
+          <a:xfrm>
+            <a:off x="5257908" y="3359244"/>
+            <a:ext cx="4225888" cy="421185"/>
+          </a:xfrm>
+          <a:prstGeom prst="rect">
+            <a:avLst/>
+          </a:prstGeom>
+        </p:spPr>
+      </p:pic>
+      <p:pic>
+        <p:nvPicPr>
+          <p:cNvPr id="8" name="그림 7"/>
+          <p:cNvPicPr>
+            <a:picLocks noChangeAspect="1"/>
+          </p:cNvPicPr>
+          <p:nvPr/>
+        </p:nvPicPr>
+        <p:blipFill>
+          <a:blip r:embed="rId7"/>
+          <a:stretch>
+            <a:fillRect/>
+          </a:stretch>
+        </p:blipFill>
+        <p:spPr>
+          <a:xfrm>
+            <a:off x="5257908" y="3780428"/>
+            <a:ext cx="4543607" cy="1371655"/>
+          </a:xfrm>
+          <a:prstGeom prst="rect">
+            <a:avLst/>
+          </a:prstGeom>
+        </p:spPr>
+      </p:pic>
+      <p:sp>
+        <p:nvSpPr>
+          <p:cNvPr id="9" name="직사각형 8"/>
+          <p:cNvSpPr/>
+          <p:nvPr/>
+        </p:nvSpPr>
+        <p:spPr>
+          <a:xfrm>
+            <a:off x="5257908" y="5152083"/>
+            <a:ext cx="6096000" cy="923330"/>
+          </a:xfrm>
+          <a:prstGeom prst="rect">
+            <a:avLst/>
+          </a:prstGeom>
+        </p:spPr>
+        <p:txBody>
+          <a:bodyPr>
+            <a:spAutoFit/>
+          </a:bodyPr>
+          <a:lstStyle/>
+          <a:p>
+            <a:pPr marL="285750" indent="-285750">
+              <a:lnSpc>
+                <a:spcPct val="150000"/>
+              </a:lnSpc>
+              <a:buFont typeface="Arial" panose="020B0604020202020204" pitchFamily="34" charset="0"/>
+              <a:buChar char="•"/>
+            </a:pPr>
+            <a:r>
+              <a:rPr lang="en-US" altLang="ko-KR" dirty="0" smtClean="0">
+                <a:latin typeface="+mj-ea"/>
+              </a:rPr>
+              <a:t>Limit _start</a:t>
+            </a:r>
+            <a:r>
+              <a:rPr lang="ko-KR" altLang="en-US" dirty="0" smtClean="0">
+                <a:latin typeface="+mj-ea"/>
+              </a:rPr>
+              <a:t>에 음수가 들어왔을 때는 </a:t>
+            </a:r>
+            <a:r>
+              <a:rPr lang="ko-KR" altLang="en-US" dirty="0" err="1" smtClean="0">
+                <a:latin typeface="+mj-ea"/>
+              </a:rPr>
+              <a:t>첫번째</a:t>
+            </a:r>
+            <a:r>
+              <a:rPr lang="ko-KR" altLang="en-US" dirty="0" smtClean="0">
+                <a:latin typeface="+mj-ea"/>
+              </a:rPr>
+              <a:t> 페이지가</a:t>
+            </a:r>
+            <a:r>
+              <a:rPr lang="ko-KR" altLang="en-US" dirty="0">
+                <a:latin typeface="+mj-ea"/>
+              </a:rPr>
+              <a:t> </a:t>
+            </a:r>
+            <a:r>
+              <a:rPr lang="ko-KR" altLang="en-US" dirty="0" smtClean="0">
+                <a:latin typeface="+mj-ea"/>
+              </a:rPr>
+              <a:t>계산되도록 </a:t>
+            </a:r>
+            <a:r>
+              <a:rPr lang="ko-KR" altLang="en-US" dirty="0" err="1" smtClean="0">
+                <a:latin typeface="+mj-ea"/>
+              </a:rPr>
+              <a:t>조건문</a:t>
+            </a:r>
+            <a:r>
+              <a:rPr lang="ko-KR" altLang="en-US" dirty="0" smtClean="0">
+                <a:latin typeface="+mj-ea"/>
+              </a:rPr>
+              <a:t> 추가</a:t>
+            </a:r>
+            <a:endParaRPr lang="en-US" altLang="ko-KR" dirty="0" smtClean="0">
+              <a:latin typeface="+mj-ea"/>
+            </a:endParaRPr>
+          </a:p>
+        </p:txBody>
+      </p:sp>
     </p:spTree>
     <p:extLst>
       <p:ext uri="{BB962C8B-B14F-4D97-AF65-F5344CB8AC3E}">
@@ -7723,13 +9158,7 @@
       </p:grpSpPr>
       <p:pic>
         <p:nvPicPr>
-          <p:cNvPr id="3" name="그림 2">
-            <a:extLst>
-              <a:ext uri="{FF2B5EF4-FFF2-40B4-BE49-F238E27FC236}">
-                <a16:creationId xmlns:a16="http://schemas.microsoft.com/office/drawing/2014/main" id="{310915AF-8C93-F2A1-1313-258E4F133DA9}"/>
-              </a:ext>
-            </a:extLst>
-          </p:cNvPr>
+          <p:cNvPr id="13" name="그림 12"/>
           <p:cNvPicPr>
             <a:picLocks noChangeAspect="1"/>
           </p:cNvPicPr>
@@ -7743,14 +9172,339 @@
         </p:blipFill>
         <p:spPr>
           <a:xfrm>
-            <a:off x="301523" y="336885"/>
-            <a:ext cx="4446940" cy="6245116"/>
-          </a:xfrm>
-          <a:prstGeom prst="rect">
-            <a:avLst/>
-          </a:prstGeom>
-        </p:spPr>
-      </p:pic>
+            <a:off x="344209" y="3766781"/>
+            <a:ext cx="4444771" cy="2841277"/>
+          </a:xfrm>
+          <a:prstGeom prst="rect">
+            <a:avLst/>
+          </a:prstGeom>
+        </p:spPr>
+      </p:pic>
+      <p:pic>
+        <p:nvPicPr>
+          <p:cNvPr id="6" name="그림 5"/>
+          <p:cNvPicPr>
+            <a:picLocks noChangeAspect="1"/>
+          </p:cNvPicPr>
+          <p:nvPr/>
+        </p:nvPicPr>
+        <p:blipFill>
+          <a:blip r:embed="rId3"/>
+          <a:stretch>
+            <a:fillRect/>
+          </a:stretch>
+        </p:blipFill>
+        <p:spPr>
+          <a:xfrm>
+            <a:off x="5089097" y="377785"/>
+            <a:ext cx="4698056" cy="443213"/>
+          </a:xfrm>
+          <a:prstGeom prst="rect">
+            <a:avLst/>
+          </a:prstGeom>
+        </p:spPr>
+      </p:pic>
+      <p:sp>
+        <p:nvSpPr>
+          <p:cNvPr id="8" name="TextBox 7"/>
+          <p:cNvSpPr txBox="1"/>
+          <p:nvPr/>
+        </p:nvSpPr>
+        <p:spPr>
+          <a:xfrm>
+            <a:off x="5089095" y="2322139"/>
+            <a:ext cx="7255241" cy="923330"/>
+          </a:xfrm>
+          <a:prstGeom prst="rect">
+            <a:avLst/>
+          </a:prstGeom>
+          <a:noFill/>
+        </p:spPr>
+        <p:txBody>
+          <a:bodyPr wrap="square" rtlCol="0">
+            <a:spAutoFit/>
+          </a:bodyPr>
+          <a:lstStyle/>
+          <a:p>
+            <a:pPr marL="285750" indent="-285750">
+              <a:buFont typeface="Arial" panose="020B0604020202020204" pitchFamily="34" charset="0"/>
+              <a:buChar char="•"/>
+            </a:pPr>
+            <a:r>
+              <a:rPr lang="ko-KR" altLang="en-US" dirty="0" smtClean="0">
+                <a:latin typeface="+mj-ea"/>
+                <a:ea typeface="+mj-ea"/>
+              </a:rPr>
+              <a:t>누적 페이지에 대한  국어</a:t>
+            </a:r>
+            <a:r>
+              <a:rPr lang="en-US" altLang="ko-KR" dirty="0" smtClean="0">
+                <a:latin typeface="+mj-ea"/>
+                <a:ea typeface="+mj-ea"/>
+              </a:rPr>
+              <a:t>, </a:t>
+            </a:r>
+            <a:r>
+              <a:rPr lang="ko-KR" altLang="en-US" dirty="0" smtClean="0">
+                <a:latin typeface="+mj-ea"/>
+                <a:ea typeface="+mj-ea"/>
+              </a:rPr>
+              <a:t>영어</a:t>
+            </a:r>
+            <a:r>
+              <a:rPr lang="en-US" altLang="ko-KR" dirty="0" smtClean="0">
+                <a:latin typeface="+mj-ea"/>
+                <a:ea typeface="+mj-ea"/>
+              </a:rPr>
+              <a:t>, </a:t>
+            </a:r>
+            <a:r>
+              <a:rPr lang="ko-KR" altLang="en-US" dirty="0" smtClean="0">
+                <a:latin typeface="+mj-ea"/>
+                <a:ea typeface="+mj-ea"/>
+              </a:rPr>
+              <a:t>수학</a:t>
+            </a:r>
+            <a:r>
+              <a:rPr lang="en-US" altLang="ko-KR" dirty="0" smtClean="0">
+                <a:latin typeface="+mj-ea"/>
+                <a:ea typeface="+mj-ea"/>
+              </a:rPr>
+              <a:t>, </a:t>
+            </a:r>
+            <a:r>
+              <a:rPr lang="ko-KR" altLang="en-US" dirty="0" smtClean="0">
+                <a:latin typeface="+mj-ea"/>
+                <a:ea typeface="+mj-ea"/>
+              </a:rPr>
+              <a:t>총점</a:t>
+            </a:r>
+            <a:r>
+              <a:rPr lang="en-US" altLang="ko-KR" dirty="0" smtClean="0">
+                <a:latin typeface="+mj-ea"/>
+                <a:ea typeface="+mj-ea"/>
+              </a:rPr>
+              <a:t>, </a:t>
+            </a:r>
+            <a:r>
+              <a:rPr lang="ko-KR" altLang="en-US" dirty="0" smtClean="0">
+                <a:latin typeface="+mj-ea"/>
+                <a:ea typeface="+mj-ea"/>
+              </a:rPr>
+              <a:t>평균 의 합계</a:t>
+            </a:r>
+            <a:endParaRPr lang="en-US" altLang="ko-KR" dirty="0" smtClean="0">
+              <a:latin typeface="+mj-ea"/>
+              <a:ea typeface="+mj-ea"/>
+            </a:endParaRPr>
+          </a:p>
+          <a:p>
+            <a:pPr marL="285750" indent="-285750">
+              <a:buFont typeface="Arial" panose="020B0604020202020204" pitchFamily="34" charset="0"/>
+              <a:buChar char="•"/>
+            </a:pPr>
+            <a:endParaRPr lang="en-US" altLang="ko-KR" dirty="0">
+              <a:latin typeface="+mj-ea"/>
+              <a:ea typeface="+mj-ea"/>
+            </a:endParaRPr>
+          </a:p>
+          <a:p>
+            <a:pPr marL="285750" indent="-285750">
+              <a:buFont typeface="Arial" panose="020B0604020202020204" pitchFamily="34" charset="0"/>
+              <a:buChar char="•"/>
+            </a:pPr>
+            <a:r>
+              <a:rPr lang="ko-KR" altLang="en-US" dirty="0" smtClean="0">
+                <a:latin typeface="+mj-ea"/>
+                <a:ea typeface="+mj-ea"/>
+              </a:rPr>
+              <a:t>누적 페이지의 총 합계에 대한 평균 값 확인 </a:t>
+            </a:r>
+            <a:endParaRPr lang="ko-KR" altLang="en-US" dirty="0">
+              <a:latin typeface="+mj-ea"/>
+              <a:ea typeface="+mj-ea"/>
+            </a:endParaRPr>
+          </a:p>
+        </p:txBody>
+      </p:sp>
+      <p:pic>
+        <p:nvPicPr>
+          <p:cNvPr id="12" name="그림 11"/>
+          <p:cNvPicPr>
+            <a:picLocks noChangeAspect="1"/>
+          </p:cNvPicPr>
+          <p:nvPr/>
+        </p:nvPicPr>
+        <p:blipFill>
+          <a:blip r:embed="rId4"/>
+          <a:stretch>
+            <a:fillRect/>
+          </a:stretch>
+        </p:blipFill>
+        <p:spPr>
+          <a:xfrm>
+            <a:off x="5089095" y="874102"/>
+            <a:ext cx="4559871" cy="1373626"/>
+          </a:xfrm>
+          <a:prstGeom prst="rect">
+            <a:avLst/>
+          </a:prstGeom>
+        </p:spPr>
+      </p:pic>
+      <p:pic>
+        <p:nvPicPr>
+          <p:cNvPr id="2" name="그림 1"/>
+          <p:cNvPicPr>
+            <a:picLocks noChangeAspect="1"/>
+          </p:cNvPicPr>
+          <p:nvPr/>
+        </p:nvPicPr>
+        <p:blipFill>
+          <a:blip r:embed="rId5"/>
+          <a:stretch>
+            <a:fillRect/>
+          </a:stretch>
+        </p:blipFill>
+        <p:spPr>
+          <a:xfrm>
+            <a:off x="344209" y="302783"/>
+            <a:ext cx="3149618" cy="3482694"/>
+          </a:xfrm>
+          <a:prstGeom prst="rect">
+            <a:avLst/>
+          </a:prstGeom>
+        </p:spPr>
+      </p:pic>
+      <p:pic>
+        <p:nvPicPr>
+          <p:cNvPr id="3" name="그림 2"/>
+          <p:cNvPicPr>
+            <a:picLocks noChangeAspect="1"/>
+          </p:cNvPicPr>
+          <p:nvPr/>
+        </p:nvPicPr>
+        <p:blipFill>
+          <a:blip r:embed="rId6"/>
+          <a:stretch>
+            <a:fillRect/>
+          </a:stretch>
+        </p:blipFill>
+        <p:spPr>
+          <a:xfrm>
+            <a:off x="5089095" y="3319880"/>
+            <a:ext cx="4559871" cy="496313"/>
+          </a:xfrm>
+          <a:prstGeom prst="rect">
+            <a:avLst/>
+          </a:prstGeom>
+        </p:spPr>
+      </p:pic>
+      <p:pic>
+        <p:nvPicPr>
+          <p:cNvPr id="4" name="그림 3"/>
+          <p:cNvPicPr>
+            <a:picLocks noChangeAspect="1"/>
+          </p:cNvPicPr>
+          <p:nvPr/>
+        </p:nvPicPr>
+        <p:blipFill>
+          <a:blip r:embed="rId7"/>
+          <a:stretch>
+            <a:fillRect/>
+          </a:stretch>
+        </p:blipFill>
+        <p:spPr>
+          <a:xfrm>
+            <a:off x="5089095" y="3890604"/>
+            <a:ext cx="4698058" cy="1369654"/>
+          </a:xfrm>
+          <a:prstGeom prst="rect">
+            <a:avLst/>
+          </a:prstGeom>
+        </p:spPr>
+      </p:pic>
+      <p:sp>
+        <p:nvSpPr>
+          <p:cNvPr id="10" name="직사각형 9"/>
+          <p:cNvSpPr/>
+          <p:nvPr/>
+        </p:nvSpPr>
+        <p:spPr>
+          <a:xfrm>
+            <a:off x="5089095" y="5260258"/>
+            <a:ext cx="6096000" cy="923330"/>
+          </a:xfrm>
+          <a:prstGeom prst="rect">
+            <a:avLst/>
+          </a:prstGeom>
+        </p:spPr>
+        <p:txBody>
+          <a:bodyPr>
+            <a:spAutoFit/>
+          </a:bodyPr>
+          <a:lstStyle/>
+          <a:p>
+            <a:pPr marL="285750" indent="-285750">
+              <a:lnSpc>
+                <a:spcPct val="150000"/>
+              </a:lnSpc>
+              <a:buFont typeface="Arial" panose="020B0604020202020204" pitchFamily="34" charset="0"/>
+              <a:buChar char="•"/>
+            </a:pPr>
+            <a:r>
+              <a:rPr lang="en-US" altLang="ko-KR" dirty="0" smtClean="0">
+                <a:latin typeface="+mj-ea"/>
+              </a:rPr>
+              <a:t>Limit _start</a:t>
+            </a:r>
+            <a:r>
+              <a:rPr lang="ko-KR" altLang="en-US" dirty="0" smtClean="0">
+                <a:latin typeface="+mj-ea"/>
+              </a:rPr>
+              <a:t>에 음수가 들어왔을 때는 </a:t>
+            </a:r>
+            <a:r>
+              <a:rPr lang="ko-KR" altLang="en-US" dirty="0" err="1" smtClean="0">
+                <a:latin typeface="+mj-ea"/>
+              </a:rPr>
+              <a:t>첫번째</a:t>
+            </a:r>
+            <a:r>
+              <a:rPr lang="ko-KR" altLang="en-US" dirty="0" smtClean="0">
+                <a:latin typeface="+mj-ea"/>
+              </a:rPr>
+              <a:t> 페이지가</a:t>
+            </a:r>
+            <a:r>
+              <a:rPr lang="ko-KR" altLang="en-US" dirty="0">
+                <a:latin typeface="+mj-ea"/>
+              </a:rPr>
+              <a:t> </a:t>
+            </a:r>
+            <a:r>
+              <a:rPr lang="ko-KR" altLang="en-US" dirty="0" smtClean="0">
+                <a:latin typeface="+mj-ea"/>
+              </a:rPr>
+              <a:t>계산되도록 </a:t>
+            </a:r>
+            <a:r>
+              <a:rPr lang="ko-KR" altLang="en-US" dirty="0" err="1" smtClean="0">
+                <a:latin typeface="+mj-ea"/>
+              </a:rPr>
+              <a:t>조건문</a:t>
+            </a:r>
+            <a:r>
+              <a:rPr lang="ko-KR" altLang="en-US" dirty="0" smtClean="0">
+                <a:latin typeface="+mj-ea"/>
+              </a:rPr>
+              <a:t> 추가</a:t>
+            </a:r>
+            <a:endParaRPr lang="en-US" altLang="ko-KR" dirty="0" smtClean="0">
+              <a:latin typeface="+mj-ea"/>
+            </a:endParaRPr>
+          </a:p>
+        </p:txBody>
+      </p:sp>
     </p:spTree>
     <p:extLst>
       <p:ext uri="{BB962C8B-B14F-4D97-AF65-F5344CB8AC3E}">
@@ -7783,13 +9537,7 @@
       </p:grpSpPr>
       <p:pic>
         <p:nvPicPr>
-          <p:cNvPr id="3" name="그림 2">
-            <a:extLst>
-              <a:ext uri="{FF2B5EF4-FFF2-40B4-BE49-F238E27FC236}">
-                <a16:creationId xmlns:a16="http://schemas.microsoft.com/office/drawing/2014/main" id="{C7D7F8CB-EC83-4700-19B7-D38082773E5B}"/>
-              </a:ext>
-            </a:extLst>
-          </p:cNvPr>
+          <p:cNvPr id="5" name="그림 4"/>
           <p:cNvPicPr>
             <a:picLocks noChangeAspect="1"/>
           </p:cNvPicPr>
@@ -7803,14 +9551,160 @@
         </p:blipFill>
         <p:spPr>
           <a:xfrm>
-            <a:off x="384499" y="348109"/>
-            <a:ext cx="7316221" cy="771633"/>
-          </a:xfrm>
-          <a:prstGeom prst="rect">
-            <a:avLst/>
-          </a:prstGeom>
-        </p:spPr>
-      </p:pic>
+            <a:off x="319119" y="1498238"/>
+            <a:ext cx="3110178" cy="4966883"/>
+          </a:xfrm>
+          <a:prstGeom prst="rect">
+            <a:avLst/>
+          </a:prstGeom>
+        </p:spPr>
+      </p:pic>
+      <p:pic>
+        <p:nvPicPr>
+          <p:cNvPr id="6" name="그림 5"/>
+          <p:cNvPicPr>
+            <a:picLocks noChangeAspect="1"/>
+          </p:cNvPicPr>
+          <p:nvPr/>
+        </p:nvPicPr>
+        <p:blipFill>
+          <a:blip r:embed="rId3"/>
+          <a:stretch>
+            <a:fillRect/>
+          </a:stretch>
+        </p:blipFill>
+        <p:spPr>
+          <a:xfrm>
+            <a:off x="6052188" y="494961"/>
+            <a:ext cx="5800532" cy="818141"/>
+          </a:xfrm>
+          <a:prstGeom prst="rect">
+            <a:avLst/>
+          </a:prstGeom>
+        </p:spPr>
+      </p:pic>
+      <p:pic>
+        <p:nvPicPr>
+          <p:cNvPr id="7" name="그림 6"/>
+          <p:cNvPicPr>
+            <a:picLocks noChangeAspect="1"/>
+          </p:cNvPicPr>
+          <p:nvPr/>
+        </p:nvPicPr>
+        <p:blipFill>
+          <a:blip r:embed="rId4"/>
+          <a:stretch>
+            <a:fillRect/>
+          </a:stretch>
+        </p:blipFill>
+        <p:spPr>
+          <a:xfrm>
+            <a:off x="6052187" y="1498238"/>
+            <a:ext cx="3869781" cy="4966883"/>
+          </a:xfrm>
+          <a:prstGeom prst="rect">
+            <a:avLst/>
+          </a:prstGeom>
+        </p:spPr>
+      </p:pic>
+      <p:pic>
+        <p:nvPicPr>
+          <p:cNvPr id="8" name="그림 7"/>
+          <p:cNvPicPr>
+            <a:picLocks noChangeAspect="1"/>
+          </p:cNvPicPr>
+          <p:nvPr/>
+        </p:nvPicPr>
+        <p:blipFill>
+          <a:blip r:embed="rId5"/>
+          <a:stretch>
+            <a:fillRect/>
+          </a:stretch>
+        </p:blipFill>
+        <p:spPr>
+          <a:xfrm>
+            <a:off x="319120" y="494961"/>
+            <a:ext cx="5446198" cy="778028"/>
+          </a:xfrm>
+          <a:prstGeom prst="rect">
+            <a:avLst/>
+          </a:prstGeom>
+        </p:spPr>
+      </p:pic>
+      <p:sp>
+        <p:nvSpPr>
+          <p:cNvPr id="9" name="직사각형 8"/>
+          <p:cNvSpPr/>
+          <p:nvPr/>
+        </p:nvSpPr>
+        <p:spPr>
+          <a:xfrm>
+            <a:off x="3489077" y="1498238"/>
+            <a:ext cx="2503330" cy="338554"/>
+          </a:xfrm>
+          <a:prstGeom prst="rect">
+            <a:avLst/>
+          </a:prstGeom>
+        </p:spPr>
+        <p:txBody>
+          <a:bodyPr wrap="square">
+            <a:spAutoFit/>
+          </a:bodyPr>
+          <a:lstStyle/>
+          <a:p>
+            <a:pPr marL="285750" indent="-285750">
+              <a:buFont typeface="Arial" panose="020B0604020202020204" pitchFamily="34" charset="0"/>
+              <a:buChar char="•"/>
+            </a:pPr>
+            <a:r>
+              <a:rPr lang="ko-KR" altLang="en-US" sz="1600" dirty="0" smtClean="0">
+                <a:latin typeface="+mj-ea"/>
+              </a:rPr>
+              <a:t>등수 내림차순 확인 </a:t>
+            </a:r>
+            <a:endParaRPr lang="ko-KR" altLang="en-US" sz="1600" dirty="0">
+              <a:latin typeface="+mj-ea"/>
+            </a:endParaRPr>
+          </a:p>
+        </p:txBody>
+      </p:sp>
+      <p:sp>
+        <p:nvSpPr>
+          <p:cNvPr id="10" name="직사각형 9"/>
+          <p:cNvSpPr/>
+          <p:nvPr/>
+        </p:nvSpPr>
+        <p:spPr>
+          <a:xfrm>
+            <a:off x="9981748" y="1498238"/>
+            <a:ext cx="2037214" cy="584775"/>
+          </a:xfrm>
+          <a:prstGeom prst="rect">
+            <a:avLst/>
+          </a:prstGeom>
+        </p:spPr>
+        <p:txBody>
+          <a:bodyPr wrap="square">
+            <a:spAutoFit/>
+          </a:bodyPr>
+          <a:lstStyle/>
+          <a:p>
+            <a:pPr marL="285750" indent="-285750">
+              <a:buFont typeface="Arial" panose="020B0604020202020204" pitchFamily="34" charset="0"/>
+              <a:buChar char="•"/>
+            </a:pPr>
+            <a:r>
+              <a:rPr lang="ko-KR" altLang="en-US" sz="1600" dirty="0" smtClean="0">
+                <a:latin typeface="+mj-ea"/>
+              </a:rPr>
+              <a:t>학번 기준 등수 정보 확인</a:t>
+            </a:r>
+            <a:endParaRPr lang="en-US" altLang="ko-KR" sz="1600" dirty="0" smtClean="0">
+              <a:latin typeface="+mj-ea"/>
+            </a:endParaRPr>
+          </a:p>
+        </p:txBody>
+      </p:sp>
     </p:spTree>
     <p:extLst>
       <p:ext uri="{BB962C8B-B14F-4D97-AF65-F5344CB8AC3E}">
@@ -7841,6 +9735,208 @@
           <a:chExt cx="0" cy="0"/>
         </a:xfrm>
       </p:grpSpPr>
+      <p:sp>
+        <p:nvSpPr>
+          <p:cNvPr id="2" name="TextBox 1"/>
+          <p:cNvSpPr txBox="1"/>
+          <p:nvPr/>
+        </p:nvSpPr>
+        <p:spPr>
+          <a:xfrm>
+            <a:off x="6992472" y="481262"/>
+            <a:ext cx="4195482" cy="584775"/>
+          </a:xfrm>
+          <a:prstGeom prst="rect">
+            <a:avLst/>
+          </a:prstGeom>
+          <a:noFill/>
+        </p:spPr>
+        <p:txBody>
+          <a:bodyPr wrap="square" rtlCol="0">
+            <a:spAutoFit/>
+          </a:bodyPr>
+          <a:lstStyle/>
+          <a:p>
+            <a:pPr marL="457200" indent="-457200">
+              <a:buFont typeface="Arial" panose="020B0604020202020204" pitchFamily="34" charset="0"/>
+              <a:buChar char="•"/>
+            </a:pPr>
+            <a:r>
+              <a:rPr lang="en-US" altLang="ko-KR" sz="3200" dirty="0" smtClean="0">
+                <a:solidFill>
+                  <a:schemeClr val="accent1"/>
+                </a:solidFill>
+                <a:latin typeface="+mj-ea"/>
+                <a:ea typeface="+mj-ea"/>
+              </a:rPr>
+              <a:t>Training(2)</a:t>
+            </a:r>
+            <a:endParaRPr lang="ko-KR" altLang="en-US" sz="3200" dirty="0">
+              <a:solidFill>
+                <a:schemeClr val="accent1"/>
+              </a:solidFill>
+              <a:latin typeface="+mj-ea"/>
+              <a:ea typeface="+mj-ea"/>
+            </a:endParaRPr>
+          </a:p>
+        </p:txBody>
+      </p:sp>
+      <p:sp>
+        <p:nvSpPr>
+          <p:cNvPr id="3" name="TextBox 2"/>
+          <p:cNvSpPr txBox="1"/>
+          <p:nvPr/>
+        </p:nvSpPr>
+        <p:spPr>
+          <a:xfrm>
+            <a:off x="7117977" y="1238456"/>
+            <a:ext cx="4267199" cy="400110"/>
+          </a:xfrm>
+          <a:prstGeom prst="rect">
+            <a:avLst/>
+          </a:prstGeom>
+          <a:noFill/>
+        </p:spPr>
+        <p:txBody>
+          <a:bodyPr wrap="square" rtlCol="0">
+            <a:spAutoFit/>
+          </a:bodyPr>
+          <a:lstStyle/>
+          <a:p>
+            <a:pPr marL="285750" indent="-285750">
+              <a:buFont typeface="Arial" panose="020B0604020202020204" pitchFamily="34" charset="0"/>
+              <a:buChar char="•"/>
+            </a:pPr>
+            <a:r>
+              <a:rPr lang="ko-KR" altLang="en-US" sz="2000" dirty="0" err="1" smtClean="0"/>
+              <a:t>와이파이</a:t>
+            </a:r>
+            <a:r>
+              <a:rPr lang="ko-KR" altLang="en-US" sz="2000" dirty="0" smtClean="0"/>
+              <a:t> 테이블 만들기</a:t>
+            </a:r>
+            <a:endParaRPr lang="ko-KR" altLang="en-US" sz="2000" dirty="0"/>
+          </a:p>
+        </p:txBody>
+      </p:sp>
+      <p:pic>
+        <p:nvPicPr>
+          <p:cNvPr id="5" name="그림 4"/>
+          <p:cNvPicPr>
+            <a:picLocks noChangeAspect="1"/>
+          </p:cNvPicPr>
+          <p:nvPr/>
+        </p:nvPicPr>
+        <p:blipFill>
+          <a:blip r:embed="rId2"/>
+          <a:stretch>
+            <a:fillRect/>
+          </a:stretch>
+        </p:blipFill>
+        <p:spPr>
+          <a:xfrm>
+            <a:off x="6022928" y="3814597"/>
+            <a:ext cx="5773389" cy="2707227"/>
+          </a:xfrm>
+          <a:prstGeom prst="rect">
+            <a:avLst/>
+          </a:prstGeom>
+        </p:spPr>
+      </p:pic>
+      <p:pic>
+        <p:nvPicPr>
+          <p:cNvPr id="6" name="그림 5"/>
+          <p:cNvPicPr>
+            <a:picLocks noChangeAspect="1"/>
+          </p:cNvPicPr>
+          <p:nvPr/>
+        </p:nvPicPr>
+        <p:blipFill>
+          <a:blip r:embed="rId3"/>
+          <a:stretch>
+            <a:fillRect/>
+          </a:stretch>
+        </p:blipFill>
+        <p:spPr>
+          <a:xfrm>
+            <a:off x="6022928" y="2118307"/>
+            <a:ext cx="2097869" cy="1529695"/>
+          </a:xfrm>
+          <a:prstGeom prst="rect">
+            <a:avLst/>
+          </a:prstGeom>
+        </p:spPr>
+      </p:pic>
+      <p:pic>
+        <p:nvPicPr>
+          <p:cNvPr id="8" name="그림 7"/>
+          <p:cNvPicPr>
+            <a:picLocks noChangeAspect="1"/>
+          </p:cNvPicPr>
+          <p:nvPr/>
+        </p:nvPicPr>
+        <p:blipFill>
+          <a:blip r:embed="rId4"/>
+          <a:stretch>
+            <a:fillRect/>
+          </a:stretch>
+        </p:blipFill>
+        <p:spPr>
+          <a:xfrm>
+            <a:off x="334766" y="290347"/>
+            <a:ext cx="4099861" cy="6231477"/>
+          </a:xfrm>
+          <a:prstGeom prst="rect">
+            <a:avLst/>
+          </a:prstGeom>
+        </p:spPr>
+      </p:pic>
+      <p:sp>
+        <p:nvSpPr>
+          <p:cNvPr id="7" name="모서리가 둥근 직사각형 6"/>
+          <p:cNvSpPr/>
+          <p:nvPr/>
+        </p:nvSpPr>
+        <p:spPr>
+          <a:xfrm>
+            <a:off x="420220" y="584445"/>
+            <a:ext cx="3220647" cy="378408"/>
+          </a:xfrm>
+          <a:prstGeom prst="roundRect">
+            <a:avLst/>
+          </a:prstGeom>
+          <a:noFill/>
+          <a:ln>
+            <a:solidFill>
+              <a:schemeClr val="accent1"/>
+            </a:solidFill>
+          </a:ln>
+        </p:spPr>
+        <p:style>
+          <a:lnRef idx="2">
+            <a:schemeClr val="accent1">
+              <a:shade val="50000"/>
+            </a:schemeClr>
+          </a:lnRef>
+          <a:fillRef idx="1">
+            <a:schemeClr val="accent1"/>
+          </a:fillRef>
+          <a:effectRef idx="0">
+            <a:schemeClr val="accent1"/>
+          </a:effectRef>
+          <a:fontRef idx="minor">
+            <a:schemeClr val="lt1"/>
+          </a:fontRef>
+        </p:style>
+        <p:txBody>
+          <a:bodyPr rtlCol="0" anchor="ctr"/>
+          <a:lstStyle/>
+          <a:p>
+            <a:pPr algn="ctr"/>
+            <a:endParaRPr lang="ko-KR" altLang="en-US"/>
+          </a:p>
+        </p:txBody>
+      </p:sp>
     </p:spTree>
     <p:extLst>
       <p:ext uri="{BB962C8B-B14F-4D97-AF65-F5344CB8AC3E}">
@@ -7871,6 +9967,272 @@
           <a:chExt cx="0" cy="0"/>
         </a:xfrm>
       </p:grpSpPr>
+      <p:pic>
+        <p:nvPicPr>
+          <p:cNvPr id="2" name="그림 1"/>
+          <p:cNvPicPr>
+            <a:picLocks noChangeAspect="1"/>
+          </p:cNvPicPr>
+          <p:nvPr/>
+        </p:nvPicPr>
+        <p:blipFill>
+          <a:blip r:embed="rId2"/>
+          <a:stretch>
+            <a:fillRect/>
+          </a:stretch>
+        </p:blipFill>
+        <p:spPr>
+          <a:xfrm>
+            <a:off x="392883" y="489116"/>
+            <a:ext cx="4179117" cy="511729"/>
+          </a:xfrm>
+          <a:prstGeom prst="rect">
+            <a:avLst/>
+          </a:prstGeom>
+        </p:spPr>
+      </p:pic>
+      <p:pic>
+        <p:nvPicPr>
+          <p:cNvPr id="3" name="그림 2"/>
+          <p:cNvPicPr>
+            <a:picLocks noChangeAspect="1"/>
+          </p:cNvPicPr>
+          <p:nvPr/>
+        </p:nvPicPr>
+        <p:blipFill>
+          <a:blip r:embed="rId3"/>
+          <a:stretch>
+            <a:fillRect/>
+          </a:stretch>
+        </p:blipFill>
+        <p:spPr>
+          <a:xfrm>
+            <a:off x="392883" y="1258390"/>
+            <a:ext cx="4992890" cy="4156292"/>
+          </a:xfrm>
+          <a:prstGeom prst="rect">
+            <a:avLst/>
+          </a:prstGeom>
+        </p:spPr>
+      </p:pic>
+      <p:pic>
+        <p:nvPicPr>
+          <p:cNvPr id="4" name="그림 3"/>
+          <p:cNvPicPr>
+            <a:picLocks noChangeAspect="1"/>
+          </p:cNvPicPr>
+          <p:nvPr/>
+        </p:nvPicPr>
+        <p:blipFill>
+          <a:blip r:embed="rId4"/>
+          <a:stretch>
+            <a:fillRect/>
+          </a:stretch>
+        </p:blipFill>
+        <p:spPr>
+          <a:xfrm>
+            <a:off x="6663406" y="489116"/>
+            <a:ext cx="4168737" cy="558313"/>
+          </a:xfrm>
+          <a:prstGeom prst="rect">
+            <a:avLst/>
+          </a:prstGeom>
+        </p:spPr>
+      </p:pic>
+      <p:pic>
+        <p:nvPicPr>
+          <p:cNvPr id="5" name="그림 4"/>
+          <p:cNvPicPr>
+            <a:picLocks noChangeAspect="1"/>
+          </p:cNvPicPr>
+          <p:nvPr/>
+        </p:nvPicPr>
+        <p:blipFill>
+          <a:blip r:embed="rId5"/>
+          <a:stretch>
+            <a:fillRect/>
+          </a:stretch>
+        </p:blipFill>
+        <p:spPr>
+          <a:xfrm>
+            <a:off x="6663406" y="1258390"/>
+            <a:ext cx="5028490" cy="4156292"/>
+          </a:xfrm>
+          <a:prstGeom prst="rect">
+            <a:avLst/>
+          </a:prstGeom>
+        </p:spPr>
+      </p:pic>
+      <p:sp>
+        <p:nvSpPr>
+          <p:cNvPr id="6" name="직사각형 5"/>
+          <p:cNvSpPr/>
+          <p:nvPr/>
+        </p:nvSpPr>
+        <p:spPr>
+          <a:xfrm>
+            <a:off x="392883" y="5672227"/>
+            <a:ext cx="3842655" cy="369332"/>
+          </a:xfrm>
+          <a:prstGeom prst="rect">
+            <a:avLst/>
+          </a:prstGeom>
+        </p:spPr>
+        <p:txBody>
+          <a:bodyPr wrap="none">
+            <a:spAutoFit/>
+          </a:bodyPr>
+          <a:lstStyle/>
+          <a:p>
+            <a:pPr marL="342900" indent="-342900">
+              <a:buFont typeface="Arial" panose="020B0604020202020204" pitchFamily="34" charset="0"/>
+              <a:buChar char="•"/>
+            </a:pPr>
+            <a:r>
+              <a:rPr lang="en-US" altLang="ko-KR" dirty="0">
+                <a:latin typeface="+mj-ea"/>
+              </a:rPr>
+              <a:t>Call </a:t>
+            </a:r>
+            <a:r>
+              <a:rPr lang="en-US" altLang="ko-KR" dirty="0" err="1" smtClean="0">
+                <a:latin typeface="+mj-ea"/>
+              </a:rPr>
+              <a:t>print_freewifi</a:t>
+            </a:r>
+            <a:r>
+              <a:rPr lang="en-US" altLang="ko-KR" dirty="0" smtClean="0">
+                <a:latin typeface="+mj-ea"/>
+              </a:rPr>
+              <a:t> (5,25</a:t>
+            </a:r>
+            <a:r>
+              <a:rPr lang="en-US" altLang="ko-KR" dirty="0">
+                <a:latin typeface="+mj-ea"/>
+              </a:rPr>
+              <a:t>) </a:t>
+            </a:r>
+            <a:r>
+              <a:rPr lang="ko-KR" altLang="en-US" dirty="0">
+                <a:latin typeface="+mj-ea"/>
+              </a:rPr>
+              <a:t>값 조회</a:t>
+            </a:r>
+            <a:endParaRPr lang="en-US" altLang="ko-KR" dirty="0">
+              <a:latin typeface="+mj-ea"/>
+            </a:endParaRPr>
+          </a:p>
+        </p:txBody>
+      </p:sp>
+      <p:sp>
+        <p:nvSpPr>
+          <p:cNvPr id="7" name="직사각형 6"/>
+          <p:cNvSpPr/>
+          <p:nvPr/>
+        </p:nvSpPr>
+        <p:spPr>
+          <a:xfrm>
+            <a:off x="6663406" y="5603521"/>
+            <a:ext cx="4063869" cy="1200329"/>
+          </a:xfrm>
+          <a:prstGeom prst="rect">
+            <a:avLst/>
+          </a:prstGeom>
+        </p:spPr>
+        <p:txBody>
+          <a:bodyPr wrap="none">
+            <a:spAutoFit/>
+          </a:bodyPr>
+          <a:lstStyle/>
+          <a:p>
+            <a:pPr marL="342900" indent="-342900">
+              <a:buFont typeface="Arial" panose="020B0604020202020204" pitchFamily="34" charset="0"/>
+              <a:buChar char="•"/>
+            </a:pPr>
+            <a:r>
+              <a:rPr lang="en-US" altLang="ko-KR" dirty="0">
+                <a:latin typeface="+mj-ea"/>
+              </a:rPr>
+              <a:t>Call </a:t>
+            </a:r>
+            <a:r>
+              <a:rPr lang="en-US" altLang="ko-KR" dirty="0" err="1" smtClean="0">
+                <a:latin typeface="+mj-ea"/>
+              </a:rPr>
+              <a:t>print_freewifi</a:t>
+            </a:r>
+            <a:r>
+              <a:rPr lang="en-US" altLang="ko-KR" dirty="0" smtClean="0">
+                <a:latin typeface="+mj-ea"/>
+              </a:rPr>
+              <a:t> (-10,25</a:t>
+            </a:r>
+            <a:r>
+              <a:rPr lang="en-US" altLang="ko-KR" dirty="0">
+                <a:latin typeface="+mj-ea"/>
+              </a:rPr>
+              <a:t>) </a:t>
+            </a:r>
+            <a:r>
+              <a:rPr lang="ko-KR" altLang="en-US" dirty="0">
+                <a:latin typeface="+mj-ea"/>
+              </a:rPr>
+              <a:t>값 </a:t>
+            </a:r>
+            <a:r>
+              <a:rPr lang="ko-KR" altLang="en-US" dirty="0" smtClean="0">
+                <a:latin typeface="+mj-ea"/>
+              </a:rPr>
+              <a:t>조회</a:t>
+            </a:r>
+            <a:endParaRPr lang="en-US" altLang="ko-KR" dirty="0" smtClean="0">
+              <a:latin typeface="+mj-ea"/>
+            </a:endParaRPr>
+          </a:p>
+          <a:p>
+            <a:pPr marL="342900" indent="-342900">
+              <a:buFont typeface="Arial" panose="020B0604020202020204" pitchFamily="34" charset="0"/>
+              <a:buChar char="•"/>
+            </a:pPr>
+            <a:endParaRPr lang="en-US" altLang="ko-KR" dirty="0" smtClean="0">
+              <a:latin typeface="+mj-ea"/>
+            </a:endParaRPr>
+          </a:p>
+          <a:p>
+            <a:pPr marL="342900" indent="-342900">
+              <a:buFont typeface="Arial" panose="020B0604020202020204" pitchFamily="34" charset="0"/>
+              <a:buChar char="•"/>
+            </a:pPr>
+            <a:r>
+              <a:rPr lang="en-US" altLang="ko-KR" dirty="0">
+                <a:latin typeface="+mj-ea"/>
+              </a:rPr>
+              <a:t>(1</a:t>
+            </a:r>
+            <a:r>
+              <a:rPr lang="ko-KR" altLang="en-US" dirty="0">
+                <a:latin typeface="+mj-ea"/>
+              </a:rPr>
+              <a:t>보다 작은 값 입력</a:t>
+            </a:r>
+            <a:r>
+              <a:rPr lang="en-US" altLang="ko-KR" dirty="0">
+                <a:latin typeface="+mj-ea"/>
+              </a:rPr>
+              <a:t>)</a:t>
+            </a:r>
+          </a:p>
+          <a:p>
+            <a:pPr marL="342900" indent="-342900">
+              <a:buFont typeface="Arial" panose="020B0604020202020204" pitchFamily="34" charset="0"/>
+              <a:buChar char="•"/>
+            </a:pPr>
+            <a:endParaRPr lang="en-US" altLang="ko-KR" dirty="0">
+              <a:latin typeface="+mj-ea"/>
+            </a:endParaRPr>
+          </a:p>
+        </p:txBody>
+      </p:sp>
     </p:spTree>
     <p:extLst>
       <p:ext uri="{BB962C8B-B14F-4D97-AF65-F5344CB8AC3E}">
@@ -7901,6 +10263,163 @@
           <a:chExt cx="0" cy="0"/>
         </a:xfrm>
       </p:grpSpPr>
+      <p:pic>
+        <p:nvPicPr>
+          <p:cNvPr id="2" name="그림 1"/>
+          <p:cNvPicPr>
+            <a:picLocks noChangeAspect="1"/>
+          </p:cNvPicPr>
+          <p:nvPr/>
+        </p:nvPicPr>
+        <p:blipFill>
+          <a:blip r:embed="rId2"/>
+          <a:stretch>
+            <a:fillRect/>
+          </a:stretch>
+        </p:blipFill>
+        <p:spPr>
+          <a:xfrm>
+            <a:off x="508009" y="495002"/>
+            <a:ext cx="5606999" cy="526973"/>
+          </a:xfrm>
+          <a:prstGeom prst="rect">
+            <a:avLst/>
+          </a:prstGeom>
+        </p:spPr>
+      </p:pic>
+      <p:pic>
+        <p:nvPicPr>
+          <p:cNvPr id="3" name="그림 2"/>
+          <p:cNvPicPr>
+            <a:picLocks noChangeAspect="1"/>
+          </p:cNvPicPr>
+          <p:nvPr/>
+        </p:nvPicPr>
+        <p:blipFill>
+          <a:blip r:embed="rId3"/>
+          <a:stretch>
+            <a:fillRect/>
+          </a:stretch>
+        </p:blipFill>
+        <p:spPr>
+          <a:xfrm>
+            <a:off x="508009" y="1271556"/>
+            <a:ext cx="5315692" cy="4458322"/>
+          </a:xfrm>
+          <a:prstGeom prst="rect">
+            <a:avLst/>
+          </a:prstGeom>
+        </p:spPr>
+      </p:pic>
+      <p:sp>
+        <p:nvSpPr>
+          <p:cNvPr id="4" name="직사각형 3"/>
+          <p:cNvSpPr/>
+          <p:nvPr/>
+        </p:nvSpPr>
+        <p:spPr>
+          <a:xfrm>
+            <a:off x="6490447" y="1228676"/>
+            <a:ext cx="6096000" cy="1338828"/>
+          </a:xfrm>
+          <a:prstGeom prst="rect">
+            <a:avLst/>
+          </a:prstGeom>
+        </p:spPr>
+        <p:txBody>
+          <a:bodyPr>
+            <a:spAutoFit/>
+          </a:bodyPr>
+          <a:lstStyle/>
+          <a:p>
+            <a:pPr marL="285750" indent="-285750">
+              <a:lnSpc>
+                <a:spcPct val="150000"/>
+              </a:lnSpc>
+              <a:buFont typeface="Arial" panose="020B0604020202020204" pitchFamily="34" charset="0"/>
+              <a:buChar char="•"/>
+            </a:pPr>
+            <a:r>
+              <a:rPr lang="en-US" altLang="ko-KR" dirty="0">
+                <a:latin typeface="+mj-ea"/>
+              </a:rPr>
+              <a:t>Call </a:t>
+            </a:r>
+            <a:r>
+              <a:rPr lang="en-US" altLang="ko-KR" dirty="0" err="1" smtClean="0">
+                <a:latin typeface="+mj-ea"/>
+              </a:rPr>
+              <a:t>print_freewifi</a:t>
+            </a:r>
+            <a:r>
+              <a:rPr lang="en-US" altLang="ko-KR" dirty="0" smtClean="0">
+                <a:latin typeface="+mj-ea"/>
+              </a:rPr>
+              <a:t> (20000,25</a:t>
+            </a:r>
+            <a:r>
+              <a:rPr lang="en-US" altLang="ko-KR" dirty="0">
+                <a:latin typeface="+mj-ea"/>
+              </a:rPr>
+              <a:t>) </a:t>
+            </a:r>
+            <a:r>
+              <a:rPr lang="ko-KR" altLang="en-US" dirty="0">
+                <a:latin typeface="+mj-ea"/>
+              </a:rPr>
+              <a:t>값 </a:t>
+            </a:r>
+            <a:r>
+              <a:rPr lang="ko-KR" altLang="en-US" dirty="0" smtClean="0">
+                <a:latin typeface="+mj-ea"/>
+              </a:rPr>
+              <a:t>조회</a:t>
+            </a:r>
+            <a:endParaRPr lang="en-US" altLang="ko-KR" dirty="0" smtClean="0">
+              <a:latin typeface="+mj-ea"/>
+            </a:endParaRPr>
+          </a:p>
+          <a:p>
+            <a:pPr marL="285750" indent="-285750">
+              <a:lnSpc>
+                <a:spcPct val="150000"/>
+              </a:lnSpc>
+              <a:buFont typeface="Arial" panose="020B0604020202020204" pitchFamily="34" charset="0"/>
+              <a:buChar char="•"/>
+            </a:pPr>
+            <a:endParaRPr lang="en-US" altLang="ko-KR" dirty="0">
+              <a:latin typeface="+mj-ea"/>
+            </a:endParaRPr>
+          </a:p>
+          <a:p>
+            <a:pPr marL="285750" indent="-285750">
+              <a:lnSpc>
+                <a:spcPct val="150000"/>
+              </a:lnSpc>
+              <a:buFont typeface="Arial" panose="020B0604020202020204" pitchFamily="34" charset="0"/>
+              <a:buChar char="•"/>
+            </a:pPr>
+            <a:r>
+              <a:rPr lang="en-US" altLang="ko-KR" dirty="0">
+                <a:latin typeface="+mj-ea"/>
+              </a:rPr>
+              <a:t>(</a:t>
+            </a:r>
+            <a:r>
+              <a:rPr lang="ko-KR" altLang="en-US" dirty="0">
+                <a:latin typeface="+mj-ea"/>
+              </a:rPr>
+              <a:t>마지막 페이지보다 큰 값 입력</a:t>
+            </a:r>
+            <a:r>
+              <a:rPr lang="en-US" altLang="ko-KR" dirty="0">
+                <a:latin typeface="+mj-ea"/>
+              </a:rPr>
+              <a:t>)</a:t>
+            </a:r>
+          </a:p>
+        </p:txBody>
+      </p:sp>
     </p:spTree>
     <p:extLst>
       <p:ext uri="{BB962C8B-B14F-4D97-AF65-F5344CB8AC3E}">
@@ -7931,40 +10450,98 @@
           <a:chExt cx="0" cy="0"/>
         </a:xfrm>
       </p:grpSpPr>
+      <p:pic>
+        <p:nvPicPr>
+          <p:cNvPr id="2" name="그림 1"/>
+          <p:cNvPicPr>
+            <a:picLocks noChangeAspect="1"/>
+          </p:cNvPicPr>
+          <p:nvPr/>
+        </p:nvPicPr>
+        <p:blipFill>
+          <a:blip r:embed="rId2"/>
+          <a:stretch>
+            <a:fillRect/>
+          </a:stretch>
+        </p:blipFill>
+        <p:spPr>
+          <a:xfrm>
+            <a:off x="352022" y="366556"/>
+            <a:ext cx="8696728" cy="3372493"/>
+          </a:xfrm>
+          <a:prstGeom prst="rect">
+            <a:avLst/>
+          </a:prstGeom>
+        </p:spPr>
+      </p:pic>
+      <p:pic>
+        <p:nvPicPr>
+          <p:cNvPr id="3" name="그림 2"/>
+          <p:cNvPicPr>
+            <a:picLocks noChangeAspect="1"/>
+          </p:cNvPicPr>
+          <p:nvPr/>
+        </p:nvPicPr>
+        <p:blipFill>
+          <a:blip r:embed="rId3"/>
+          <a:stretch>
+            <a:fillRect/>
+          </a:stretch>
+        </p:blipFill>
+        <p:spPr>
+          <a:xfrm>
+            <a:off x="352022" y="4267170"/>
+            <a:ext cx="8753740" cy="967749"/>
+          </a:xfrm>
+          <a:prstGeom prst="rect">
+            <a:avLst/>
+          </a:prstGeom>
+        </p:spPr>
+      </p:pic>
+      <p:sp>
+        <p:nvSpPr>
+          <p:cNvPr id="4" name="직사각형 3"/>
+          <p:cNvSpPr/>
+          <p:nvPr/>
+        </p:nvSpPr>
+        <p:spPr>
+          <a:xfrm>
+            <a:off x="9555314" y="524205"/>
+            <a:ext cx="2170787" cy="507831"/>
+          </a:xfrm>
+          <a:prstGeom prst="rect">
+            <a:avLst/>
+          </a:prstGeom>
+        </p:spPr>
+        <p:txBody>
+          <a:bodyPr wrap="none">
+            <a:spAutoFit/>
+          </a:bodyPr>
+          <a:lstStyle/>
+          <a:p>
+            <a:pPr marL="285750" indent="-285750">
+              <a:lnSpc>
+                <a:spcPct val="150000"/>
+              </a:lnSpc>
+              <a:buFont typeface="Arial" panose="020B0604020202020204" pitchFamily="34" charset="0"/>
+              <a:buChar char="•"/>
+            </a:pPr>
+            <a:r>
+              <a:rPr lang="ko-KR" altLang="en-US" smtClean="0">
+                <a:latin typeface="+mj-ea"/>
+              </a:rPr>
+              <a:t>최단거리 구하기</a:t>
+            </a:r>
+            <a:endParaRPr lang="en-US" altLang="ko-KR" dirty="0">
+              <a:latin typeface="+mj-ea"/>
+            </a:endParaRPr>
+          </a:p>
+        </p:txBody>
+      </p:sp>
     </p:spTree>
     <p:extLst>
       <p:ext uri="{BB962C8B-B14F-4D97-AF65-F5344CB8AC3E}">
         <p14:creationId xmlns:p14="http://schemas.microsoft.com/office/powerpoint/2010/main" val="2022398780"/>
-      </p:ext>
-    </p:extLst>
-  </p:cSld>
-  <p:clrMapOvr>
-    <a:masterClrMapping/>
-  </p:clrMapOvr>
-</p:sld>
-</file>
-
-<file path=ppt/slides/slide37.xml><?xml version="1.0" encoding="utf-8"?>
-<p:sld xmlns:a="http://schemas.openxmlformats.org/drawingml/2006/main" xmlns:r="http://schemas.openxmlformats.org/officeDocument/2006/relationships" xmlns:p="http://schemas.openxmlformats.org/presentationml/2006/main">
-  <p:cSld>
-    <p:spTree>
-      <p:nvGrpSpPr>
-        <p:cNvPr id="1" name=""/>
-        <p:cNvGrpSpPr/>
-        <p:nvPr/>
-      </p:nvGrpSpPr>
-      <p:grpSpPr>
-        <a:xfrm>
-          <a:off x="0" y="0"/>
-          <a:ext cx="0" cy="0"/>
-          <a:chOff x="0" y="0"/>
-          <a:chExt cx="0" cy="0"/>
-        </a:xfrm>
-      </p:grpSpPr>
-    </p:spTree>
-    <p:extLst>
-      <p:ext uri="{BB962C8B-B14F-4D97-AF65-F5344CB8AC3E}">
-        <p14:creationId xmlns:p14="http://schemas.microsoft.com/office/powerpoint/2010/main" val="4262771397"/>
       </p:ext>
     </p:extLst>
   </p:cSld>
@@ -8087,6 +10664,98 @@
           </a:prstGeom>
         </p:spPr>
       </p:pic>
+      <p:sp>
+        <p:nvSpPr>
+          <p:cNvPr id="7" name="모서리가 둥근 직사각형 6"/>
+          <p:cNvSpPr/>
+          <p:nvPr/>
+        </p:nvSpPr>
+        <p:spPr>
+          <a:xfrm>
+            <a:off x="319736" y="398527"/>
+            <a:ext cx="5788456" cy="262246"/>
+          </a:xfrm>
+          <a:prstGeom prst="roundRect">
+            <a:avLst/>
+          </a:prstGeom>
+          <a:noFill/>
+          <a:ln>
+            <a:solidFill>
+              <a:schemeClr val="accent1"/>
+            </a:solidFill>
+          </a:ln>
+        </p:spPr>
+        <p:style>
+          <a:lnRef idx="2">
+            <a:schemeClr val="accent1">
+              <a:shade val="50000"/>
+            </a:schemeClr>
+          </a:lnRef>
+          <a:fillRef idx="1">
+            <a:schemeClr val="accent1"/>
+          </a:fillRef>
+          <a:effectRef idx="0">
+            <a:schemeClr val="accent1"/>
+          </a:effectRef>
+          <a:fontRef idx="minor">
+            <a:schemeClr val="lt1"/>
+          </a:fontRef>
+        </p:style>
+        <p:txBody>
+          <a:bodyPr rtlCol="0" anchor="ctr"/>
+          <a:lstStyle/>
+          <a:p>
+            <a:pPr algn="ctr"/>
+            <a:endParaRPr lang="ko-KR" altLang="en-US"/>
+          </a:p>
+        </p:txBody>
+      </p:sp>
+      <p:sp>
+        <p:nvSpPr>
+          <p:cNvPr id="8" name="모서리가 둥근 직사각형 7"/>
+          <p:cNvSpPr/>
+          <p:nvPr/>
+        </p:nvSpPr>
+        <p:spPr>
+          <a:xfrm>
+            <a:off x="6186525" y="398527"/>
+            <a:ext cx="5722621" cy="262246"/>
+          </a:xfrm>
+          <a:prstGeom prst="roundRect">
+            <a:avLst/>
+          </a:prstGeom>
+          <a:noFill/>
+          <a:ln>
+            <a:solidFill>
+              <a:schemeClr val="accent1"/>
+            </a:solidFill>
+          </a:ln>
+        </p:spPr>
+        <p:style>
+          <a:lnRef idx="2">
+            <a:schemeClr val="accent1">
+              <a:shade val="50000"/>
+            </a:schemeClr>
+          </a:lnRef>
+          <a:fillRef idx="1">
+            <a:schemeClr val="accent1"/>
+          </a:fillRef>
+          <a:effectRef idx="0">
+            <a:schemeClr val="accent1"/>
+          </a:effectRef>
+          <a:fontRef idx="minor">
+            <a:schemeClr val="lt1"/>
+          </a:fontRef>
+        </p:style>
+        <p:txBody>
+          <a:bodyPr rtlCol="0" anchor="ctr"/>
+          <a:lstStyle/>
+          <a:p>
+            <a:pPr algn="ctr"/>
+            <a:endParaRPr lang="ko-KR" altLang="en-US"/>
+          </a:p>
+        </p:txBody>
+      </p:sp>
     </p:spTree>
     <p:extLst>
       <p:ext uri="{BB962C8B-B14F-4D97-AF65-F5344CB8AC3E}">
@@ -8213,6 +10882,98 @@
           </a:prstGeom>
         </p:spPr>
       </p:pic>
+      <p:sp>
+        <p:nvSpPr>
+          <p:cNvPr id="8" name="모서리가 둥근 직사각형 7"/>
+          <p:cNvSpPr/>
+          <p:nvPr/>
+        </p:nvSpPr>
+        <p:spPr>
+          <a:xfrm>
+            <a:off x="332586" y="392223"/>
+            <a:ext cx="6010323" cy="265209"/>
+          </a:xfrm>
+          <a:prstGeom prst="roundRect">
+            <a:avLst/>
+          </a:prstGeom>
+          <a:noFill/>
+          <a:ln>
+            <a:solidFill>
+              <a:schemeClr val="accent1"/>
+            </a:solidFill>
+          </a:ln>
+        </p:spPr>
+        <p:style>
+          <a:lnRef idx="2">
+            <a:schemeClr val="accent1">
+              <a:shade val="50000"/>
+            </a:schemeClr>
+          </a:lnRef>
+          <a:fillRef idx="1">
+            <a:schemeClr val="accent1"/>
+          </a:fillRef>
+          <a:effectRef idx="0">
+            <a:schemeClr val="accent1"/>
+          </a:effectRef>
+          <a:fontRef idx="minor">
+            <a:schemeClr val="lt1"/>
+          </a:fontRef>
+        </p:style>
+        <p:txBody>
+          <a:bodyPr rtlCol="0" anchor="ctr"/>
+          <a:lstStyle/>
+          <a:p>
+            <a:pPr algn="ctr"/>
+            <a:endParaRPr lang="ko-KR" altLang="en-US"/>
+          </a:p>
+        </p:txBody>
+      </p:sp>
+      <p:sp>
+        <p:nvSpPr>
+          <p:cNvPr id="9" name="모서리가 둥근 직사각형 8"/>
+          <p:cNvSpPr/>
+          <p:nvPr/>
+        </p:nvSpPr>
+        <p:spPr>
+          <a:xfrm>
+            <a:off x="6452006" y="382355"/>
+            <a:ext cx="5449824" cy="275077"/>
+          </a:xfrm>
+          <a:prstGeom prst="roundRect">
+            <a:avLst/>
+          </a:prstGeom>
+          <a:noFill/>
+          <a:ln>
+            <a:solidFill>
+              <a:schemeClr val="accent1"/>
+            </a:solidFill>
+          </a:ln>
+        </p:spPr>
+        <p:style>
+          <a:lnRef idx="2">
+            <a:schemeClr val="accent1">
+              <a:shade val="50000"/>
+            </a:schemeClr>
+          </a:lnRef>
+          <a:fillRef idx="1">
+            <a:schemeClr val="accent1"/>
+          </a:fillRef>
+          <a:effectRef idx="0">
+            <a:schemeClr val="accent1"/>
+          </a:effectRef>
+          <a:fontRef idx="minor">
+            <a:schemeClr val="lt1"/>
+          </a:fontRef>
+        </p:style>
+        <p:txBody>
+          <a:bodyPr rtlCol="0" anchor="ctr"/>
+          <a:lstStyle/>
+          <a:p>
+            <a:pPr algn="ctr"/>
+            <a:endParaRPr lang="ko-KR" altLang="en-US"/>
+          </a:p>
+        </p:txBody>
+      </p:sp>
     </p:spTree>
     <p:extLst>
       <p:ext uri="{BB962C8B-B14F-4D97-AF65-F5344CB8AC3E}">
@@ -8339,6 +11100,98 @@
           </a:prstGeom>
         </p:spPr>
       </p:pic>
+      <p:sp>
+        <p:nvSpPr>
+          <p:cNvPr id="7" name="모서리가 둥근 직사각형 6"/>
+          <p:cNvSpPr/>
+          <p:nvPr/>
+        </p:nvSpPr>
+        <p:spPr>
+          <a:xfrm>
+            <a:off x="332586" y="392223"/>
+            <a:ext cx="5689843" cy="272958"/>
+          </a:xfrm>
+          <a:prstGeom prst="roundRect">
+            <a:avLst/>
+          </a:prstGeom>
+          <a:noFill/>
+          <a:ln>
+            <a:solidFill>
+              <a:schemeClr val="accent1"/>
+            </a:solidFill>
+          </a:ln>
+        </p:spPr>
+        <p:style>
+          <a:lnRef idx="2">
+            <a:schemeClr val="accent1">
+              <a:shade val="50000"/>
+            </a:schemeClr>
+          </a:lnRef>
+          <a:fillRef idx="1">
+            <a:schemeClr val="accent1"/>
+          </a:fillRef>
+          <a:effectRef idx="0">
+            <a:schemeClr val="accent1"/>
+          </a:effectRef>
+          <a:fontRef idx="minor">
+            <a:schemeClr val="lt1"/>
+          </a:fontRef>
+        </p:style>
+        <p:txBody>
+          <a:bodyPr rtlCol="0" anchor="ctr"/>
+          <a:lstStyle/>
+          <a:p>
+            <a:pPr algn="ctr"/>
+            <a:endParaRPr lang="ko-KR" altLang="en-US"/>
+          </a:p>
+        </p:txBody>
+      </p:sp>
+      <p:sp>
+        <p:nvSpPr>
+          <p:cNvPr id="8" name="모서리가 둥근 직사각형 7"/>
+          <p:cNvSpPr/>
+          <p:nvPr/>
+        </p:nvSpPr>
+        <p:spPr>
+          <a:xfrm>
+            <a:off x="6469408" y="374976"/>
+            <a:ext cx="5417792" cy="290205"/>
+          </a:xfrm>
+          <a:prstGeom prst="roundRect">
+            <a:avLst/>
+          </a:prstGeom>
+          <a:noFill/>
+          <a:ln>
+            <a:solidFill>
+              <a:schemeClr val="accent1"/>
+            </a:solidFill>
+          </a:ln>
+        </p:spPr>
+        <p:style>
+          <a:lnRef idx="2">
+            <a:schemeClr val="accent1">
+              <a:shade val="50000"/>
+            </a:schemeClr>
+          </a:lnRef>
+          <a:fillRef idx="1">
+            <a:schemeClr val="accent1"/>
+          </a:fillRef>
+          <a:effectRef idx="0">
+            <a:schemeClr val="accent1"/>
+          </a:effectRef>
+          <a:fontRef idx="minor">
+            <a:schemeClr val="lt1"/>
+          </a:fontRef>
+        </p:style>
+        <p:txBody>
+          <a:bodyPr rtlCol="0" anchor="ctr"/>
+          <a:lstStyle/>
+          <a:p>
+            <a:pPr algn="ctr"/>
+            <a:endParaRPr lang="ko-KR" altLang="en-US"/>
+          </a:p>
+        </p:txBody>
+      </p:sp>
     </p:spTree>
     <p:extLst>
       <p:ext uri="{BB962C8B-B14F-4D97-AF65-F5344CB8AC3E}">
@@ -8465,6 +11318,98 @@
           </a:prstGeom>
         </p:spPr>
       </p:pic>
+      <p:sp>
+        <p:nvSpPr>
+          <p:cNvPr id="6" name="모서리가 둥근 직사각형 5"/>
+          <p:cNvSpPr/>
+          <p:nvPr/>
+        </p:nvSpPr>
+        <p:spPr>
+          <a:xfrm>
+            <a:off x="375581" y="428283"/>
+            <a:ext cx="5403427" cy="277410"/>
+          </a:xfrm>
+          <a:prstGeom prst="roundRect">
+            <a:avLst/>
+          </a:prstGeom>
+          <a:noFill/>
+          <a:ln>
+            <a:solidFill>
+              <a:schemeClr val="accent1"/>
+            </a:solidFill>
+          </a:ln>
+        </p:spPr>
+        <p:style>
+          <a:lnRef idx="2">
+            <a:schemeClr val="accent1">
+              <a:shade val="50000"/>
+            </a:schemeClr>
+          </a:lnRef>
+          <a:fillRef idx="1">
+            <a:schemeClr val="accent1"/>
+          </a:fillRef>
+          <a:effectRef idx="0">
+            <a:schemeClr val="accent1"/>
+          </a:effectRef>
+          <a:fontRef idx="minor">
+            <a:schemeClr val="lt1"/>
+          </a:fontRef>
+        </p:style>
+        <p:txBody>
+          <a:bodyPr rtlCol="0" anchor="ctr"/>
+          <a:lstStyle/>
+          <a:p>
+            <a:pPr algn="ctr"/>
+            <a:endParaRPr lang="ko-KR" altLang="en-US"/>
+          </a:p>
+        </p:txBody>
+      </p:sp>
+      <p:sp>
+        <p:nvSpPr>
+          <p:cNvPr id="7" name="모서리가 둥근 직사각형 6"/>
+          <p:cNvSpPr/>
+          <p:nvPr/>
+        </p:nvSpPr>
+        <p:spPr>
+          <a:xfrm>
+            <a:off x="5984553" y="428283"/>
+            <a:ext cx="5926177" cy="277410"/>
+          </a:xfrm>
+          <a:prstGeom prst="roundRect">
+            <a:avLst/>
+          </a:prstGeom>
+          <a:noFill/>
+          <a:ln>
+            <a:solidFill>
+              <a:schemeClr val="accent1"/>
+            </a:solidFill>
+          </a:ln>
+        </p:spPr>
+        <p:style>
+          <a:lnRef idx="2">
+            <a:schemeClr val="accent1">
+              <a:shade val="50000"/>
+            </a:schemeClr>
+          </a:lnRef>
+          <a:fillRef idx="1">
+            <a:schemeClr val="accent1"/>
+          </a:fillRef>
+          <a:effectRef idx="0">
+            <a:schemeClr val="accent1"/>
+          </a:effectRef>
+          <a:fontRef idx="minor">
+            <a:schemeClr val="lt1"/>
+          </a:fontRef>
+        </p:style>
+        <p:txBody>
+          <a:bodyPr rtlCol="0" anchor="ctr"/>
+          <a:lstStyle/>
+          <a:p>
+            <a:pPr algn="ctr"/>
+            <a:endParaRPr lang="ko-KR" altLang="en-US"/>
+          </a:p>
+        </p:txBody>
+      </p:sp>
     </p:spTree>
     <p:extLst>
       <p:ext uri="{BB962C8B-B14F-4D97-AF65-F5344CB8AC3E}">
@@ -8593,176 +11538,93 @@
       </p:pic>
       <p:sp>
         <p:nvSpPr>
-          <p:cNvPr id="8" name="TextBox 7"/>
-          <p:cNvSpPr txBox="1"/>
-          <p:nvPr/>
-        </p:nvSpPr>
-        <p:spPr>
-          <a:xfrm>
-            <a:off x="312582" y="767037"/>
-            <a:ext cx="5634676" cy="523220"/>
-          </a:xfrm>
-          <a:prstGeom prst="rect">
+          <p:cNvPr id="10" name="모서리가 둥근 직사각형 9"/>
+          <p:cNvSpPr/>
+          <p:nvPr/>
+        </p:nvSpPr>
+        <p:spPr>
+          <a:xfrm>
+            <a:off x="332586" y="409150"/>
+            <a:ext cx="5614672" cy="305018"/>
+          </a:xfrm>
+          <a:prstGeom prst="roundRect">
             <a:avLst/>
           </a:prstGeom>
           <a:noFill/>
-        </p:spPr>
-        <p:txBody>
-          <a:bodyPr wrap="square" rtlCol="0">
-            <a:spAutoFit/>
-          </a:bodyPr>
+          <a:ln>
+            <a:solidFill>
+              <a:schemeClr val="accent1"/>
+            </a:solidFill>
+          </a:ln>
+        </p:spPr>
+        <p:style>
+          <a:lnRef idx="2">
+            <a:schemeClr val="accent1">
+              <a:shade val="50000"/>
+            </a:schemeClr>
+          </a:lnRef>
+          <a:fillRef idx="1">
+            <a:schemeClr val="accent1"/>
+          </a:fillRef>
+          <a:effectRef idx="0">
+            <a:schemeClr val="accent1"/>
+          </a:effectRef>
+          <a:fontRef idx="minor">
+            <a:schemeClr val="lt1"/>
+          </a:fontRef>
+        </p:style>
+        <p:txBody>
+          <a:bodyPr rtlCol="0" anchor="ctr"/>
           <a:lstStyle/>
           <a:p>
-            <a:r>
-              <a:rPr lang="en-US" altLang="ko-KR" sz="1400" dirty="0">
-                <a:latin typeface="+mj-ea"/>
-                <a:ea typeface="+mj-ea"/>
-              </a:rPr>
-              <a:t>Select *, (</a:t>
-            </a:r>
-            <a:r>
-              <a:rPr lang="en-US" altLang="ko-KR" sz="1400" dirty="0" err="1">
-                <a:latin typeface="+mj-ea"/>
-                <a:ea typeface="+mj-ea"/>
-              </a:rPr>
-              <a:t>kor+eng+mat</a:t>
-            </a:r>
-            <a:r>
-              <a:rPr lang="en-US" altLang="ko-KR" sz="1400" dirty="0">
-                <a:latin typeface="+mj-ea"/>
-                <a:ea typeface="+mj-ea"/>
-              </a:rPr>
-              <a:t>)/3 from </a:t>
-            </a:r>
-            <a:r>
-              <a:rPr lang="en-US" altLang="ko-KR" sz="1400" dirty="0" err="1">
-                <a:latin typeface="+mj-ea"/>
-                <a:ea typeface="+mj-ea"/>
-              </a:rPr>
-              <a:t>examtable</a:t>
-            </a:r>
-            <a:r>
-              <a:rPr lang="en-US" altLang="ko-KR" sz="1400" dirty="0">
-                <a:latin typeface="+mj-ea"/>
-                <a:ea typeface="+mj-ea"/>
-              </a:rPr>
-              <a:t> order by (</a:t>
-            </a:r>
-            <a:r>
-              <a:rPr lang="en-US" altLang="ko-KR" sz="1400" dirty="0" err="1">
-                <a:latin typeface="+mj-ea"/>
-                <a:ea typeface="+mj-ea"/>
-              </a:rPr>
-              <a:t>kor+eng+mat</a:t>
-            </a:r>
-            <a:r>
-              <a:rPr lang="en-US" altLang="ko-KR" sz="1400" dirty="0">
-                <a:latin typeface="+mj-ea"/>
-                <a:ea typeface="+mj-ea"/>
-              </a:rPr>
-              <a:t>)/3 </a:t>
-            </a:r>
-            <a:r>
-              <a:rPr lang="en-US" altLang="ko-KR" sz="1400" dirty="0" err="1">
-                <a:latin typeface="+mj-ea"/>
-                <a:ea typeface="+mj-ea"/>
-              </a:rPr>
-              <a:t>desc</a:t>
-            </a:r>
-            <a:r>
-              <a:rPr lang="en-US" altLang="ko-KR" sz="1400" dirty="0">
-                <a:latin typeface="+mj-ea"/>
-                <a:ea typeface="+mj-ea"/>
-              </a:rPr>
-              <a:t>;</a:t>
-            </a:r>
-            <a:endParaRPr lang="ko-KR" altLang="en-US" sz="1400" dirty="0">
-              <a:latin typeface="+mj-ea"/>
-              <a:ea typeface="+mj-ea"/>
-            </a:endParaRPr>
-          </a:p>
-        </p:txBody>
-      </p:sp>
-      <p:sp>
-        <p:nvSpPr>
-          <p:cNvPr id="9" name="TextBox 8"/>
-          <p:cNvSpPr txBox="1"/>
-          <p:nvPr/>
-        </p:nvSpPr>
-        <p:spPr>
-          <a:xfrm>
-            <a:off x="6127219" y="767037"/>
-            <a:ext cx="5634676" cy="307777"/>
-          </a:xfrm>
-          <a:prstGeom prst="rect">
+            <a:pPr algn="ctr"/>
+            <a:endParaRPr lang="ko-KR" altLang="en-US"/>
+          </a:p>
+        </p:txBody>
+      </p:sp>
+      <p:sp>
+        <p:nvSpPr>
+          <p:cNvPr id="11" name="모서리가 둥근 직사각형 10"/>
+          <p:cNvSpPr/>
+          <p:nvPr/>
+        </p:nvSpPr>
+        <p:spPr>
+          <a:xfrm>
+            <a:off x="6060436" y="409150"/>
+            <a:ext cx="5768242" cy="305018"/>
+          </a:xfrm>
+          <a:prstGeom prst="roundRect">
             <a:avLst/>
           </a:prstGeom>
           <a:noFill/>
-        </p:spPr>
-        <p:txBody>
-          <a:bodyPr wrap="square" rtlCol="0">
-            <a:spAutoFit/>
-          </a:bodyPr>
+          <a:ln>
+            <a:solidFill>
+              <a:schemeClr val="accent1"/>
+            </a:solidFill>
+          </a:ln>
+        </p:spPr>
+        <p:style>
+          <a:lnRef idx="2">
+            <a:schemeClr val="accent1">
+              <a:shade val="50000"/>
+            </a:schemeClr>
+          </a:lnRef>
+          <a:fillRef idx="1">
+            <a:schemeClr val="accent1"/>
+          </a:fillRef>
+          <a:effectRef idx="0">
+            <a:schemeClr val="accent1"/>
+          </a:effectRef>
+          <a:fontRef idx="minor">
+            <a:schemeClr val="lt1"/>
+          </a:fontRef>
+        </p:style>
+        <p:txBody>
+          <a:bodyPr rtlCol="0" anchor="ctr"/>
           <a:lstStyle/>
           <a:p>
-            <a:r>
-              <a:rPr lang="en-US" altLang="ko-KR" sz="1400" dirty="0">
-                <a:latin typeface="+mj-ea"/>
-                <a:ea typeface="+mj-ea"/>
-              </a:rPr>
-              <a:t>Select *, </a:t>
-            </a:r>
-            <a:r>
-              <a:rPr lang="en-US" altLang="ko-KR" sz="1400" dirty="0" err="1">
-                <a:latin typeface="+mj-ea"/>
-              </a:rPr>
-              <a:t>kor+eng+mat</a:t>
-            </a:r>
-            <a:r>
-              <a:rPr lang="en-US" altLang="ko-KR" sz="1400" dirty="0">
-                <a:latin typeface="+mj-ea"/>
-              </a:rPr>
-              <a:t>, </a:t>
-            </a:r>
-            <a:r>
-              <a:rPr lang="en-US" altLang="ko-KR" sz="1400" dirty="0">
-                <a:latin typeface="+mj-ea"/>
-                <a:ea typeface="+mj-ea"/>
-              </a:rPr>
-              <a:t>(</a:t>
-            </a:r>
-            <a:r>
-              <a:rPr lang="en-US" altLang="ko-KR" sz="1400" dirty="0" err="1">
-                <a:latin typeface="+mj-ea"/>
-                <a:ea typeface="+mj-ea"/>
-              </a:rPr>
-              <a:t>kor+eng+mat</a:t>
-            </a:r>
-            <a:r>
-              <a:rPr lang="en-US" altLang="ko-KR" sz="1400" dirty="0">
-                <a:latin typeface="+mj-ea"/>
-                <a:ea typeface="+mj-ea"/>
-              </a:rPr>
-              <a:t>)/3 from </a:t>
-            </a:r>
-            <a:r>
-              <a:rPr lang="en-US" altLang="ko-KR" sz="1400" dirty="0" err="1">
-                <a:latin typeface="+mj-ea"/>
-                <a:ea typeface="+mj-ea"/>
-              </a:rPr>
-              <a:t>examtable</a:t>
-            </a:r>
-            <a:r>
-              <a:rPr lang="en-US" altLang="ko-KR" sz="1400" dirty="0">
-                <a:latin typeface="+mj-ea"/>
-                <a:ea typeface="+mj-ea"/>
-              </a:rPr>
-              <a:t>;</a:t>
-            </a:r>
-            <a:endParaRPr lang="ko-KR" altLang="en-US" sz="1400" dirty="0">
-              <a:latin typeface="+mj-ea"/>
-              <a:ea typeface="+mj-ea"/>
-            </a:endParaRPr>
+            <a:pPr algn="ctr"/>
+            <a:endParaRPr lang="ko-KR" altLang="en-US"/>
           </a:p>
         </p:txBody>
       </p:sp>
@@ -8894,199 +11756,93 @@
       </p:pic>
       <p:sp>
         <p:nvSpPr>
-          <p:cNvPr id="7" name="TextBox 6"/>
-          <p:cNvSpPr txBox="1"/>
-          <p:nvPr/>
-        </p:nvSpPr>
-        <p:spPr>
-          <a:xfrm>
-            <a:off x="339289" y="1056070"/>
-            <a:ext cx="5634676" cy="523220"/>
-          </a:xfrm>
-          <a:prstGeom prst="rect">
+          <p:cNvPr id="9" name="모서리가 둥근 직사각형 8"/>
+          <p:cNvSpPr/>
+          <p:nvPr/>
+        </p:nvSpPr>
+        <p:spPr>
+          <a:xfrm>
+            <a:off x="339288" y="453040"/>
+            <a:ext cx="5710381" cy="413885"/>
+          </a:xfrm>
+          <a:prstGeom prst="roundRect">
             <a:avLst/>
           </a:prstGeom>
           <a:noFill/>
-        </p:spPr>
-        <p:txBody>
-          <a:bodyPr wrap="square" rtlCol="0">
-            <a:spAutoFit/>
-          </a:bodyPr>
+          <a:ln>
+            <a:solidFill>
+              <a:schemeClr val="accent1"/>
+            </a:solidFill>
+          </a:ln>
+        </p:spPr>
+        <p:style>
+          <a:lnRef idx="2">
+            <a:schemeClr val="accent1">
+              <a:shade val="50000"/>
+            </a:schemeClr>
+          </a:lnRef>
+          <a:fillRef idx="1">
+            <a:schemeClr val="accent1"/>
+          </a:fillRef>
+          <a:effectRef idx="0">
+            <a:schemeClr val="accent1"/>
+          </a:effectRef>
+          <a:fontRef idx="minor">
+            <a:schemeClr val="lt1"/>
+          </a:fontRef>
+        </p:style>
+        <p:txBody>
+          <a:bodyPr rtlCol="0" anchor="ctr"/>
           <a:lstStyle/>
           <a:p>
-            <a:r>
-              <a:rPr lang="en-US" altLang="ko-KR" sz="1400" dirty="0">
-                <a:latin typeface="+mj-ea"/>
-                <a:ea typeface="+mj-ea"/>
-              </a:rPr>
-              <a:t>Select *, </a:t>
-            </a:r>
-            <a:r>
-              <a:rPr lang="en-US" altLang="ko-KR" sz="1400" dirty="0" err="1">
-                <a:latin typeface="+mj-ea"/>
-                <a:ea typeface="+mj-ea"/>
-              </a:rPr>
-              <a:t>kor+eng+mat</a:t>
-            </a:r>
-            <a:r>
-              <a:rPr lang="en-US" altLang="ko-KR" sz="1400" dirty="0">
-                <a:latin typeface="+mj-ea"/>
-                <a:ea typeface="+mj-ea"/>
-              </a:rPr>
-              <a:t>, (</a:t>
-            </a:r>
-            <a:r>
-              <a:rPr lang="en-US" altLang="ko-KR" sz="1400" dirty="0" err="1">
-                <a:latin typeface="+mj-ea"/>
-                <a:ea typeface="+mj-ea"/>
-              </a:rPr>
-              <a:t>kor+eng+mat</a:t>
-            </a:r>
-            <a:r>
-              <a:rPr lang="en-US" altLang="ko-KR" sz="1400" dirty="0">
-                <a:latin typeface="+mj-ea"/>
-                <a:ea typeface="+mj-ea"/>
-              </a:rPr>
-              <a:t>)/3 from </a:t>
-            </a:r>
-            <a:r>
-              <a:rPr lang="en-US" altLang="ko-KR" sz="1400" dirty="0" err="1">
-                <a:latin typeface="+mj-ea"/>
-                <a:ea typeface="+mj-ea"/>
-              </a:rPr>
-              <a:t>examtable</a:t>
-            </a:r>
-            <a:r>
-              <a:rPr lang="en-US" altLang="ko-KR" sz="1400" dirty="0">
-                <a:latin typeface="+mj-ea"/>
-                <a:ea typeface="+mj-ea"/>
-              </a:rPr>
-              <a:t> order by </a:t>
-            </a:r>
-            <a:r>
-              <a:rPr lang="en-US" altLang="ko-KR" sz="1400" dirty="0" err="1">
-                <a:latin typeface="+mj-ea"/>
-                <a:ea typeface="+mj-ea"/>
-              </a:rPr>
-              <a:t>kor+eng+mat</a:t>
-            </a:r>
-            <a:r>
-              <a:rPr lang="en-US" altLang="ko-KR" sz="1400" dirty="0">
-                <a:latin typeface="+mj-ea"/>
-                <a:ea typeface="+mj-ea"/>
-              </a:rPr>
-              <a:t> </a:t>
-            </a:r>
-            <a:r>
-              <a:rPr lang="en-US" altLang="ko-KR" sz="1400" dirty="0" err="1">
-                <a:latin typeface="+mj-ea"/>
-                <a:ea typeface="+mj-ea"/>
-              </a:rPr>
-              <a:t>desc</a:t>
-            </a:r>
-            <a:r>
-              <a:rPr lang="en-US" altLang="ko-KR" sz="1400" dirty="0">
-                <a:latin typeface="+mj-ea"/>
-                <a:ea typeface="+mj-ea"/>
-              </a:rPr>
-              <a:t>;</a:t>
-            </a:r>
-            <a:endParaRPr lang="ko-KR" altLang="en-US" sz="1400" dirty="0">
-              <a:latin typeface="+mj-ea"/>
-              <a:ea typeface="+mj-ea"/>
-            </a:endParaRPr>
-          </a:p>
-        </p:txBody>
-      </p:sp>
-      <p:sp>
-        <p:nvSpPr>
-          <p:cNvPr id="8" name="TextBox 7"/>
-          <p:cNvSpPr txBox="1"/>
-          <p:nvPr/>
-        </p:nvSpPr>
-        <p:spPr>
-          <a:xfrm>
-            <a:off x="6100877" y="1056069"/>
-            <a:ext cx="5634676" cy="523220"/>
-          </a:xfrm>
-          <a:prstGeom prst="rect">
+            <a:pPr algn="ctr"/>
+            <a:endParaRPr lang="ko-KR" altLang="en-US"/>
+          </a:p>
+        </p:txBody>
+      </p:sp>
+      <p:sp>
+        <p:nvSpPr>
+          <p:cNvPr id="11" name="모서리가 둥근 직사각형 10"/>
+          <p:cNvSpPr/>
+          <p:nvPr/>
+        </p:nvSpPr>
+        <p:spPr>
+          <a:xfrm>
+            <a:off x="6100877" y="453039"/>
+            <a:ext cx="5786323" cy="413886"/>
+          </a:xfrm>
+          <a:prstGeom prst="roundRect">
             <a:avLst/>
           </a:prstGeom>
           <a:noFill/>
-        </p:spPr>
-        <p:txBody>
-          <a:bodyPr wrap="square" rtlCol="0">
-            <a:spAutoFit/>
-          </a:bodyPr>
+          <a:ln>
+            <a:solidFill>
+              <a:schemeClr val="accent1"/>
+            </a:solidFill>
+          </a:ln>
+        </p:spPr>
+        <p:style>
+          <a:lnRef idx="2">
+            <a:schemeClr val="accent1">
+              <a:shade val="50000"/>
+            </a:schemeClr>
+          </a:lnRef>
+          <a:fillRef idx="1">
+            <a:schemeClr val="accent1"/>
+          </a:fillRef>
+          <a:effectRef idx="0">
+            <a:schemeClr val="accent1"/>
+          </a:effectRef>
+          <a:fontRef idx="minor">
+            <a:schemeClr val="lt1"/>
+          </a:fontRef>
+        </p:style>
+        <p:txBody>
+          <a:bodyPr rtlCol="0" anchor="ctr"/>
           <a:lstStyle/>
           <a:p>
-            <a:r>
-              <a:rPr lang="en-US" altLang="ko-KR" sz="1400" dirty="0">
-                <a:latin typeface="+mj-ea"/>
-                <a:ea typeface="+mj-ea"/>
-              </a:rPr>
-              <a:t>Select *, </a:t>
-            </a:r>
-            <a:r>
-              <a:rPr lang="en-US" altLang="ko-KR" sz="1400" dirty="0" err="1">
-                <a:latin typeface="+mj-ea"/>
-                <a:ea typeface="+mj-ea"/>
-              </a:rPr>
-              <a:t>kor+eng+mat</a:t>
-            </a:r>
-            <a:r>
-              <a:rPr lang="en-US" altLang="ko-KR" sz="1400" dirty="0">
-                <a:latin typeface="+mj-ea"/>
-                <a:ea typeface="+mj-ea"/>
-              </a:rPr>
-              <a:t> as total, (</a:t>
-            </a:r>
-            <a:r>
-              <a:rPr lang="en-US" altLang="ko-KR" sz="1400" dirty="0" err="1">
-                <a:latin typeface="+mj-ea"/>
-                <a:ea typeface="+mj-ea"/>
-              </a:rPr>
-              <a:t>kor+eng+mat</a:t>
-            </a:r>
-            <a:r>
-              <a:rPr lang="en-US" altLang="ko-KR" sz="1400" dirty="0">
-                <a:latin typeface="+mj-ea"/>
-                <a:ea typeface="+mj-ea"/>
-              </a:rPr>
-              <a:t>)/3 as average from </a:t>
-            </a:r>
-            <a:r>
-              <a:rPr lang="en-US" altLang="ko-KR" sz="1400" dirty="0" err="1">
-                <a:latin typeface="+mj-ea"/>
-                <a:ea typeface="+mj-ea"/>
-              </a:rPr>
-              <a:t>examtable</a:t>
-            </a:r>
-            <a:r>
-              <a:rPr lang="en-US" altLang="ko-KR" sz="1400" dirty="0">
-                <a:latin typeface="+mj-ea"/>
-                <a:ea typeface="+mj-ea"/>
-              </a:rPr>
-              <a:t> order by total </a:t>
-            </a:r>
-            <a:r>
-              <a:rPr lang="en-US" altLang="ko-KR" sz="1400" dirty="0" err="1">
-                <a:latin typeface="+mj-ea"/>
-                <a:ea typeface="+mj-ea"/>
-              </a:rPr>
-              <a:t>desc</a:t>
-            </a:r>
-            <a:r>
-              <a:rPr lang="en-US" altLang="ko-KR" sz="1400" dirty="0">
-                <a:latin typeface="+mj-ea"/>
-                <a:ea typeface="+mj-ea"/>
-              </a:rPr>
-              <a:t>;</a:t>
-            </a:r>
-            <a:endParaRPr lang="ko-KR" altLang="en-US" sz="1400" dirty="0">
-              <a:latin typeface="+mj-ea"/>
-              <a:ea typeface="+mj-ea"/>
-            </a:endParaRPr>
+            <a:pPr algn="ctr"/>
+            <a:endParaRPr lang="ko-KR" altLang="en-US"/>
           </a:p>
         </p:txBody>
       </p:sp>
